--- a/Autoencoder Classifier for Wafer resistance test map.pptx
+++ b/Autoencoder Classifier for Wafer resistance test map.pptx
@@ -8,17 +8,26 @@
     <p:sldId id="256" r:id="rId2"/>
     <p:sldId id="257" r:id="rId3"/>
     <p:sldId id="258" r:id="rId4"/>
-    <p:sldId id="259" r:id="rId5"/>
-    <p:sldId id="260" r:id="rId6"/>
-    <p:sldId id="262" r:id="rId7"/>
-    <p:sldId id="261" r:id="rId8"/>
-    <p:sldId id="263" r:id="rId9"/>
-    <p:sldId id="264" r:id="rId10"/>
-    <p:sldId id="265" r:id="rId11"/>
-    <p:sldId id="266" r:id="rId12"/>
-    <p:sldId id="269" r:id="rId13"/>
-    <p:sldId id="268" r:id="rId14"/>
-    <p:sldId id="270" r:id="rId15"/>
+    <p:sldId id="275" r:id="rId5"/>
+    <p:sldId id="259" r:id="rId6"/>
+    <p:sldId id="260" r:id="rId7"/>
+    <p:sldId id="262" r:id="rId8"/>
+    <p:sldId id="276" r:id="rId9"/>
+    <p:sldId id="261" r:id="rId10"/>
+    <p:sldId id="277" r:id="rId11"/>
+    <p:sldId id="263" r:id="rId12"/>
+    <p:sldId id="278" r:id="rId13"/>
+    <p:sldId id="279" r:id="rId14"/>
+    <p:sldId id="264" r:id="rId15"/>
+    <p:sldId id="265" r:id="rId16"/>
+    <p:sldId id="266" r:id="rId17"/>
+    <p:sldId id="269" r:id="rId18"/>
+    <p:sldId id="271" r:id="rId19"/>
+    <p:sldId id="268" r:id="rId20"/>
+    <p:sldId id="270" r:id="rId21"/>
+    <p:sldId id="272" r:id="rId22"/>
+    <p:sldId id="273" r:id="rId23"/>
+    <p:sldId id="274" r:id="rId24"/>
   </p:sldIdLst>
   <p:sldSz cx="12192000" cy="6858000"/>
   <p:notesSz cx="6858000" cy="9144000"/>
@@ -117,7 +126,2859 @@
       </a:defRPr>
     </a:lvl9pPr>
   </p:defaultTextStyle>
+  <p:extLst>
+    <p:ext uri="{EFAFB233-063F-42B5-8137-9DF3F51BA10A}">
+      <p15:sldGuideLst xmlns:p15="http://schemas.microsoft.com/office/powerpoint/2012/main"/>
+    </p:ext>
+  </p:extLst>
 </p:presentation>
+</file>
+
+<file path=ppt/diagrams/colors1.xml><?xml version="1.0" encoding="utf-8"?>
+<dgm:colorsDef xmlns:dgm="http://schemas.openxmlformats.org/drawingml/2006/diagram" xmlns:a="http://schemas.openxmlformats.org/drawingml/2006/main" uniqueId="urn:microsoft.com/office/officeart/2005/8/colors/accent1_2">
+  <dgm:title val=""/>
+  <dgm:desc val=""/>
+  <dgm:catLst>
+    <dgm:cat type="accent1" pri="11200"/>
+  </dgm:catLst>
+  <dgm:styleLbl name="node0">
+    <dgm:fillClrLst meth="repeat">
+      <a:schemeClr val="accent1"/>
+    </dgm:fillClrLst>
+    <dgm:linClrLst meth="repeat">
+      <a:schemeClr val="lt1"/>
+    </dgm:linClrLst>
+    <dgm:effectClrLst/>
+    <dgm:txLinClrLst/>
+    <dgm:txFillClrLst/>
+    <dgm:txEffectClrLst/>
+  </dgm:styleLbl>
+  <dgm:styleLbl name="alignNode1">
+    <dgm:fillClrLst meth="repeat">
+      <a:schemeClr val="accent1"/>
+    </dgm:fillClrLst>
+    <dgm:linClrLst meth="repeat">
+      <a:schemeClr val="accent1"/>
+    </dgm:linClrLst>
+    <dgm:effectClrLst/>
+    <dgm:txLinClrLst/>
+    <dgm:txFillClrLst/>
+    <dgm:txEffectClrLst/>
+  </dgm:styleLbl>
+  <dgm:styleLbl name="node1">
+    <dgm:fillClrLst meth="repeat">
+      <a:schemeClr val="accent1"/>
+    </dgm:fillClrLst>
+    <dgm:linClrLst meth="repeat">
+      <a:schemeClr val="lt1"/>
+    </dgm:linClrLst>
+    <dgm:effectClrLst/>
+    <dgm:txLinClrLst/>
+    <dgm:txFillClrLst/>
+    <dgm:txEffectClrLst/>
+  </dgm:styleLbl>
+  <dgm:styleLbl name="lnNode1">
+    <dgm:fillClrLst meth="repeat">
+      <a:schemeClr val="accent1"/>
+    </dgm:fillClrLst>
+    <dgm:linClrLst meth="repeat">
+      <a:schemeClr val="lt1"/>
+    </dgm:linClrLst>
+    <dgm:effectClrLst/>
+    <dgm:txLinClrLst/>
+    <dgm:txFillClrLst/>
+    <dgm:txEffectClrLst/>
+  </dgm:styleLbl>
+  <dgm:styleLbl name="vennNode1">
+    <dgm:fillClrLst meth="repeat">
+      <a:schemeClr val="accent1">
+        <a:alpha val="50000"/>
+      </a:schemeClr>
+    </dgm:fillClrLst>
+    <dgm:linClrLst meth="repeat">
+      <a:schemeClr val="lt1"/>
+    </dgm:linClrLst>
+    <dgm:effectClrLst/>
+    <dgm:txLinClrLst/>
+    <dgm:txFillClrLst/>
+    <dgm:txEffectClrLst/>
+  </dgm:styleLbl>
+  <dgm:styleLbl name="node2">
+    <dgm:fillClrLst meth="repeat">
+      <a:schemeClr val="accent1"/>
+    </dgm:fillClrLst>
+    <dgm:linClrLst meth="repeat">
+      <a:schemeClr val="lt1"/>
+    </dgm:linClrLst>
+    <dgm:effectClrLst/>
+    <dgm:txLinClrLst/>
+    <dgm:txFillClrLst/>
+    <dgm:txEffectClrLst/>
+  </dgm:styleLbl>
+  <dgm:styleLbl name="node3">
+    <dgm:fillClrLst meth="repeat">
+      <a:schemeClr val="accent1"/>
+    </dgm:fillClrLst>
+    <dgm:linClrLst meth="repeat">
+      <a:schemeClr val="lt1"/>
+    </dgm:linClrLst>
+    <dgm:effectClrLst/>
+    <dgm:txLinClrLst/>
+    <dgm:txFillClrLst/>
+    <dgm:txEffectClrLst/>
+  </dgm:styleLbl>
+  <dgm:styleLbl name="node4">
+    <dgm:fillClrLst meth="repeat">
+      <a:schemeClr val="accent1"/>
+    </dgm:fillClrLst>
+    <dgm:linClrLst meth="repeat">
+      <a:schemeClr val="lt1"/>
+    </dgm:linClrLst>
+    <dgm:effectClrLst/>
+    <dgm:txLinClrLst/>
+    <dgm:txFillClrLst/>
+    <dgm:txEffectClrLst/>
+  </dgm:styleLbl>
+  <dgm:styleLbl name="fgImgPlace1">
+    <dgm:fillClrLst meth="repeat">
+      <a:schemeClr val="accent1">
+        <a:tint val="50000"/>
+      </a:schemeClr>
+    </dgm:fillClrLst>
+    <dgm:linClrLst meth="repeat">
+      <a:schemeClr val="lt1"/>
+    </dgm:linClrLst>
+    <dgm:effectClrLst/>
+    <dgm:txLinClrLst/>
+    <dgm:txFillClrLst meth="repeat">
+      <a:schemeClr val="lt1"/>
+    </dgm:txFillClrLst>
+    <dgm:txEffectClrLst/>
+  </dgm:styleLbl>
+  <dgm:styleLbl name="alignImgPlace1">
+    <dgm:fillClrLst meth="repeat">
+      <a:schemeClr val="accent1">
+        <a:tint val="50000"/>
+      </a:schemeClr>
+    </dgm:fillClrLst>
+    <dgm:linClrLst meth="repeat">
+      <a:schemeClr val="lt1"/>
+    </dgm:linClrLst>
+    <dgm:effectClrLst/>
+    <dgm:txLinClrLst/>
+    <dgm:txFillClrLst meth="repeat">
+      <a:schemeClr val="lt1"/>
+    </dgm:txFillClrLst>
+    <dgm:txEffectClrLst/>
+  </dgm:styleLbl>
+  <dgm:styleLbl name="bgImgPlace1">
+    <dgm:fillClrLst meth="repeat">
+      <a:schemeClr val="accent1">
+        <a:tint val="50000"/>
+      </a:schemeClr>
+    </dgm:fillClrLst>
+    <dgm:linClrLst meth="repeat">
+      <a:schemeClr val="lt1"/>
+    </dgm:linClrLst>
+    <dgm:effectClrLst/>
+    <dgm:txLinClrLst/>
+    <dgm:txFillClrLst meth="repeat">
+      <a:schemeClr val="lt1"/>
+    </dgm:txFillClrLst>
+    <dgm:txEffectClrLst/>
+  </dgm:styleLbl>
+  <dgm:styleLbl name="sibTrans2D1">
+    <dgm:fillClrLst meth="repeat">
+      <a:schemeClr val="accent1">
+        <a:tint val="60000"/>
+      </a:schemeClr>
+    </dgm:fillClrLst>
+    <dgm:linClrLst meth="repeat">
+      <a:schemeClr val="accent1">
+        <a:tint val="60000"/>
+      </a:schemeClr>
+    </dgm:linClrLst>
+    <dgm:effectClrLst/>
+    <dgm:txLinClrLst/>
+    <dgm:txFillClrLst/>
+    <dgm:txEffectClrLst/>
+  </dgm:styleLbl>
+  <dgm:styleLbl name="fgSibTrans2D1">
+    <dgm:fillClrLst meth="repeat">
+      <a:schemeClr val="accent1">
+        <a:tint val="60000"/>
+      </a:schemeClr>
+    </dgm:fillClrLst>
+    <dgm:linClrLst meth="repeat">
+      <a:schemeClr val="accent1">
+        <a:tint val="60000"/>
+      </a:schemeClr>
+    </dgm:linClrLst>
+    <dgm:effectClrLst/>
+    <dgm:txLinClrLst/>
+    <dgm:txFillClrLst/>
+    <dgm:txEffectClrLst/>
+  </dgm:styleLbl>
+  <dgm:styleLbl name="bgSibTrans2D1">
+    <dgm:fillClrLst meth="repeat">
+      <a:schemeClr val="accent1">
+        <a:tint val="60000"/>
+      </a:schemeClr>
+    </dgm:fillClrLst>
+    <dgm:linClrLst meth="repeat">
+      <a:schemeClr val="accent1">
+        <a:tint val="60000"/>
+      </a:schemeClr>
+    </dgm:linClrLst>
+    <dgm:effectClrLst/>
+    <dgm:txLinClrLst/>
+    <dgm:txFillClrLst/>
+    <dgm:txEffectClrLst/>
+  </dgm:styleLbl>
+  <dgm:styleLbl name="sibTrans1D1">
+    <dgm:fillClrLst meth="repeat">
+      <a:schemeClr val="accent1"/>
+    </dgm:fillClrLst>
+    <dgm:linClrLst meth="repeat">
+      <a:schemeClr val="accent1"/>
+    </dgm:linClrLst>
+    <dgm:effectClrLst/>
+    <dgm:txLinClrLst/>
+    <dgm:txFillClrLst meth="repeat">
+      <a:schemeClr val="tx1"/>
+    </dgm:txFillClrLst>
+    <dgm:txEffectClrLst/>
+  </dgm:styleLbl>
+  <dgm:styleLbl name="callout">
+    <dgm:fillClrLst meth="repeat">
+      <a:schemeClr val="accent1"/>
+    </dgm:fillClrLst>
+    <dgm:linClrLst meth="repeat">
+      <a:schemeClr val="accent1">
+        <a:tint val="50000"/>
+      </a:schemeClr>
+    </dgm:linClrLst>
+    <dgm:effectClrLst/>
+    <dgm:txLinClrLst/>
+    <dgm:txFillClrLst meth="repeat">
+      <a:schemeClr val="tx1"/>
+    </dgm:txFillClrLst>
+    <dgm:txEffectClrLst/>
+  </dgm:styleLbl>
+  <dgm:styleLbl name="asst0">
+    <dgm:fillClrLst meth="repeat">
+      <a:schemeClr val="accent1"/>
+    </dgm:fillClrLst>
+    <dgm:linClrLst meth="repeat">
+      <a:schemeClr val="lt1"/>
+    </dgm:linClrLst>
+    <dgm:effectClrLst/>
+    <dgm:txLinClrLst/>
+    <dgm:txFillClrLst/>
+    <dgm:txEffectClrLst/>
+  </dgm:styleLbl>
+  <dgm:styleLbl name="asst1">
+    <dgm:fillClrLst meth="repeat">
+      <a:schemeClr val="accent1"/>
+    </dgm:fillClrLst>
+    <dgm:linClrLst meth="repeat">
+      <a:schemeClr val="lt1"/>
+    </dgm:linClrLst>
+    <dgm:effectClrLst/>
+    <dgm:txLinClrLst/>
+    <dgm:txFillClrLst/>
+    <dgm:txEffectClrLst/>
+  </dgm:styleLbl>
+  <dgm:styleLbl name="asst2">
+    <dgm:fillClrLst meth="repeat">
+      <a:schemeClr val="accent1"/>
+    </dgm:fillClrLst>
+    <dgm:linClrLst meth="repeat">
+      <a:schemeClr val="lt1"/>
+    </dgm:linClrLst>
+    <dgm:effectClrLst/>
+    <dgm:txLinClrLst/>
+    <dgm:txFillClrLst/>
+    <dgm:txEffectClrLst/>
+  </dgm:styleLbl>
+  <dgm:styleLbl name="asst3">
+    <dgm:fillClrLst meth="repeat">
+      <a:schemeClr val="accent1"/>
+    </dgm:fillClrLst>
+    <dgm:linClrLst meth="repeat">
+      <a:schemeClr val="lt1"/>
+    </dgm:linClrLst>
+    <dgm:effectClrLst/>
+    <dgm:txLinClrLst/>
+    <dgm:txFillClrLst/>
+    <dgm:txEffectClrLst/>
+  </dgm:styleLbl>
+  <dgm:styleLbl name="asst4">
+    <dgm:fillClrLst meth="repeat">
+      <a:schemeClr val="accent1"/>
+    </dgm:fillClrLst>
+    <dgm:linClrLst meth="repeat">
+      <a:schemeClr val="lt1"/>
+    </dgm:linClrLst>
+    <dgm:effectClrLst/>
+    <dgm:txLinClrLst/>
+    <dgm:txFillClrLst/>
+    <dgm:txEffectClrLst/>
+  </dgm:styleLbl>
+  <dgm:styleLbl name="parChTrans2D1">
+    <dgm:fillClrLst meth="repeat">
+      <a:schemeClr val="accent1">
+        <a:tint val="60000"/>
+      </a:schemeClr>
+    </dgm:fillClrLst>
+    <dgm:linClrLst meth="repeat">
+      <a:schemeClr val="accent1">
+        <a:tint val="60000"/>
+      </a:schemeClr>
+    </dgm:linClrLst>
+    <dgm:effectClrLst/>
+    <dgm:txLinClrLst/>
+    <dgm:txFillClrLst meth="repeat">
+      <a:schemeClr val="lt1"/>
+    </dgm:txFillClrLst>
+    <dgm:txEffectClrLst/>
+  </dgm:styleLbl>
+  <dgm:styleLbl name="parChTrans2D2">
+    <dgm:fillClrLst meth="repeat">
+      <a:schemeClr val="accent1"/>
+    </dgm:fillClrLst>
+    <dgm:linClrLst meth="repeat">
+      <a:schemeClr val="accent1"/>
+    </dgm:linClrLst>
+    <dgm:effectClrLst/>
+    <dgm:txLinClrLst/>
+    <dgm:txFillClrLst meth="repeat">
+      <a:schemeClr val="lt1"/>
+    </dgm:txFillClrLst>
+    <dgm:txEffectClrLst/>
+  </dgm:styleLbl>
+  <dgm:styleLbl name="parChTrans2D3">
+    <dgm:fillClrLst meth="repeat">
+      <a:schemeClr val="accent1"/>
+    </dgm:fillClrLst>
+    <dgm:linClrLst meth="repeat">
+      <a:schemeClr val="accent1"/>
+    </dgm:linClrLst>
+    <dgm:effectClrLst/>
+    <dgm:txLinClrLst/>
+    <dgm:txFillClrLst meth="repeat">
+      <a:schemeClr val="lt1"/>
+    </dgm:txFillClrLst>
+    <dgm:txEffectClrLst/>
+  </dgm:styleLbl>
+  <dgm:styleLbl name="parChTrans2D4">
+    <dgm:fillClrLst meth="repeat">
+      <a:schemeClr val="accent1"/>
+    </dgm:fillClrLst>
+    <dgm:linClrLst meth="repeat">
+      <a:schemeClr val="accent1"/>
+    </dgm:linClrLst>
+    <dgm:effectClrLst/>
+    <dgm:txLinClrLst/>
+    <dgm:txFillClrLst meth="repeat">
+      <a:schemeClr val="lt1"/>
+    </dgm:txFillClrLst>
+    <dgm:txEffectClrLst/>
+  </dgm:styleLbl>
+  <dgm:styleLbl name="parChTrans1D1">
+    <dgm:fillClrLst meth="repeat">
+      <a:schemeClr val="accent1"/>
+    </dgm:fillClrLst>
+    <dgm:linClrLst meth="repeat">
+      <a:schemeClr val="accent1">
+        <a:shade val="60000"/>
+      </a:schemeClr>
+    </dgm:linClrLst>
+    <dgm:effectClrLst/>
+    <dgm:txLinClrLst/>
+    <dgm:txFillClrLst meth="repeat">
+      <a:schemeClr val="tx1"/>
+    </dgm:txFillClrLst>
+    <dgm:txEffectClrLst/>
+  </dgm:styleLbl>
+  <dgm:styleLbl name="parChTrans1D2">
+    <dgm:fillClrLst meth="repeat">
+      <a:schemeClr val="accent1"/>
+    </dgm:fillClrLst>
+    <dgm:linClrLst meth="repeat">
+      <a:schemeClr val="accent1">
+        <a:shade val="60000"/>
+      </a:schemeClr>
+    </dgm:linClrLst>
+    <dgm:effectClrLst/>
+    <dgm:txLinClrLst/>
+    <dgm:txFillClrLst meth="repeat">
+      <a:schemeClr val="tx1"/>
+    </dgm:txFillClrLst>
+    <dgm:txEffectClrLst/>
+  </dgm:styleLbl>
+  <dgm:styleLbl name="parChTrans1D3">
+    <dgm:fillClrLst meth="repeat">
+      <a:schemeClr val="accent1"/>
+    </dgm:fillClrLst>
+    <dgm:linClrLst meth="repeat">
+      <a:schemeClr val="accent1">
+        <a:shade val="80000"/>
+      </a:schemeClr>
+    </dgm:linClrLst>
+    <dgm:effectClrLst/>
+    <dgm:txLinClrLst/>
+    <dgm:txFillClrLst meth="repeat">
+      <a:schemeClr val="tx1"/>
+    </dgm:txFillClrLst>
+    <dgm:txEffectClrLst/>
+  </dgm:styleLbl>
+  <dgm:styleLbl name="parChTrans1D4">
+    <dgm:fillClrLst meth="repeat">
+      <a:schemeClr val="accent1"/>
+    </dgm:fillClrLst>
+    <dgm:linClrLst meth="repeat">
+      <a:schemeClr val="accent1">
+        <a:shade val="80000"/>
+      </a:schemeClr>
+    </dgm:linClrLst>
+    <dgm:effectClrLst/>
+    <dgm:txLinClrLst/>
+    <dgm:txFillClrLst meth="repeat">
+      <a:schemeClr val="tx1"/>
+    </dgm:txFillClrLst>
+    <dgm:txEffectClrLst/>
+  </dgm:styleLbl>
+  <dgm:styleLbl name="fgAcc1">
+    <dgm:fillClrLst meth="repeat">
+      <a:schemeClr val="lt1">
+        <a:alpha val="90000"/>
+      </a:schemeClr>
+    </dgm:fillClrLst>
+    <dgm:linClrLst meth="repeat">
+      <a:schemeClr val="accent1"/>
+    </dgm:linClrLst>
+    <dgm:effectClrLst/>
+    <dgm:txLinClrLst/>
+    <dgm:txFillClrLst meth="repeat">
+      <a:schemeClr val="dk1"/>
+    </dgm:txFillClrLst>
+    <dgm:txEffectClrLst/>
+  </dgm:styleLbl>
+  <dgm:styleLbl name="conFgAcc1">
+    <dgm:fillClrLst meth="repeat">
+      <a:schemeClr val="lt1">
+        <a:alpha val="90000"/>
+      </a:schemeClr>
+    </dgm:fillClrLst>
+    <dgm:linClrLst meth="repeat">
+      <a:schemeClr val="accent1"/>
+    </dgm:linClrLst>
+    <dgm:effectClrLst/>
+    <dgm:txLinClrLst/>
+    <dgm:txFillClrLst meth="repeat">
+      <a:schemeClr val="dk1"/>
+    </dgm:txFillClrLst>
+    <dgm:txEffectClrLst/>
+  </dgm:styleLbl>
+  <dgm:styleLbl name="alignAcc1">
+    <dgm:fillClrLst meth="repeat">
+      <a:schemeClr val="lt1">
+        <a:alpha val="90000"/>
+      </a:schemeClr>
+    </dgm:fillClrLst>
+    <dgm:linClrLst meth="repeat">
+      <a:schemeClr val="accent1"/>
+    </dgm:linClrLst>
+    <dgm:effectClrLst/>
+    <dgm:txLinClrLst/>
+    <dgm:txFillClrLst meth="repeat">
+      <a:schemeClr val="dk1"/>
+    </dgm:txFillClrLst>
+    <dgm:txEffectClrLst/>
+  </dgm:styleLbl>
+  <dgm:styleLbl name="trAlignAcc1">
+    <dgm:fillClrLst meth="repeat">
+      <a:schemeClr val="lt1">
+        <a:alpha val="40000"/>
+      </a:schemeClr>
+    </dgm:fillClrLst>
+    <dgm:linClrLst meth="repeat">
+      <a:schemeClr val="accent1"/>
+    </dgm:linClrLst>
+    <dgm:effectClrLst/>
+    <dgm:txLinClrLst/>
+    <dgm:txFillClrLst meth="repeat">
+      <a:schemeClr val="dk1"/>
+    </dgm:txFillClrLst>
+    <dgm:txEffectClrLst/>
+  </dgm:styleLbl>
+  <dgm:styleLbl name="bgAcc1">
+    <dgm:fillClrLst meth="repeat">
+      <a:schemeClr val="lt1">
+        <a:alpha val="90000"/>
+      </a:schemeClr>
+    </dgm:fillClrLst>
+    <dgm:linClrLst meth="repeat">
+      <a:schemeClr val="accent1"/>
+    </dgm:linClrLst>
+    <dgm:effectClrLst/>
+    <dgm:txLinClrLst/>
+    <dgm:txFillClrLst meth="repeat">
+      <a:schemeClr val="dk1"/>
+    </dgm:txFillClrLst>
+    <dgm:txEffectClrLst/>
+  </dgm:styleLbl>
+  <dgm:styleLbl name="solidFgAcc1">
+    <dgm:fillClrLst meth="repeat">
+      <a:schemeClr val="lt1"/>
+    </dgm:fillClrLst>
+    <dgm:linClrLst meth="repeat">
+      <a:schemeClr val="accent1"/>
+    </dgm:linClrLst>
+    <dgm:effectClrLst/>
+    <dgm:txLinClrLst/>
+    <dgm:txFillClrLst meth="repeat">
+      <a:schemeClr val="dk1"/>
+    </dgm:txFillClrLst>
+    <dgm:txEffectClrLst/>
+  </dgm:styleLbl>
+  <dgm:styleLbl name="solidAlignAcc1">
+    <dgm:fillClrLst meth="repeat">
+      <a:schemeClr val="lt1"/>
+    </dgm:fillClrLst>
+    <dgm:linClrLst meth="repeat">
+      <a:schemeClr val="accent1"/>
+    </dgm:linClrLst>
+    <dgm:effectClrLst/>
+    <dgm:txLinClrLst/>
+    <dgm:txFillClrLst meth="repeat">
+      <a:schemeClr val="dk1"/>
+    </dgm:txFillClrLst>
+    <dgm:txEffectClrLst/>
+  </dgm:styleLbl>
+  <dgm:styleLbl name="solidBgAcc1">
+    <dgm:fillClrLst meth="repeat">
+      <a:schemeClr val="lt1"/>
+    </dgm:fillClrLst>
+    <dgm:linClrLst meth="repeat">
+      <a:schemeClr val="accent1"/>
+    </dgm:linClrLst>
+    <dgm:effectClrLst/>
+    <dgm:txLinClrLst/>
+    <dgm:txFillClrLst meth="repeat">
+      <a:schemeClr val="dk1"/>
+    </dgm:txFillClrLst>
+    <dgm:txEffectClrLst/>
+  </dgm:styleLbl>
+  <dgm:styleLbl name="fgAccFollowNode1">
+    <dgm:fillClrLst meth="repeat">
+      <a:schemeClr val="accent1">
+        <a:alpha val="90000"/>
+        <a:tint val="40000"/>
+      </a:schemeClr>
+    </dgm:fillClrLst>
+    <dgm:linClrLst meth="repeat">
+      <a:schemeClr val="accent1">
+        <a:alpha val="90000"/>
+        <a:tint val="40000"/>
+      </a:schemeClr>
+    </dgm:linClrLst>
+    <dgm:effectClrLst/>
+    <dgm:txLinClrLst/>
+    <dgm:txFillClrLst meth="repeat">
+      <a:schemeClr val="dk1"/>
+    </dgm:txFillClrLst>
+    <dgm:txEffectClrLst/>
+  </dgm:styleLbl>
+  <dgm:styleLbl name="alignAccFollowNode1">
+    <dgm:fillClrLst meth="repeat">
+      <a:schemeClr val="accent1">
+        <a:alpha val="90000"/>
+        <a:tint val="40000"/>
+      </a:schemeClr>
+    </dgm:fillClrLst>
+    <dgm:linClrLst meth="repeat">
+      <a:schemeClr val="accent1">
+        <a:alpha val="90000"/>
+        <a:tint val="40000"/>
+      </a:schemeClr>
+    </dgm:linClrLst>
+    <dgm:effectClrLst/>
+    <dgm:txLinClrLst/>
+    <dgm:txFillClrLst meth="repeat">
+      <a:schemeClr val="dk1"/>
+    </dgm:txFillClrLst>
+    <dgm:txEffectClrLst/>
+  </dgm:styleLbl>
+  <dgm:styleLbl name="bgAccFollowNode1">
+    <dgm:fillClrLst meth="repeat">
+      <a:schemeClr val="accent1">
+        <a:alpha val="90000"/>
+        <a:tint val="40000"/>
+      </a:schemeClr>
+    </dgm:fillClrLst>
+    <dgm:linClrLst meth="repeat">
+      <a:schemeClr val="accent1">
+        <a:alpha val="90000"/>
+        <a:tint val="40000"/>
+      </a:schemeClr>
+    </dgm:linClrLst>
+    <dgm:effectClrLst/>
+    <dgm:txLinClrLst/>
+    <dgm:txFillClrLst meth="repeat">
+      <a:schemeClr val="dk1"/>
+    </dgm:txFillClrLst>
+    <dgm:txEffectClrLst/>
+  </dgm:styleLbl>
+  <dgm:styleLbl name="fgAcc0">
+    <dgm:fillClrLst meth="repeat">
+      <a:schemeClr val="lt1">
+        <a:alpha val="90000"/>
+      </a:schemeClr>
+    </dgm:fillClrLst>
+    <dgm:linClrLst meth="repeat">
+      <a:schemeClr val="accent1"/>
+    </dgm:linClrLst>
+    <dgm:effectClrLst/>
+    <dgm:txLinClrLst/>
+    <dgm:txFillClrLst meth="repeat">
+      <a:schemeClr val="dk1"/>
+    </dgm:txFillClrLst>
+    <dgm:txEffectClrLst/>
+  </dgm:styleLbl>
+  <dgm:styleLbl name="fgAcc2">
+    <dgm:fillClrLst meth="repeat">
+      <a:schemeClr val="lt1">
+        <a:alpha val="90000"/>
+      </a:schemeClr>
+    </dgm:fillClrLst>
+    <dgm:linClrLst meth="repeat">
+      <a:schemeClr val="accent1"/>
+    </dgm:linClrLst>
+    <dgm:effectClrLst/>
+    <dgm:txLinClrLst/>
+    <dgm:txFillClrLst meth="repeat">
+      <a:schemeClr val="dk1"/>
+    </dgm:txFillClrLst>
+    <dgm:txEffectClrLst/>
+  </dgm:styleLbl>
+  <dgm:styleLbl name="fgAcc3">
+    <dgm:fillClrLst meth="repeat">
+      <a:schemeClr val="lt1">
+        <a:alpha val="90000"/>
+      </a:schemeClr>
+    </dgm:fillClrLst>
+    <dgm:linClrLst meth="repeat">
+      <a:schemeClr val="accent1"/>
+    </dgm:linClrLst>
+    <dgm:effectClrLst/>
+    <dgm:txLinClrLst/>
+    <dgm:txFillClrLst meth="repeat">
+      <a:schemeClr val="dk1"/>
+    </dgm:txFillClrLst>
+    <dgm:txEffectClrLst/>
+  </dgm:styleLbl>
+  <dgm:styleLbl name="fgAcc4">
+    <dgm:fillClrLst meth="repeat">
+      <a:schemeClr val="lt1">
+        <a:alpha val="90000"/>
+      </a:schemeClr>
+    </dgm:fillClrLst>
+    <dgm:linClrLst meth="repeat">
+      <a:schemeClr val="accent1"/>
+    </dgm:linClrLst>
+    <dgm:effectClrLst/>
+    <dgm:txLinClrLst/>
+    <dgm:txFillClrLst meth="repeat">
+      <a:schemeClr val="dk1"/>
+    </dgm:txFillClrLst>
+    <dgm:txEffectClrLst/>
+  </dgm:styleLbl>
+  <dgm:styleLbl name="bgShp">
+    <dgm:fillClrLst meth="repeat">
+      <a:schemeClr val="accent1">
+        <a:tint val="40000"/>
+      </a:schemeClr>
+    </dgm:fillClrLst>
+    <dgm:linClrLst meth="repeat">
+      <a:schemeClr val="accent1"/>
+    </dgm:linClrLst>
+    <dgm:effectClrLst/>
+    <dgm:txLinClrLst/>
+    <dgm:txFillClrLst meth="repeat">
+      <a:schemeClr val="dk1"/>
+    </dgm:txFillClrLst>
+    <dgm:txEffectClrLst/>
+  </dgm:styleLbl>
+  <dgm:styleLbl name="dkBgShp">
+    <dgm:fillClrLst meth="repeat">
+      <a:schemeClr val="accent1">
+        <a:shade val="80000"/>
+      </a:schemeClr>
+    </dgm:fillClrLst>
+    <dgm:linClrLst meth="repeat">
+      <a:schemeClr val="accent1"/>
+    </dgm:linClrLst>
+    <dgm:effectClrLst/>
+    <dgm:txLinClrLst/>
+    <dgm:txFillClrLst meth="repeat">
+      <a:schemeClr val="lt1"/>
+    </dgm:txFillClrLst>
+    <dgm:txEffectClrLst/>
+  </dgm:styleLbl>
+  <dgm:styleLbl name="trBgShp">
+    <dgm:fillClrLst meth="repeat">
+      <a:schemeClr val="accent1">
+        <a:tint val="50000"/>
+        <a:alpha val="40000"/>
+      </a:schemeClr>
+    </dgm:fillClrLst>
+    <dgm:linClrLst meth="repeat">
+      <a:schemeClr val="accent1"/>
+    </dgm:linClrLst>
+    <dgm:effectClrLst/>
+    <dgm:txLinClrLst/>
+    <dgm:txFillClrLst meth="repeat">
+      <a:schemeClr val="lt1"/>
+    </dgm:txFillClrLst>
+    <dgm:txEffectClrLst/>
+  </dgm:styleLbl>
+  <dgm:styleLbl name="fgShp">
+    <dgm:fillClrLst meth="repeat">
+      <a:schemeClr val="accent1">
+        <a:tint val="60000"/>
+      </a:schemeClr>
+    </dgm:fillClrLst>
+    <dgm:linClrLst meth="repeat">
+      <a:schemeClr val="lt1"/>
+    </dgm:linClrLst>
+    <dgm:effectClrLst/>
+    <dgm:txLinClrLst/>
+    <dgm:txFillClrLst meth="repeat">
+      <a:schemeClr val="dk1"/>
+    </dgm:txFillClrLst>
+    <dgm:txEffectClrLst/>
+  </dgm:styleLbl>
+  <dgm:styleLbl name="revTx">
+    <dgm:fillClrLst meth="repeat">
+      <a:schemeClr val="lt1">
+        <a:alpha val="0"/>
+      </a:schemeClr>
+    </dgm:fillClrLst>
+    <dgm:linClrLst meth="repeat">
+      <a:schemeClr val="dk1">
+        <a:alpha val="0"/>
+      </a:schemeClr>
+    </dgm:linClrLst>
+    <dgm:effectClrLst/>
+    <dgm:txLinClrLst/>
+    <dgm:txFillClrLst meth="repeat">
+      <a:schemeClr val="tx1"/>
+    </dgm:txFillClrLst>
+    <dgm:txEffectClrLst/>
+  </dgm:styleLbl>
+</dgm:colorsDef>
+</file>
+
+<file path=ppt/diagrams/data1.xml><?xml version="1.0" encoding="utf-8"?>
+<dgm:dataModel xmlns:dgm="http://schemas.openxmlformats.org/drawingml/2006/diagram" xmlns:a="http://schemas.openxmlformats.org/drawingml/2006/main">
+  <dgm:ptLst>
+    <dgm:pt modelId="{438C8DCD-7453-4287-BC1C-14ADE946EAF9}" type="doc">
+      <dgm:prSet loTypeId="urn:microsoft.com/office/officeart/2005/8/layout/process1" loCatId="process" qsTypeId="urn:microsoft.com/office/officeart/2005/8/quickstyle/simple1" qsCatId="simple" csTypeId="urn:microsoft.com/office/officeart/2005/8/colors/accent1_2" csCatId="accent1" phldr="1"/>
+      <dgm:spPr/>
+    </dgm:pt>
+    <dgm:pt modelId="{00EDA96D-E124-45A7-9C9A-3748704608AE}">
+      <dgm:prSet phldrT="[Text]"/>
+      <dgm:spPr/>
+      <dgm:t>
+        <a:bodyPr/>
+        <a:lstStyle/>
+        <a:p>
+          <a:r>
+            <a:rPr lang="en-US" dirty="0"/>
+            <a:t>Unlabeled Train Data for </a:t>
+          </a:r>
+          <a:r>
+            <a:rPr lang="en-US" dirty="0">
+              <a:solidFill>
+                <a:srgbClr val="FF0000"/>
+              </a:solidFill>
+            </a:rPr>
+            <a:t>autoencoder training</a:t>
+          </a:r>
+        </a:p>
+      </dgm:t>
+    </dgm:pt>
+    <dgm:pt modelId="{F1F92B73-0F1F-49AA-B729-15605F65B16C}" type="parTrans" cxnId="{4BE6FD30-993D-4DCB-84EA-01CBF9C7D49C}">
+      <dgm:prSet/>
+      <dgm:spPr/>
+      <dgm:t>
+        <a:bodyPr/>
+        <a:lstStyle/>
+        <a:p>
+          <a:endParaRPr lang="en-US"/>
+        </a:p>
+      </dgm:t>
+    </dgm:pt>
+    <dgm:pt modelId="{3AD067DD-0785-4E35-BA39-CF446712753B}" type="sibTrans" cxnId="{4BE6FD30-993D-4DCB-84EA-01CBF9C7D49C}">
+      <dgm:prSet/>
+      <dgm:spPr/>
+      <dgm:t>
+        <a:bodyPr/>
+        <a:lstStyle/>
+        <a:p>
+          <a:endParaRPr lang="en-US"/>
+        </a:p>
+      </dgm:t>
+    </dgm:pt>
+    <dgm:pt modelId="{DD618DA8-CA69-412F-A407-137EA61B8251}">
+      <dgm:prSet phldrT="[Text]"/>
+      <dgm:spPr/>
+      <dgm:t>
+        <a:bodyPr/>
+        <a:lstStyle/>
+        <a:p>
+          <a:r>
+            <a:rPr lang="en-US" dirty="0"/>
+            <a:t>Labeled Train Data for </a:t>
+          </a:r>
+          <a:r>
+            <a:rPr lang="en-US" dirty="0">
+              <a:solidFill>
+                <a:srgbClr val="FF0000"/>
+              </a:solidFill>
+            </a:rPr>
+            <a:t>classifier training</a:t>
+          </a:r>
+          <a:endParaRPr lang="en-US" dirty="0"/>
+        </a:p>
+      </dgm:t>
+    </dgm:pt>
+    <dgm:pt modelId="{6CF0482E-85C0-4CCC-B9BC-CAE2F62EDF0F}" type="parTrans" cxnId="{199BA935-BA22-41E6-ABBC-041AEA59C245}">
+      <dgm:prSet/>
+      <dgm:spPr/>
+      <dgm:t>
+        <a:bodyPr/>
+        <a:lstStyle/>
+        <a:p>
+          <a:endParaRPr lang="en-US"/>
+        </a:p>
+      </dgm:t>
+    </dgm:pt>
+    <dgm:pt modelId="{B5563091-0C2F-42BC-AFFD-BF740F0120BE}" type="sibTrans" cxnId="{199BA935-BA22-41E6-ABBC-041AEA59C245}">
+      <dgm:prSet/>
+      <dgm:spPr/>
+      <dgm:t>
+        <a:bodyPr/>
+        <a:lstStyle/>
+        <a:p>
+          <a:endParaRPr lang="en-US"/>
+        </a:p>
+      </dgm:t>
+    </dgm:pt>
+    <dgm:pt modelId="{B7D453BB-75FD-4A8F-B351-8E4EF98995EF}">
+      <dgm:prSet phldrT="[Text]"/>
+      <dgm:spPr/>
+      <dgm:t>
+        <a:bodyPr/>
+        <a:lstStyle/>
+        <a:p>
+          <a:r>
+            <a:rPr lang="en-US" dirty="0"/>
+            <a:t>Using Labeled Test Data to generate confusion matrix and other performance matrices on </a:t>
+          </a:r>
+          <a:r>
+            <a:rPr lang="en-US" dirty="0" err="1">
+              <a:solidFill>
+                <a:srgbClr val="FF0000"/>
+              </a:solidFill>
+            </a:rPr>
+            <a:t>Classfier</a:t>
+          </a:r>
+          <a:endParaRPr lang="en-US" dirty="0">
+            <a:solidFill>
+              <a:srgbClr val="FF0000"/>
+            </a:solidFill>
+          </a:endParaRPr>
+        </a:p>
+      </dgm:t>
+    </dgm:pt>
+    <dgm:pt modelId="{1BB7DE1B-FE5E-41D1-82A8-A276DF6F433A}" type="parTrans" cxnId="{0DF575BD-7FF5-4DA6-8589-D1D89D0DBDE2}">
+      <dgm:prSet/>
+      <dgm:spPr/>
+      <dgm:t>
+        <a:bodyPr/>
+        <a:lstStyle/>
+        <a:p>
+          <a:endParaRPr lang="en-US"/>
+        </a:p>
+      </dgm:t>
+    </dgm:pt>
+    <dgm:pt modelId="{C26E77BA-F4D2-4814-93FE-DD1FAB8EA3D7}" type="sibTrans" cxnId="{0DF575BD-7FF5-4DA6-8589-D1D89D0DBDE2}">
+      <dgm:prSet/>
+      <dgm:spPr/>
+      <dgm:t>
+        <a:bodyPr/>
+        <a:lstStyle/>
+        <a:p>
+          <a:endParaRPr lang="en-US"/>
+        </a:p>
+      </dgm:t>
+    </dgm:pt>
+    <dgm:pt modelId="{4EF49069-205E-492F-BB62-2AAF2F6C3800}">
+      <dgm:prSet phldrT="[Text]"/>
+      <dgm:spPr/>
+      <dgm:t>
+        <a:bodyPr/>
+        <a:lstStyle/>
+        <a:p>
+          <a:r>
+            <a:rPr lang="en-US" dirty="0"/>
+            <a:t>Using the </a:t>
+          </a:r>
+          <a:r>
+            <a:rPr lang="en-US" dirty="0" err="1">
+              <a:solidFill>
+                <a:srgbClr val="FF0000"/>
+              </a:solidFill>
+            </a:rPr>
+            <a:t>Classfier</a:t>
+          </a:r>
+          <a:r>
+            <a:rPr lang="en-US" dirty="0"/>
+            <a:t> predicts the class for </a:t>
+          </a:r>
+          <a:r>
+            <a:rPr lang="en-US"/>
+            <a:t>unlabeled test data</a:t>
+          </a:r>
+          <a:r>
+            <a:rPr lang="en-US" dirty="0"/>
+            <a:t>. Compare against reconstructed image from </a:t>
+          </a:r>
+          <a:r>
+            <a:rPr lang="en-US" dirty="0">
+              <a:solidFill>
+                <a:srgbClr val="FF0000"/>
+              </a:solidFill>
+            </a:rPr>
+            <a:t>autoencoder</a:t>
+          </a:r>
+          <a:r>
+            <a:rPr lang="en-US" dirty="0"/>
+            <a:t> </a:t>
+          </a:r>
+        </a:p>
+      </dgm:t>
+    </dgm:pt>
+    <dgm:pt modelId="{44F101E4-B3D0-4215-AB10-42BA151100B4}" type="parTrans" cxnId="{67D92BB5-40A8-476B-9729-81137A61F2AC}">
+      <dgm:prSet/>
+      <dgm:spPr/>
+      <dgm:t>
+        <a:bodyPr/>
+        <a:lstStyle/>
+        <a:p>
+          <a:endParaRPr lang="en-US"/>
+        </a:p>
+      </dgm:t>
+    </dgm:pt>
+    <dgm:pt modelId="{6F7C0DDC-9AC1-4FFA-9AD6-35BD6F396E5C}" type="sibTrans" cxnId="{67D92BB5-40A8-476B-9729-81137A61F2AC}">
+      <dgm:prSet/>
+      <dgm:spPr/>
+      <dgm:t>
+        <a:bodyPr/>
+        <a:lstStyle/>
+        <a:p>
+          <a:endParaRPr lang="en-US"/>
+        </a:p>
+      </dgm:t>
+    </dgm:pt>
+    <dgm:pt modelId="{3C5099DA-1337-4C1C-A269-56F9FA7CF0C2}" type="pres">
+      <dgm:prSet presAssocID="{438C8DCD-7453-4287-BC1C-14ADE946EAF9}" presName="Name0" presStyleCnt="0">
+        <dgm:presLayoutVars>
+          <dgm:dir/>
+          <dgm:resizeHandles val="exact"/>
+        </dgm:presLayoutVars>
+      </dgm:prSet>
+      <dgm:spPr/>
+    </dgm:pt>
+    <dgm:pt modelId="{4D87B5ED-D0A6-4725-A8CF-816F9BD2B847}" type="pres">
+      <dgm:prSet presAssocID="{00EDA96D-E124-45A7-9C9A-3748704608AE}" presName="node" presStyleLbl="node1" presStyleIdx="0" presStyleCnt="4" custLinFactNeighborX="-836" custLinFactNeighborY="-1213">
+        <dgm:presLayoutVars>
+          <dgm:bulletEnabled val="1"/>
+        </dgm:presLayoutVars>
+      </dgm:prSet>
+      <dgm:spPr/>
+    </dgm:pt>
+    <dgm:pt modelId="{95FC834F-F57D-44E4-BDD5-9093A08FB869}" type="pres">
+      <dgm:prSet presAssocID="{3AD067DD-0785-4E35-BA39-CF446712753B}" presName="sibTrans" presStyleLbl="sibTrans2D1" presStyleIdx="0" presStyleCnt="3"/>
+      <dgm:spPr/>
+    </dgm:pt>
+    <dgm:pt modelId="{1B3CFDDD-31C4-4341-B73D-949B328C2307}" type="pres">
+      <dgm:prSet presAssocID="{3AD067DD-0785-4E35-BA39-CF446712753B}" presName="connectorText" presStyleLbl="sibTrans2D1" presStyleIdx="0" presStyleCnt="3"/>
+      <dgm:spPr/>
+    </dgm:pt>
+    <dgm:pt modelId="{FD67B552-0AF8-4850-BFDA-68D03049321E}" type="pres">
+      <dgm:prSet presAssocID="{DD618DA8-CA69-412F-A407-137EA61B8251}" presName="node" presStyleLbl="node1" presStyleIdx="1" presStyleCnt="4">
+        <dgm:presLayoutVars>
+          <dgm:bulletEnabled val="1"/>
+        </dgm:presLayoutVars>
+      </dgm:prSet>
+      <dgm:spPr/>
+    </dgm:pt>
+    <dgm:pt modelId="{27E805EE-9AC3-4A5D-A1B7-FB42EC3827B8}" type="pres">
+      <dgm:prSet presAssocID="{B5563091-0C2F-42BC-AFFD-BF740F0120BE}" presName="sibTrans" presStyleLbl="sibTrans2D1" presStyleIdx="1" presStyleCnt="3"/>
+      <dgm:spPr/>
+    </dgm:pt>
+    <dgm:pt modelId="{2A6D4F9E-2EB0-4B7F-9356-2E32A1492442}" type="pres">
+      <dgm:prSet presAssocID="{B5563091-0C2F-42BC-AFFD-BF740F0120BE}" presName="connectorText" presStyleLbl="sibTrans2D1" presStyleIdx="1" presStyleCnt="3"/>
+      <dgm:spPr/>
+    </dgm:pt>
+    <dgm:pt modelId="{7A50EE4A-72D7-48ED-9080-3A6FF0D2D919}" type="pres">
+      <dgm:prSet presAssocID="{B7D453BB-75FD-4A8F-B351-8E4EF98995EF}" presName="node" presStyleLbl="node1" presStyleIdx="2" presStyleCnt="4">
+        <dgm:presLayoutVars>
+          <dgm:bulletEnabled val="1"/>
+        </dgm:presLayoutVars>
+      </dgm:prSet>
+      <dgm:spPr/>
+    </dgm:pt>
+    <dgm:pt modelId="{DADF128A-C3BB-4943-B321-76BC24702988}" type="pres">
+      <dgm:prSet presAssocID="{C26E77BA-F4D2-4814-93FE-DD1FAB8EA3D7}" presName="sibTrans" presStyleLbl="sibTrans2D1" presStyleIdx="2" presStyleCnt="3"/>
+      <dgm:spPr/>
+    </dgm:pt>
+    <dgm:pt modelId="{D4E0DDFF-1057-497E-8469-5B7519FDA8DB}" type="pres">
+      <dgm:prSet presAssocID="{C26E77BA-F4D2-4814-93FE-DD1FAB8EA3D7}" presName="connectorText" presStyleLbl="sibTrans2D1" presStyleIdx="2" presStyleCnt="3"/>
+      <dgm:spPr/>
+    </dgm:pt>
+    <dgm:pt modelId="{13A9A15F-94E6-459C-A4BE-B4BA46CA6571}" type="pres">
+      <dgm:prSet presAssocID="{4EF49069-205E-492F-BB62-2AAF2F6C3800}" presName="node" presStyleLbl="node1" presStyleIdx="3" presStyleCnt="4">
+        <dgm:presLayoutVars>
+          <dgm:bulletEnabled val="1"/>
+        </dgm:presLayoutVars>
+      </dgm:prSet>
+      <dgm:spPr/>
+    </dgm:pt>
+  </dgm:ptLst>
+  <dgm:cxnLst>
+    <dgm:cxn modelId="{C620D002-F7D4-4D11-9924-6C63B54074EF}" type="presOf" srcId="{B5563091-0C2F-42BC-AFFD-BF740F0120BE}" destId="{2A6D4F9E-2EB0-4B7F-9356-2E32A1492442}" srcOrd="1" destOrd="0" presId="urn:microsoft.com/office/officeart/2005/8/layout/process1"/>
+    <dgm:cxn modelId="{DF0EF507-F391-411D-BEBC-A235C8DB8402}" type="presOf" srcId="{00EDA96D-E124-45A7-9C9A-3748704608AE}" destId="{4D87B5ED-D0A6-4725-A8CF-816F9BD2B847}" srcOrd="0" destOrd="0" presId="urn:microsoft.com/office/officeart/2005/8/layout/process1"/>
+    <dgm:cxn modelId="{AAF3211B-A8C4-4E13-AE0E-E4B1CCCD57CF}" type="presOf" srcId="{C26E77BA-F4D2-4814-93FE-DD1FAB8EA3D7}" destId="{DADF128A-C3BB-4943-B321-76BC24702988}" srcOrd="0" destOrd="0" presId="urn:microsoft.com/office/officeart/2005/8/layout/process1"/>
+    <dgm:cxn modelId="{A90A4D1E-D4BC-42AA-BAF8-EACDF770C65D}" type="presOf" srcId="{B5563091-0C2F-42BC-AFFD-BF740F0120BE}" destId="{27E805EE-9AC3-4A5D-A1B7-FB42EC3827B8}" srcOrd="0" destOrd="0" presId="urn:microsoft.com/office/officeart/2005/8/layout/process1"/>
+    <dgm:cxn modelId="{4BE6FD30-993D-4DCB-84EA-01CBF9C7D49C}" srcId="{438C8DCD-7453-4287-BC1C-14ADE946EAF9}" destId="{00EDA96D-E124-45A7-9C9A-3748704608AE}" srcOrd="0" destOrd="0" parTransId="{F1F92B73-0F1F-49AA-B729-15605F65B16C}" sibTransId="{3AD067DD-0785-4E35-BA39-CF446712753B}"/>
+    <dgm:cxn modelId="{199BA935-BA22-41E6-ABBC-041AEA59C245}" srcId="{438C8DCD-7453-4287-BC1C-14ADE946EAF9}" destId="{DD618DA8-CA69-412F-A407-137EA61B8251}" srcOrd="1" destOrd="0" parTransId="{6CF0482E-85C0-4CCC-B9BC-CAE2F62EDF0F}" sibTransId="{B5563091-0C2F-42BC-AFFD-BF740F0120BE}"/>
+    <dgm:cxn modelId="{D345DC39-1BA8-4B3A-B013-ECA98E9F32E8}" type="presOf" srcId="{4EF49069-205E-492F-BB62-2AAF2F6C3800}" destId="{13A9A15F-94E6-459C-A4BE-B4BA46CA6571}" srcOrd="0" destOrd="0" presId="urn:microsoft.com/office/officeart/2005/8/layout/process1"/>
+    <dgm:cxn modelId="{F06BE57B-5B3B-4768-A2DB-74A1C03AB995}" type="presOf" srcId="{438C8DCD-7453-4287-BC1C-14ADE946EAF9}" destId="{3C5099DA-1337-4C1C-A269-56F9FA7CF0C2}" srcOrd="0" destOrd="0" presId="urn:microsoft.com/office/officeart/2005/8/layout/process1"/>
+    <dgm:cxn modelId="{8F1C038D-CE1B-4195-8D59-5DD191A4AEF5}" type="presOf" srcId="{3AD067DD-0785-4E35-BA39-CF446712753B}" destId="{95FC834F-F57D-44E4-BDD5-9093A08FB869}" srcOrd="0" destOrd="0" presId="urn:microsoft.com/office/officeart/2005/8/layout/process1"/>
+    <dgm:cxn modelId="{950E9C8E-F7CC-44EE-81DE-E598B2FA9A57}" type="presOf" srcId="{C26E77BA-F4D2-4814-93FE-DD1FAB8EA3D7}" destId="{D4E0DDFF-1057-497E-8469-5B7519FDA8DB}" srcOrd="1" destOrd="0" presId="urn:microsoft.com/office/officeart/2005/8/layout/process1"/>
+    <dgm:cxn modelId="{67D92BB5-40A8-476B-9729-81137A61F2AC}" srcId="{438C8DCD-7453-4287-BC1C-14ADE946EAF9}" destId="{4EF49069-205E-492F-BB62-2AAF2F6C3800}" srcOrd="3" destOrd="0" parTransId="{44F101E4-B3D0-4215-AB10-42BA151100B4}" sibTransId="{6F7C0DDC-9AC1-4FFA-9AD6-35BD6F396E5C}"/>
+    <dgm:cxn modelId="{0DF575BD-7FF5-4DA6-8589-D1D89D0DBDE2}" srcId="{438C8DCD-7453-4287-BC1C-14ADE946EAF9}" destId="{B7D453BB-75FD-4A8F-B351-8E4EF98995EF}" srcOrd="2" destOrd="0" parTransId="{1BB7DE1B-FE5E-41D1-82A8-A276DF6F433A}" sibTransId="{C26E77BA-F4D2-4814-93FE-DD1FAB8EA3D7}"/>
+    <dgm:cxn modelId="{C9A242CA-9F5C-46E6-8236-6AA1048E3F9D}" type="presOf" srcId="{3AD067DD-0785-4E35-BA39-CF446712753B}" destId="{1B3CFDDD-31C4-4341-B73D-949B328C2307}" srcOrd="1" destOrd="0" presId="urn:microsoft.com/office/officeart/2005/8/layout/process1"/>
+    <dgm:cxn modelId="{988DF8DD-27AF-4D37-8CDE-309219C98981}" type="presOf" srcId="{B7D453BB-75FD-4A8F-B351-8E4EF98995EF}" destId="{7A50EE4A-72D7-48ED-9080-3A6FF0D2D919}" srcOrd="0" destOrd="0" presId="urn:microsoft.com/office/officeart/2005/8/layout/process1"/>
+    <dgm:cxn modelId="{7B1629E1-7BD6-4337-A7F1-2C7AA3C7F942}" type="presOf" srcId="{DD618DA8-CA69-412F-A407-137EA61B8251}" destId="{FD67B552-0AF8-4850-BFDA-68D03049321E}" srcOrd="0" destOrd="0" presId="urn:microsoft.com/office/officeart/2005/8/layout/process1"/>
+    <dgm:cxn modelId="{EB41D5AE-B249-4C57-9AD5-08573C3A5D79}" type="presParOf" srcId="{3C5099DA-1337-4C1C-A269-56F9FA7CF0C2}" destId="{4D87B5ED-D0A6-4725-A8CF-816F9BD2B847}" srcOrd="0" destOrd="0" presId="urn:microsoft.com/office/officeart/2005/8/layout/process1"/>
+    <dgm:cxn modelId="{BAE674FA-36C8-4130-8A3A-4E3F6FB70989}" type="presParOf" srcId="{3C5099DA-1337-4C1C-A269-56F9FA7CF0C2}" destId="{95FC834F-F57D-44E4-BDD5-9093A08FB869}" srcOrd="1" destOrd="0" presId="urn:microsoft.com/office/officeart/2005/8/layout/process1"/>
+    <dgm:cxn modelId="{09B30E7C-FD55-4E9A-A3C9-38519FFA91BB}" type="presParOf" srcId="{95FC834F-F57D-44E4-BDD5-9093A08FB869}" destId="{1B3CFDDD-31C4-4341-B73D-949B328C2307}" srcOrd="0" destOrd="0" presId="urn:microsoft.com/office/officeart/2005/8/layout/process1"/>
+    <dgm:cxn modelId="{889EDC73-C1F7-48A9-B03D-3B73DC982813}" type="presParOf" srcId="{3C5099DA-1337-4C1C-A269-56F9FA7CF0C2}" destId="{FD67B552-0AF8-4850-BFDA-68D03049321E}" srcOrd="2" destOrd="0" presId="urn:microsoft.com/office/officeart/2005/8/layout/process1"/>
+    <dgm:cxn modelId="{DE59D255-6A81-43CB-8F80-EA5BE26B87CC}" type="presParOf" srcId="{3C5099DA-1337-4C1C-A269-56F9FA7CF0C2}" destId="{27E805EE-9AC3-4A5D-A1B7-FB42EC3827B8}" srcOrd="3" destOrd="0" presId="urn:microsoft.com/office/officeart/2005/8/layout/process1"/>
+    <dgm:cxn modelId="{A2C7ED7A-015A-49BF-94D8-0CE974213779}" type="presParOf" srcId="{27E805EE-9AC3-4A5D-A1B7-FB42EC3827B8}" destId="{2A6D4F9E-2EB0-4B7F-9356-2E32A1492442}" srcOrd="0" destOrd="0" presId="urn:microsoft.com/office/officeart/2005/8/layout/process1"/>
+    <dgm:cxn modelId="{5BEC4A55-664E-4A0F-94D1-84EB098B4B62}" type="presParOf" srcId="{3C5099DA-1337-4C1C-A269-56F9FA7CF0C2}" destId="{7A50EE4A-72D7-48ED-9080-3A6FF0D2D919}" srcOrd="4" destOrd="0" presId="urn:microsoft.com/office/officeart/2005/8/layout/process1"/>
+    <dgm:cxn modelId="{4849BCCD-52F1-4BCC-9906-3A21BC26529F}" type="presParOf" srcId="{3C5099DA-1337-4C1C-A269-56F9FA7CF0C2}" destId="{DADF128A-C3BB-4943-B321-76BC24702988}" srcOrd="5" destOrd="0" presId="urn:microsoft.com/office/officeart/2005/8/layout/process1"/>
+    <dgm:cxn modelId="{00666FA4-2DB1-4C6C-8D03-46B244DEB762}" type="presParOf" srcId="{DADF128A-C3BB-4943-B321-76BC24702988}" destId="{D4E0DDFF-1057-497E-8469-5B7519FDA8DB}" srcOrd="0" destOrd="0" presId="urn:microsoft.com/office/officeart/2005/8/layout/process1"/>
+    <dgm:cxn modelId="{0C8633D9-20AA-4E2F-B7EE-BFB4D419702D}" type="presParOf" srcId="{3C5099DA-1337-4C1C-A269-56F9FA7CF0C2}" destId="{13A9A15F-94E6-459C-A4BE-B4BA46CA6571}" srcOrd="6" destOrd="0" presId="urn:microsoft.com/office/officeart/2005/8/layout/process1"/>
+  </dgm:cxnLst>
+  <dgm:bg/>
+  <dgm:whole/>
+  <dgm:extLst>
+    <a:ext uri="http://schemas.microsoft.com/office/drawing/2008/diagram">
+      <dsp:dataModelExt xmlns:dsp="http://schemas.microsoft.com/office/drawing/2008/diagram" relId="rId6" minVer="http://schemas.openxmlformats.org/drawingml/2006/diagram"/>
+    </a:ext>
+  </dgm:extLst>
+</dgm:dataModel>
+</file>
+
+<file path=ppt/diagrams/drawing1.xml><?xml version="1.0" encoding="utf-8"?>
+<dsp:drawing xmlns:dgm="http://schemas.openxmlformats.org/drawingml/2006/diagram" xmlns:dsp="http://schemas.microsoft.com/office/drawing/2008/diagram" xmlns:a="http://schemas.openxmlformats.org/drawingml/2006/main">
+  <dsp:spTree>
+    <dsp:nvGrpSpPr>
+      <dsp:cNvPr id="0" name=""/>
+      <dsp:cNvGrpSpPr/>
+    </dsp:nvGrpSpPr>
+    <dsp:grpSpPr/>
+    <dsp:sp modelId="{4D87B5ED-D0A6-4725-A8CF-816F9BD2B847}">
+      <dsp:nvSpPr>
+        <dsp:cNvPr id="0" name=""/>
+        <dsp:cNvSpPr/>
+      </dsp:nvSpPr>
+      <dsp:spPr>
+        <a:xfrm>
+          <a:off x="0" y="1004165"/>
+          <a:ext cx="2020453" cy="2287512"/>
+        </a:xfrm>
+        <a:prstGeom prst="roundRect">
+          <a:avLst>
+            <a:gd name="adj" fmla="val 10000"/>
+          </a:avLst>
+        </a:prstGeom>
+        <a:solidFill>
+          <a:schemeClr val="accent1">
+            <a:hueOff val="0"/>
+            <a:satOff val="0"/>
+            <a:lumOff val="0"/>
+            <a:alphaOff val="0"/>
+          </a:schemeClr>
+        </a:solidFill>
+        <a:ln w="12700" cap="flat" cmpd="sng" algn="ctr">
+          <a:solidFill>
+            <a:schemeClr val="lt1">
+              <a:hueOff val="0"/>
+              <a:satOff val="0"/>
+              <a:lumOff val="0"/>
+              <a:alphaOff val="0"/>
+            </a:schemeClr>
+          </a:solidFill>
+          <a:prstDash val="solid"/>
+          <a:miter lim="800000"/>
+        </a:ln>
+        <a:effectLst/>
+      </dsp:spPr>
+      <dsp:style>
+        <a:lnRef idx="2">
+          <a:scrgbClr r="0" g="0" b="0"/>
+        </a:lnRef>
+        <a:fillRef idx="1">
+          <a:scrgbClr r="0" g="0" b="0"/>
+        </a:fillRef>
+        <a:effectRef idx="0">
+          <a:scrgbClr r="0" g="0" b="0"/>
+        </a:effectRef>
+        <a:fontRef idx="minor">
+          <a:schemeClr val="lt1"/>
+        </a:fontRef>
+      </dsp:style>
+      <dsp:txBody>
+        <a:bodyPr spcFirstLastPara="0" vert="horz" wrap="square" lIns="68580" tIns="68580" rIns="68580" bIns="68580" numCol="1" spcCol="1270" anchor="ctr" anchorCtr="0">
+          <a:noAutofit/>
+        </a:bodyPr>
+        <a:lstStyle/>
+        <a:p>
+          <a:pPr marL="0" lvl="0" indent="0" algn="ctr" defTabSz="800100">
+            <a:lnSpc>
+              <a:spcPct val="90000"/>
+            </a:lnSpc>
+            <a:spcBef>
+              <a:spcPct val="0"/>
+            </a:spcBef>
+            <a:spcAft>
+              <a:spcPct val="35000"/>
+            </a:spcAft>
+            <a:buNone/>
+          </a:pPr>
+          <a:r>
+            <a:rPr lang="en-US" sz="1800" kern="1200" dirty="0"/>
+            <a:t>Unlabeled Train Data for </a:t>
+          </a:r>
+          <a:r>
+            <a:rPr lang="en-US" sz="1800" kern="1200" dirty="0">
+              <a:solidFill>
+                <a:srgbClr val="FF0000"/>
+              </a:solidFill>
+            </a:rPr>
+            <a:t>autoencoder training</a:t>
+          </a:r>
+        </a:p>
+      </dsp:txBody>
+      <dsp:txXfrm>
+        <a:off x="59177" y="1063342"/>
+        <a:ext cx="1902099" cy="2169158"/>
+      </dsp:txXfrm>
+    </dsp:sp>
+    <dsp:sp modelId="{95FC834F-F57D-44E4-BDD5-9093A08FB869}">
+      <dsp:nvSpPr>
+        <dsp:cNvPr id="0" name=""/>
+        <dsp:cNvSpPr/>
+      </dsp:nvSpPr>
+      <dsp:spPr>
+        <a:xfrm rot="33667">
+          <a:off x="2223643" y="1911378"/>
+          <a:ext cx="430805" cy="501072"/>
+        </a:xfrm>
+        <a:prstGeom prst="rightArrow">
+          <a:avLst>
+            <a:gd name="adj1" fmla="val 60000"/>
+            <a:gd name="adj2" fmla="val 50000"/>
+          </a:avLst>
+        </a:prstGeom>
+        <a:solidFill>
+          <a:schemeClr val="accent1">
+            <a:tint val="60000"/>
+            <a:hueOff val="0"/>
+            <a:satOff val="0"/>
+            <a:lumOff val="0"/>
+            <a:alphaOff val="0"/>
+          </a:schemeClr>
+        </a:solidFill>
+        <a:ln>
+          <a:noFill/>
+        </a:ln>
+        <a:effectLst/>
+      </dsp:spPr>
+      <dsp:style>
+        <a:lnRef idx="0">
+          <a:scrgbClr r="0" g="0" b="0"/>
+        </a:lnRef>
+        <a:fillRef idx="1">
+          <a:scrgbClr r="0" g="0" b="0"/>
+        </a:fillRef>
+        <a:effectRef idx="0">
+          <a:scrgbClr r="0" g="0" b="0"/>
+        </a:effectRef>
+        <a:fontRef idx="minor">
+          <a:schemeClr val="lt1"/>
+        </a:fontRef>
+      </dsp:style>
+      <dsp:txBody>
+        <a:bodyPr spcFirstLastPara="0" vert="horz" wrap="square" lIns="0" tIns="0" rIns="0" bIns="0" numCol="1" spcCol="1270" anchor="ctr" anchorCtr="0">
+          <a:noAutofit/>
+        </a:bodyPr>
+        <a:lstStyle/>
+        <a:p>
+          <a:pPr marL="0" lvl="0" indent="0" algn="ctr" defTabSz="622300">
+            <a:lnSpc>
+              <a:spcPct val="90000"/>
+            </a:lnSpc>
+            <a:spcBef>
+              <a:spcPct val="0"/>
+            </a:spcBef>
+            <a:spcAft>
+              <a:spcPct val="35000"/>
+            </a:spcAft>
+            <a:buNone/>
+          </a:pPr>
+          <a:endParaRPr lang="en-US" sz="1400" kern="1200"/>
+        </a:p>
+      </dsp:txBody>
+      <dsp:txXfrm>
+        <a:off x="2223646" y="2010959"/>
+        <a:ext cx="301564" cy="300644"/>
+      </dsp:txXfrm>
+    </dsp:sp>
+    <dsp:sp modelId="{FD67B552-0AF8-4850-BFDA-68D03049321E}">
+      <dsp:nvSpPr>
+        <dsp:cNvPr id="0" name=""/>
+        <dsp:cNvSpPr/>
+      </dsp:nvSpPr>
+      <dsp:spPr>
+        <a:xfrm>
+          <a:off x="2833255" y="1031912"/>
+          <a:ext cx="2020453" cy="2287512"/>
+        </a:xfrm>
+        <a:prstGeom prst="roundRect">
+          <a:avLst>
+            <a:gd name="adj" fmla="val 10000"/>
+          </a:avLst>
+        </a:prstGeom>
+        <a:solidFill>
+          <a:schemeClr val="accent1">
+            <a:hueOff val="0"/>
+            <a:satOff val="0"/>
+            <a:lumOff val="0"/>
+            <a:alphaOff val="0"/>
+          </a:schemeClr>
+        </a:solidFill>
+        <a:ln w="12700" cap="flat" cmpd="sng" algn="ctr">
+          <a:solidFill>
+            <a:schemeClr val="lt1">
+              <a:hueOff val="0"/>
+              <a:satOff val="0"/>
+              <a:lumOff val="0"/>
+              <a:alphaOff val="0"/>
+            </a:schemeClr>
+          </a:solidFill>
+          <a:prstDash val="solid"/>
+          <a:miter lim="800000"/>
+        </a:ln>
+        <a:effectLst/>
+      </dsp:spPr>
+      <dsp:style>
+        <a:lnRef idx="2">
+          <a:scrgbClr r="0" g="0" b="0"/>
+        </a:lnRef>
+        <a:fillRef idx="1">
+          <a:scrgbClr r="0" g="0" b="0"/>
+        </a:fillRef>
+        <a:effectRef idx="0">
+          <a:scrgbClr r="0" g="0" b="0"/>
+        </a:effectRef>
+        <a:fontRef idx="minor">
+          <a:schemeClr val="lt1"/>
+        </a:fontRef>
+      </dsp:style>
+      <dsp:txBody>
+        <a:bodyPr spcFirstLastPara="0" vert="horz" wrap="square" lIns="68580" tIns="68580" rIns="68580" bIns="68580" numCol="1" spcCol="1270" anchor="ctr" anchorCtr="0">
+          <a:noAutofit/>
+        </a:bodyPr>
+        <a:lstStyle/>
+        <a:p>
+          <a:pPr marL="0" lvl="0" indent="0" algn="ctr" defTabSz="800100">
+            <a:lnSpc>
+              <a:spcPct val="90000"/>
+            </a:lnSpc>
+            <a:spcBef>
+              <a:spcPct val="0"/>
+            </a:spcBef>
+            <a:spcAft>
+              <a:spcPct val="35000"/>
+            </a:spcAft>
+            <a:buNone/>
+          </a:pPr>
+          <a:r>
+            <a:rPr lang="en-US" sz="1800" kern="1200" dirty="0"/>
+            <a:t>Labeled Train Data for </a:t>
+          </a:r>
+          <a:r>
+            <a:rPr lang="en-US" sz="1800" kern="1200" dirty="0">
+              <a:solidFill>
+                <a:srgbClr val="FF0000"/>
+              </a:solidFill>
+            </a:rPr>
+            <a:t>classifier training</a:t>
+          </a:r>
+          <a:endParaRPr lang="en-US" sz="1800" kern="1200" dirty="0"/>
+        </a:p>
+      </dsp:txBody>
+      <dsp:txXfrm>
+        <a:off x="2892432" y="1091089"/>
+        <a:ext cx="1902099" cy="2169158"/>
+      </dsp:txXfrm>
+    </dsp:sp>
+    <dsp:sp modelId="{27E805EE-9AC3-4A5D-A1B7-FB42EC3827B8}">
+      <dsp:nvSpPr>
+        <dsp:cNvPr id="0" name=""/>
+        <dsp:cNvSpPr/>
+      </dsp:nvSpPr>
+      <dsp:spPr>
+        <a:xfrm>
+          <a:off x="5055754" y="1925132"/>
+          <a:ext cx="428336" cy="501072"/>
+        </a:xfrm>
+        <a:prstGeom prst="rightArrow">
+          <a:avLst>
+            <a:gd name="adj1" fmla="val 60000"/>
+            <a:gd name="adj2" fmla="val 50000"/>
+          </a:avLst>
+        </a:prstGeom>
+        <a:solidFill>
+          <a:schemeClr val="accent1">
+            <a:tint val="60000"/>
+            <a:hueOff val="0"/>
+            <a:satOff val="0"/>
+            <a:lumOff val="0"/>
+            <a:alphaOff val="0"/>
+          </a:schemeClr>
+        </a:solidFill>
+        <a:ln>
+          <a:noFill/>
+        </a:ln>
+        <a:effectLst/>
+      </dsp:spPr>
+      <dsp:style>
+        <a:lnRef idx="0">
+          <a:scrgbClr r="0" g="0" b="0"/>
+        </a:lnRef>
+        <a:fillRef idx="1">
+          <a:scrgbClr r="0" g="0" b="0"/>
+        </a:fillRef>
+        <a:effectRef idx="0">
+          <a:scrgbClr r="0" g="0" b="0"/>
+        </a:effectRef>
+        <a:fontRef idx="minor">
+          <a:schemeClr val="lt1"/>
+        </a:fontRef>
+      </dsp:style>
+      <dsp:txBody>
+        <a:bodyPr spcFirstLastPara="0" vert="horz" wrap="square" lIns="0" tIns="0" rIns="0" bIns="0" numCol="1" spcCol="1270" anchor="ctr" anchorCtr="0">
+          <a:noAutofit/>
+        </a:bodyPr>
+        <a:lstStyle/>
+        <a:p>
+          <a:pPr marL="0" lvl="0" indent="0" algn="ctr" defTabSz="622300">
+            <a:lnSpc>
+              <a:spcPct val="90000"/>
+            </a:lnSpc>
+            <a:spcBef>
+              <a:spcPct val="0"/>
+            </a:spcBef>
+            <a:spcAft>
+              <a:spcPct val="35000"/>
+            </a:spcAft>
+            <a:buNone/>
+          </a:pPr>
+          <a:endParaRPr lang="en-US" sz="1400" kern="1200"/>
+        </a:p>
+      </dsp:txBody>
+      <dsp:txXfrm>
+        <a:off x="5055754" y="2025346"/>
+        <a:ext cx="299835" cy="300644"/>
+      </dsp:txXfrm>
+    </dsp:sp>
+    <dsp:sp modelId="{7A50EE4A-72D7-48ED-9080-3A6FF0D2D919}">
+      <dsp:nvSpPr>
+        <dsp:cNvPr id="0" name=""/>
+        <dsp:cNvSpPr/>
+      </dsp:nvSpPr>
+      <dsp:spPr>
+        <a:xfrm>
+          <a:off x="5661890" y="1031912"/>
+          <a:ext cx="2020453" cy="2287512"/>
+        </a:xfrm>
+        <a:prstGeom prst="roundRect">
+          <a:avLst>
+            <a:gd name="adj" fmla="val 10000"/>
+          </a:avLst>
+        </a:prstGeom>
+        <a:solidFill>
+          <a:schemeClr val="accent1">
+            <a:hueOff val="0"/>
+            <a:satOff val="0"/>
+            <a:lumOff val="0"/>
+            <a:alphaOff val="0"/>
+          </a:schemeClr>
+        </a:solidFill>
+        <a:ln w="12700" cap="flat" cmpd="sng" algn="ctr">
+          <a:solidFill>
+            <a:schemeClr val="lt1">
+              <a:hueOff val="0"/>
+              <a:satOff val="0"/>
+              <a:lumOff val="0"/>
+              <a:alphaOff val="0"/>
+            </a:schemeClr>
+          </a:solidFill>
+          <a:prstDash val="solid"/>
+          <a:miter lim="800000"/>
+        </a:ln>
+        <a:effectLst/>
+      </dsp:spPr>
+      <dsp:style>
+        <a:lnRef idx="2">
+          <a:scrgbClr r="0" g="0" b="0"/>
+        </a:lnRef>
+        <a:fillRef idx="1">
+          <a:scrgbClr r="0" g="0" b="0"/>
+        </a:fillRef>
+        <a:effectRef idx="0">
+          <a:scrgbClr r="0" g="0" b="0"/>
+        </a:effectRef>
+        <a:fontRef idx="minor">
+          <a:schemeClr val="lt1"/>
+        </a:fontRef>
+      </dsp:style>
+      <dsp:txBody>
+        <a:bodyPr spcFirstLastPara="0" vert="horz" wrap="square" lIns="68580" tIns="68580" rIns="68580" bIns="68580" numCol="1" spcCol="1270" anchor="ctr" anchorCtr="0">
+          <a:noAutofit/>
+        </a:bodyPr>
+        <a:lstStyle/>
+        <a:p>
+          <a:pPr marL="0" lvl="0" indent="0" algn="ctr" defTabSz="800100">
+            <a:lnSpc>
+              <a:spcPct val="90000"/>
+            </a:lnSpc>
+            <a:spcBef>
+              <a:spcPct val="0"/>
+            </a:spcBef>
+            <a:spcAft>
+              <a:spcPct val="35000"/>
+            </a:spcAft>
+            <a:buNone/>
+          </a:pPr>
+          <a:r>
+            <a:rPr lang="en-US" sz="1800" kern="1200" dirty="0"/>
+            <a:t>Using Labeled Test Data to generate confusion matrix and other performance matrices on </a:t>
+          </a:r>
+          <a:r>
+            <a:rPr lang="en-US" sz="1800" kern="1200" dirty="0" err="1">
+              <a:solidFill>
+                <a:srgbClr val="FF0000"/>
+              </a:solidFill>
+            </a:rPr>
+            <a:t>Classfier</a:t>
+          </a:r>
+          <a:endParaRPr lang="en-US" sz="1800" kern="1200" dirty="0">
+            <a:solidFill>
+              <a:srgbClr val="FF0000"/>
+            </a:solidFill>
+          </a:endParaRPr>
+        </a:p>
+      </dsp:txBody>
+      <dsp:txXfrm>
+        <a:off x="5721067" y="1091089"/>
+        <a:ext cx="1902099" cy="2169158"/>
+      </dsp:txXfrm>
+    </dsp:sp>
+    <dsp:sp modelId="{DADF128A-C3BB-4943-B321-76BC24702988}">
+      <dsp:nvSpPr>
+        <dsp:cNvPr id="0" name=""/>
+        <dsp:cNvSpPr/>
+      </dsp:nvSpPr>
+      <dsp:spPr>
+        <a:xfrm>
+          <a:off x="7884389" y="1925132"/>
+          <a:ext cx="428336" cy="501072"/>
+        </a:xfrm>
+        <a:prstGeom prst="rightArrow">
+          <a:avLst>
+            <a:gd name="adj1" fmla="val 60000"/>
+            <a:gd name="adj2" fmla="val 50000"/>
+          </a:avLst>
+        </a:prstGeom>
+        <a:solidFill>
+          <a:schemeClr val="accent1">
+            <a:tint val="60000"/>
+            <a:hueOff val="0"/>
+            <a:satOff val="0"/>
+            <a:lumOff val="0"/>
+            <a:alphaOff val="0"/>
+          </a:schemeClr>
+        </a:solidFill>
+        <a:ln>
+          <a:noFill/>
+        </a:ln>
+        <a:effectLst/>
+      </dsp:spPr>
+      <dsp:style>
+        <a:lnRef idx="0">
+          <a:scrgbClr r="0" g="0" b="0"/>
+        </a:lnRef>
+        <a:fillRef idx="1">
+          <a:scrgbClr r="0" g="0" b="0"/>
+        </a:fillRef>
+        <a:effectRef idx="0">
+          <a:scrgbClr r="0" g="0" b="0"/>
+        </a:effectRef>
+        <a:fontRef idx="minor">
+          <a:schemeClr val="lt1"/>
+        </a:fontRef>
+      </dsp:style>
+      <dsp:txBody>
+        <a:bodyPr spcFirstLastPara="0" vert="horz" wrap="square" lIns="0" tIns="0" rIns="0" bIns="0" numCol="1" spcCol="1270" anchor="ctr" anchorCtr="0">
+          <a:noAutofit/>
+        </a:bodyPr>
+        <a:lstStyle/>
+        <a:p>
+          <a:pPr marL="0" lvl="0" indent="0" algn="ctr" defTabSz="622300">
+            <a:lnSpc>
+              <a:spcPct val="90000"/>
+            </a:lnSpc>
+            <a:spcBef>
+              <a:spcPct val="0"/>
+            </a:spcBef>
+            <a:spcAft>
+              <a:spcPct val="35000"/>
+            </a:spcAft>
+            <a:buNone/>
+          </a:pPr>
+          <a:endParaRPr lang="en-US" sz="1400" kern="1200"/>
+        </a:p>
+      </dsp:txBody>
+      <dsp:txXfrm>
+        <a:off x="7884389" y="2025346"/>
+        <a:ext cx="299835" cy="300644"/>
+      </dsp:txXfrm>
+    </dsp:sp>
+    <dsp:sp modelId="{13A9A15F-94E6-459C-A4BE-B4BA46CA6571}">
+      <dsp:nvSpPr>
+        <dsp:cNvPr id="0" name=""/>
+        <dsp:cNvSpPr/>
+      </dsp:nvSpPr>
+      <dsp:spPr>
+        <a:xfrm>
+          <a:off x="8490525" y="1031912"/>
+          <a:ext cx="2020453" cy="2287512"/>
+        </a:xfrm>
+        <a:prstGeom prst="roundRect">
+          <a:avLst>
+            <a:gd name="adj" fmla="val 10000"/>
+          </a:avLst>
+        </a:prstGeom>
+        <a:solidFill>
+          <a:schemeClr val="accent1">
+            <a:hueOff val="0"/>
+            <a:satOff val="0"/>
+            <a:lumOff val="0"/>
+            <a:alphaOff val="0"/>
+          </a:schemeClr>
+        </a:solidFill>
+        <a:ln w="12700" cap="flat" cmpd="sng" algn="ctr">
+          <a:solidFill>
+            <a:schemeClr val="lt1">
+              <a:hueOff val="0"/>
+              <a:satOff val="0"/>
+              <a:lumOff val="0"/>
+              <a:alphaOff val="0"/>
+            </a:schemeClr>
+          </a:solidFill>
+          <a:prstDash val="solid"/>
+          <a:miter lim="800000"/>
+        </a:ln>
+        <a:effectLst/>
+      </dsp:spPr>
+      <dsp:style>
+        <a:lnRef idx="2">
+          <a:scrgbClr r="0" g="0" b="0"/>
+        </a:lnRef>
+        <a:fillRef idx="1">
+          <a:scrgbClr r="0" g="0" b="0"/>
+        </a:fillRef>
+        <a:effectRef idx="0">
+          <a:scrgbClr r="0" g="0" b="0"/>
+        </a:effectRef>
+        <a:fontRef idx="minor">
+          <a:schemeClr val="lt1"/>
+        </a:fontRef>
+      </dsp:style>
+      <dsp:txBody>
+        <a:bodyPr spcFirstLastPara="0" vert="horz" wrap="square" lIns="68580" tIns="68580" rIns="68580" bIns="68580" numCol="1" spcCol="1270" anchor="ctr" anchorCtr="0">
+          <a:noAutofit/>
+        </a:bodyPr>
+        <a:lstStyle/>
+        <a:p>
+          <a:pPr marL="0" lvl="0" indent="0" algn="ctr" defTabSz="800100">
+            <a:lnSpc>
+              <a:spcPct val="90000"/>
+            </a:lnSpc>
+            <a:spcBef>
+              <a:spcPct val="0"/>
+            </a:spcBef>
+            <a:spcAft>
+              <a:spcPct val="35000"/>
+            </a:spcAft>
+            <a:buNone/>
+          </a:pPr>
+          <a:r>
+            <a:rPr lang="en-US" sz="1800" kern="1200" dirty="0"/>
+            <a:t>Using the </a:t>
+          </a:r>
+          <a:r>
+            <a:rPr lang="en-US" sz="1800" kern="1200" dirty="0" err="1">
+              <a:solidFill>
+                <a:srgbClr val="FF0000"/>
+              </a:solidFill>
+            </a:rPr>
+            <a:t>Classfier</a:t>
+          </a:r>
+          <a:r>
+            <a:rPr lang="en-US" sz="1800" kern="1200" dirty="0"/>
+            <a:t> predicts the class for </a:t>
+          </a:r>
+          <a:r>
+            <a:rPr lang="en-US" sz="1800" kern="1200"/>
+            <a:t>unlabeled test data</a:t>
+          </a:r>
+          <a:r>
+            <a:rPr lang="en-US" sz="1800" kern="1200" dirty="0"/>
+            <a:t>. Compare against reconstructed image from </a:t>
+          </a:r>
+          <a:r>
+            <a:rPr lang="en-US" sz="1800" kern="1200" dirty="0">
+              <a:solidFill>
+                <a:srgbClr val="FF0000"/>
+              </a:solidFill>
+            </a:rPr>
+            <a:t>autoencoder</a:t>
+          </a:r>
+          <a:r>
+            <a:rPr lang="en-US" sz="1800" kern="1200" dirty="0"/>
+            <a:t> </a:t>
+          </a:r>
+        </a:p>
+      </dsp:txBody>
+      <dsp:txXfrm>
+        <a:off x="8549702" y="1091089"/>
+        <a:ext cx="1902099" cy="2169158"/>
+      </dsp:txXfrm>
+    </dsp:sp>
+  </dsp:spTree>
+</dsp:drawing>
+</file>
+
+<file path=ppt/diagrams/layout1.xml><?xml version="1.0" encoding="utf-8"?>
+<dgm:layoutDef xmlns:dgm="http://schemas.openxmlformats.org/drawingml/2006/diagram" xmlns:a="http://schemas.openxmlformats.org/drawingml/2006/main" uniqueId="urn:microsoft.com/office/officeart/2005/8/layout/process1">
+  <dgm:title val=""/>
+  <dgm:desc val=""/>
+  <dgm:catLst>
+    <dgm:cat type="process" pri="1000"/>
+    <dgm:cat type="convert" pri="15000"/>
+  </dgm:catLst>
+  <dgm:sampData useDef="1">
+    <dgm:dataModel>
+      <dgm:ptLst/>
+      <dgm:bg/>
+      <dgm:whole/>
+    </dgm:dataModel>
+  </dgm:sampData>
+  <dgm:styleData>
+    <dgm:dataModel>
+      <dgm:ptLst>
+        <dgm:pt modelId="0" type="doc"/>
+        <dgm:pt modelId="1"/>
+        <dgm:pt modelId="2"/>
+      </dgm:ptLst>
+      <dgm:cxnLst>
+        <dgm:cxn modelId="3" srcId="0" destId="1" srcOrd="0" destOrd="0"/>
+        <dgm:cxn modelId="4" srcId="0" destId="2" srcOrd="1" destOrd="0"/>
+      </dgm:cxnLst>
+      <dgm:bg/>
+      <dgm:whole/>
+    </dgm:dataModel>
+  </dgm:styleData>
+  <dgm:clrData>
+    <dgm:dataModel>
+      <dgm:ptLst>
+        <dgm:pt modelId="0" type="doc"/>
+        <dgm:pt modelId="1"/>
+        <dgm:pt modelId="2"/>
+        <dgm:pt modelId="3"/>
+        <dgm:pt modelId="4"/>
+      </dgm:ptLst>
+      <dgm:cxnLst>
+        <dgm:cxn modelId="5" srcId="0" destId="1" srcOrd="0" destOrd="0"/>
+        <dgm:cxn modelId="6" srcId="0" destId="2" srcOrd="1" destOrd="0"/>
+        <dgm:cxn modelId="7" srcId="0" destId="3" srcOrd="2" destOrd="0"/>
+        <dgm:cxn modelId="8" srcId="0" destId="4" srcOrd="3" destOrd="0"/>
+      </dgm:cxnLst>
+      <dgm:bg/>
+      <dgm:whole/>
+    </dgm:dataModel>
+  </dgm:clrData>
+  <dgm:layoutNode name="Name0">
+    <dgm:varLst>
+      <dgm:dir/>
+      <dgm:resizeHandles val="exact"/>
+    </dgm:varLst>
+    <dgm:choose name="Name1">
+      <dgm:if name="Name2" func="var" arg="dir" op="equ" val="norm">
+        <dgm:alg type="lin"/>
+      </dgm:if>
+      <dgm:else name="Name3">
+        <dgm:alg type="lin">
+          <dgm:param type="linDir" val="fromR"/>
+        </dgm:alg>
+      </dgm:else>
+    </dgm:choose>
+    <dgm:shape xmlns:r="http://schemas.openxmlformats.org/officeDocument/2006/relationships" r:blip="">
+      <dgm:adjLst/>
+    </dgm:shape>
+    <dgm:presOf/>
+    <dgm:constrLst>
+      <dgm:constr type="w" for="ch" ptType="node" refType="w"/>
+      <dgm:constr type="h" for="ch" ptType="node" op="equ"/>
+      <dgm:constr type="primFontSz" for="ch" ptType="node" op="equ" val="65"/>
+      <dgm:constr type="w" for="ch" ptType="sibTrans" refType="w" refFor="ch" refPtType="node" op="equ" fact="0.4"/>
+      <dgm:constr type="h" for="ch" ptType="sibTrans" op="equ"/>
+      <dgm:constr type="primFontSz" for="des" forName="connectorText" op="equ" val="55"/>
+      <dgm:constr type="primFontSz" for="des" forName="connectorText" refType="primFontSz" refFor="ch" refPtType="node" op="lte" fact="0.8"/>
+    </dgm:constrLst>
+    <dgm:ruleLst/>
+    <dgm:forEach name="nodesForEach" axis="ch" ptType="node">
+      <dgm:layoutNode name="node">
+        <dgm:varLst>
+          <dgm:bulletEnabled val="1"/>
+        </dgm:varLst>
+        <dgm:alg type="tx"/>
+        <dgm:shape xmlns:r="http://schemas.openxmlformats.org/officeDocument/2006/relationships" type="roundRect" r:blip="">
+          <dgm:adjLst>
+            <dgm:adj idx="1" val="0.1"/>
+          </dgm:adjLst>
+        </dgm:shape>
+        <dgm:presOf axis="desOrSelf" ptType="node"/>
+        <dgm:constrLst>
+          <dgm:constr type="h" refType="w" fact="0.6"/>
+          <dgm:constr type="tMarg" refType="primFontSz" fact="0.3"/>
+          <dgm:constr type="bMarg" refType="primFontSz" fact="0.3"/>
+          <dgm:constr type="lMarg" refType="primFontSz" fact="0.3"/>
+          <dgm:constr type="rMarg" refType="primFontSz" fact="0.3"/>
+        </dgm:constrLst>
+        <dgm:ruleLst>
+          <dgm:rule type="primFontSz" val="18" fact="NaN" max="NaN"/>
+          <dgm:rule type="h" val="NaN" fact="1.5" max="NaN"/>
+          <dgm:rule type="primFontSz" val="5" fact="NaN" max="NaN"/>
+          <dgm:rule type="h" val="INF" fact="NaN" max="NaN"/>
+        </dgm:ruleLst>
+      </dgm:layoutNode>
+      <dgm:forEach name="sibTransForEach" axis="followSib" ptType="sibTrans" cnt="1">
+        <dgm:layoutNode name="sibTrans">
+          <dgm:alg type="conn">
+            <dgm:param type="begPts" val="auto"/>
+            <dgm:param type="endPts" val="auto"/>
+          </dgm:alg>
+          <dgm:shape xmlns:r="http://schemas.openxmlformats.org/officeDocument/2006/relationships" type="conn" r:blip="">
+            <dgm:adjLst/>
+          </dgm:shape>
+          <dgm:presOf axis="self"/>
+          <dgm:constrLst>
+            <dgm:constr type="h" refType="w" fact="0.62"/>
+            <dgm:constr type="connDist"/>
+            <dgm:constr type="begPad" refType="connDist" fact="0.25"/>
+            <dgm:constr type="endPad" refType="connDist" fact="0.22"/>
+          </dgm:constrLst>
+          <dgm:ruleLst/>
+          <dgm:layoutNode name="connectorText">
+            <dgm:alg type="tx">
+              <dgm:param type="autoTxRot" val="grav"/>
+            </dgm:alg>
+            <dgm:shape xmlns:r="http://schemas.openxmlformats.org/officeDocument/2006/relationships" type="conn" r:blip="" hideGeom="1">
+              <dgm:adjLst/>
+            </dgm:shape>
+            <dgm:presOf axis="self"/>
+            <dgm:constrLst>
+              <dgm:constr type="lMarg"/>
+              <dgm:constr type="rMarg"/>
+              <dgm:constr type="tMarg"/>
+              <dgm:constr type="bMarg"/>
+            </dgm:constrLst>
+            <dgm:ruleLst>
+              <dgm:rule type="primFontSz" val="5" fact="NaN" max="NaN"/>
+            </dgm:ruleLst>
+          </dgm:layoutNode>
+        </dgm:layoutNode>
+      </dgm:forEach>
+    </dgm:forEach>
+  </dgm:layoutNode>
+</dgm:layoutDef>
+</file>
+
+<file path=ppt/diagrams/quickStyle1.xml><?xml version="1.0" encoding="utf-8"?>
+<dgm:styleDef xmlns:dgm="http://schemas.openxmlformats.org/drawingml/2006/diagram" xmlns:a="http://schemas.openxmlformats.org/drawingml/2006/main" uniqueId="urn:microsoft.com/office/officeart/2005/8/quickstyle/simple1">
+  <dgm:title val=""/>
+  <dgm:desc val=""/>
+  <dgm:catLst>
+    <dgm:cat type="simple" pri="10100"/>
+  </dgm:catLst>
+  <dgm:scene3d>
+    <a:camera prst="orthographicFront"/>
+    <a:lightRig rig="threePt" dir="t"/>
+  </dgm:scene3d>
+  <dgm:styleLbl name="node0">
+    <dgm:scene3d>
+      <a:camera prst="orthographicFront"/>
+      <a:lightRig rig="threePt" dir="t"/>
+    </dgm:scene3d>
+    <dgm:sp3d/>
+    <dgm:txPr/>
+    <dgm:style>
+      <a:lnRef idx="2">
+        <a:scrgbClr r="0" g="0" b="0"/>
+      </a:lnRef>
+      <a:fillRef idx="1">
+        <a:scrgbClr r="0" g="0" b="0"/>
+      </a:fillRef>
+      <a:effectRef idx="0">
+        <a:scrgbClr r="0" g="0" b="0"/>
+      </a:effectRef>
+      <a:fontRef idx="minor">
+        <a:schemeClr val="lt1"/>
+      </a:fontRef>
+    </dgm:style>
+  </dgm:styleLbl>
+  <dgm:styleLbl name="lnNode1">
+    <dgm:scene3d>
+      <a:camera prst="orthographicFront"/>
+      <a:lightRig rig="threePt" dir="t"/>
+    </dgm:scene3d>
+    <dgm:sp3d/>
+    <dgm:txPr/>
+    <dgm:style>
+      <a:lnRef idx="2">
+        <a:scrgbClr r="0" g="0" b="0"/>
+      </a:lnRef>
+      <a:fillRef idx="1">
+        <a:scrgbClr r="0" g="0" b="0"/>
+      </a:fillRef>
+      <a:effectRef idx="0">
+        <a:scrgbClr r="0" g="0" b="0"/>
+      </a:effectRef>
+      <a:fontRef idx="minor">
+        <a:schemeClr val="lt1"/>
+      </a:fontRef>
+    </dgm:style>
+  </dgm:styleLbl>
+  <dgm:styleLbl name="vennNode1">
+    <dgm:scene3d>
+      <a:camera prst="orthographicFront"/>
+      <a:lightRig rig="threePt" dir="t"/>
+    </dgm:scene3d>
+    <dgm:sp3d/>
+    <dgm:txPr/>
+    <dgm:style>
+      <a:lnRef idx="2">
+        <a:scrgbClr r="0" g="0" b="0"/>
+      </a:lnRef>
+      <a:fillRef idx="1">
+        <a:scrgbClr r="0" g="0" b="0"/>
+      </a:fillRef>
+      <a:effectRef idx="0">
+        <a:scrgbClr r="0" g="0" b="0"/>
+      </a:effectRef>
+      <a:fontRef idx="minor">
+        <a:schemeClr val="tx1"/>
+      </a:fontRef>
+    </dgm:style>
+  </dgm:styleLbl>
+  <dgm:styleLbl name="alignNode1">
+    <dgm:scene3d>
+      <a:camera prst="orthographicFront"/>
+      <a:lightRig rig="threePt" dir="t"/>
+    </dgm:scene3d>
+    <dgm:sp3d/>
+    <dgm:txPr/>
+    <dgm:style>
+      <a:lnRef idx="2">
+        <a:scrgbClr r="0" g="0" b="0"/>
+      </a:lnRef>
+      <a:fillRef idx="1">
+        <a:scrgbClr r="0" g="0" b="0"/>
+      </a:fillRef>
+      <a:effectRef idx="0">
+        <a:scrgbClr r="0" g="0" b="0"/>
+      </a:effectRef>
+      <a:fontRef idx="minor">
+        <a:schemeClr val="lt1"/>
+      </a:fontRef>
+    </dgm:style>
+  </dgm:styleLbl>
+  <dgm:styleLbl name="node1">
+    <dgm:scene3d>
+      <a:camera prst="orthographicFront"/>
+      <a:lightRig rig="threePt" dir="t"/>
+    </dgm:scene3d>
+    <dgm:sp3d/>
+    <dgm:txPr/>
+    <dgm:style>
+      <a:lnRef idx="2">
+        <a:scrgbClr r="0" g="0" b="0"/>
+      </a:lnRef>
+      <a:fillRef idx="1">
+        <a:scrgbClr r="0" g="0" b="0"/>
+      </a:fillRef>
+      <a:effectRef idx="0">
+        <a:scrgbClr r="0" g="0" b="0"/>
+      </a:effectRef>
+      <a:fontRef idx="minor">
+        <a:schemeClr val="lt1"/>
+      </a:fontRef>
+    </dgm:style>
+  </dgm:styleLbl>
+  <dgm:styleLbl name="node2">
+    <dgm:scene3d>
+      <a:camera prst="orthographicFront"/>
+      <a:lightRig rig="threePt" dir="t"/>
+    </dgm:scene3d>
+    <dgm:sp3d/>
+    <dgm:txPr/>
+    <dgm:style>
+      <a:lnRef idx="2">
+        <a:scrgbClr r="0" g="0" b="0"/>
+      </a:lnRef>
+      <a:fillRef idx="1">
+        <a:scrgbClr r="0" g="0" b="0"/>
+      </a:fillRef>
+      <a:effectRef idx="0">
+        <a:scrgbClr r="0" g="0" b="0"/>
+      </a:effectRef>
+      <a:fontRef idx="minor">
+        <a:schemeClr val="lt1"/>
+      </a:fontRef>
+    </dgm:style>
+  </dgm:styleLbl>
+  <dgm:styleLbl name="node3">
+    <dgm:scene3d>
+      <a:camera prst="orthographicFront"/>
+      <a:lightRig rig="threePt" dir="t"/>
+    </dgm:scene3d>
+    <dgm:sp3d/>
+    <dgm:txPr/>
+    <dgm:style>
+      <a:lnRef idx="2">
+        <a:scrgbClr r="0" g="0" b="0"/>
+      </a:lnRef>
+      <a:fillRef idx="1">
+        <a:scrgbClr r="0" g="0" b="0"/>
+      </a:fillRef>
+      <a:effectRef idx="0">
+        <a:scrgbClr r="0" g="0" b="0"/>
+      </a:effectRef>
+      <a:fontRef idx="minor">
+        <a:schemeClr val="lt1"/>
+      </a:fontRef>
+    </dgm:style>
+  </dgm:styleLbl>
+  <dgm:styleLbl name="node4">
+    <dgm:scene3d>
+      <a:camera prst="orthographicFront"/>
+      <a:lightRig rig="threePt" dir="t"/>
+    </dgm:scene3d>
+    <dgm:sp3d/>
+    <dgm:txPr/>
+    <dgm:style>
+      <a:lnRef idx="2">
+        <a:scrgbClr r="0" g="0" b="0"/>
+      </a:lnRef>
+      <a:fillRef idx="1">
+        <a:scrgbClr r="0" g="0" b="0"/>
+      </a:fillRef>
+      <a:effectRef idx="0">
+        <a:scrgbClr r="0" g="0" b="0"/>
+      </a:effectRef>
+      <a:fontRef idx="minor">
+        <a:schemeClr val="lt1"/>
+      </a:fontRef>
+    </dgm:style>
+  </dgm:styleLbl>
+  <dgm:styleLbl name="fgImgPlace1">
+    <dgm:scene3d>
+      <a:camera prst="orthographicFront"/>
+      <a:lightRig rig="threePt" dir="t"/>
+    </dgm:scene3d>
+    <dgm:sp3d/>
+    <dgm:txPr/>
+    <dgm:style>
+      <a:lnRef idx="2">
+        <a:scrgbClr r="0" g="0" b="0"/>
+      </a:lnRef>
+      <a:fillRef idx="1">
+        <a:scrgbClr r="0" g="0" b="0"/>
+      </a:fillRef>
+      <a:effectRef idx="0">
+        <a:scrgbClr r="0" g="0" b="0"/>
+      </a:effectRef>
+      <a:fontRef idx="minor"/>
+    </dgm:style>
+  </dgm:styleLbl>
+  <dgm:styleLbl name="alignImgPlace1">
+    <dgm:scene3d>
+      <a:camera prst="orthographicFront"/>
+      <a:lightRig rig="threePt" dir="t"/>
+    </dgm:scene3d>
+    <dgm:sp3d/>
+    <dgm:txPr/>
+    <dgm:style>
+      <a:lnRef idx="2">
+        <a:scrgbClr r="0" g="0" b="0"/>
+      </a:lnRef>
+      <a:fillRef idx="1">
+        <a:scrgbClr r="0" g="0" b="0"/>
+      </a:fillRef>
+      <a:effectRef idx="0">
+        <a:scrgbClr r="0" g="0" b="0"/>
+      </a:effectRef>
+      <a:fontRef idx="minor"/>
+    </dgm:style>
+  </dgm:styleLbl>
+  <dgm:styleLbl name="bgImgPlace1">
+    <dgm:scene3d>
+      <a:camera prst="orthographicFront"/>
+      <a:lightRig rig="threePt" dir="t"/>
+    </dgm:scene3d>
+    <dgm:sp3d/>
+    <dgm:txPr/>
+    <dgm:style>
+      <a:lnRef idx="2">
+        <a:scrgbClr r="0" g="0" b="0"/>
+      </a:lnRef>
+      <a:fillRef idx="1">
+        <a:scrgbClr r="0" g="0" b="0"/>
+      </a:fillRef>
+      <a:effectRef idx="0">
+        <a:scrgbClr r="0" g="0" b="0"/>
+      </a:effectRef>
+      <a:fontRef idx="minor"/>
+    </dgm:style>
+  </dgm:styleLbl>
+  <dgm:styleLbl name="sibTrans2D1">
+    <dgm:scene3d>
+      <a:camera prst="orthographicFront"/>
+      <a:lightRig rig="threePt" dir="t"/>
+    </dgm:scene3d>
+    <dgm:sp3d/>
+    <dgm:txPr/>
+    <dgm:style>
+      <a:lnRef idx="0">
+        <a:scrgbClr r="0" g="0" b="0"/>
+      </a:lnRef>
+      <a:fillRef idx="1">
+        <a:scrgbClr r="0" g="0" b="0"/>
+      </a:fillRef>
+      <a:effectRef idx="0">
+        <a:scrgbClr r="0" g="0" b="0"/>
+      </a:effectRef>
+      <a:fontRef idx="minor">
+        <a:schemeClr val="lt1"/>
+      </a:fontRef>
+    </dgm:style>
+  </dgm:styleLbl>
+  <dgm:styleLbl name="fgSibTrans2D1">
+    <dgm:scene3d>
+      <a:camera prst="orthographicFront"/>
+      <a:lightRig rig="threePt" dir="t"/>
+    </dgm:scene3d>
+    <dgm:sp3d/>
+    <dgm:txPr/>
+    <dgm:style>
+      <a:lnRef idx="0">
+        <a:scrgbClr r="0" g="0" b="0"/>
+      </a:lnRef>
+      <a:fillRef idx="1">
+        <a:scrgbClr r="0" g="0" b="0"/>
+      </a:fillRef>
+      <a:effectRef idx="0">
+        <a:scrgbClr r="0" g="0" b="0"/>
+      </a:effectRef>
+      <a:fontRef idx="minor">
+        <a:schemeClr val="lt1"/>
+      </a:fontRef>
+    </dgm:style>
+  </dgm:styleLbl>
+  <dgm:styleLbl name="bgSibTrans2D1">
+    <dgm:scene3d>
+      <a:camera prst="orthographicFront"/>
+      <a:lightRig rig="threePt" dir="t"/>
+    </dgm:scene3d>
+    <dgm:sp3d/>
+    <dgm:txPr/>
+    <dgm:style>
+      <a:lnRef idx="0">
+        <a:scrgbClr r="0" g="0" b="0"/>
+      </a:lnRef>
+      <a:fillRef idx="1">
+        <a:scrgbClr r="0" g="0" b="0"/>
+      </a:fillRef>
+      <a:effectRef idx="0">
+        <a:scrgbClr r="0" g="0" b="0"/>
+      </a:effectRef>
+      <a:fontRef idx="minor">
+        <a:schemeClr val="lt1"/>
+      </a:fontRef>
+    </dgm:style>
+  </dgm:styleLbl>
+  <dgm:styleLbl name="sibTrans1D1">
+    <dgm:scene3d>
+      <a:camera prst="orthographicFront"/>
+      <a:lightRig rig="threePt" dir="t"/>
+    </dgm:scene3d>
+    <dgm:sp3d/>
+    <dgm:txPr/>
+    <dgm:style>
+      <a:lnRef idx="1">
+        <a:scrgbClr r="0" g="0" b="0"/>
+      </a:lnRef>
+      <a:fillRef idx="0">
+        <a:scrgbClr r="0" g="0" b="0"/>
+      </a:fillRef>
+      <a:effectRef idx="0">
+        <a:scrgbClr r="0" g="0" b="0"/>
+      </a:effectRef>
+      <a:fontRef idx="minor"/>
+    </dgm:style>
+  </dgm:styleLbl>
+  <dgm:styleLbl name="callout">
+    <dgm:scene3d>
+      <a:camera prst="orthographicFront"/>
+      <a:lightRig rig="threePt" dir="t"/>
+    </dgm:scene3d>
+    <dgm:sp3d/>
+    <dgm:txPr/>
+    <dgm:style>
+      <a:lnRef idx="2">
+        <a:scrgbClr r="0" g="0" b="0"/>
+      </a:lnRef>
+      <a:fillRef idx="1">
+        <a:scrgbClr r="0" g="0" b="0"/>
+      </a:fillRef>
+      <a:effectRef idx="0">
+        <a:scrgbClr r="0" g="0" b="0"/>
+      </a:effectRef>
+      <a:fontRef idx="minor"/>
+    </dgm:style>
+  </dgm:styleLbl>
+  <dgm:styleLbl name="asst0">
+    <dgm:scene3d>
+      <a:camera prst="orthographicFront"/>
+      <a:lightRig rig="threePt" dir="t"/>
+    </dgm:scene3d>
+    <dgm:sp3d/>
+    <dgm:txPr/>
+    <dgm:style>
+      <a:lnRef idx="2">
+        <a:scrgbClr r="0" g="0" b="0"/>
+      </a:lnRef>
+      <a:fillRef idx="1">
+        <a:scrgbClr r="0" g="0" b="0"/>
+      </a:fillRef>
+      <a:effectRef idx="0">
+        <a:scrgbClr r="0" g="0" b="0"/>
+      </a:effectRef>
+      <a:fontRef idx="minor">
+        <a:schemeClr val="lt1"/>
+      </a:fontRef>
+    </dgm:style>
+  </dgm:styleLbl>
+  <dgm:styleLbl name="asst1">
+    <dgm:scene3d>
+      <a:camera prst="orthographicFront"/>
+      <a:lightRig rig="threePt" dir="t"/>
+    </dgm:scene3d>
+    <dgm:sp3d/>
+    <dgm:txPr/>
+    <dgm:style>
+      <a:lnRef idx="2">
+        <a:scrgbClr r="0" g="0" b="0"/>
+      </a:lnRef>
+      <a:fillRef idx="1">
+        <a:scrgbClr r="0" g="0" b="0"/>
+      </a:fillRef>
+      <a:effectRef idx="0">
+        <a:scrgbClr r="0" g="0" b="0"/>
+      </a:effectRef>
+      <a:fontRef idx="minor">
+        <a:schemeClr val="lt1"/>
+      </a:fontRef>
+    </dgm:style>
+  </dgm:styleLbl>
+  <dgm:styleLbl name="asst2">
+    <dgm:scene3d>
+      <a:camera prst="orthographicFront"/>
+      <a:lightRig rig="threePt" dir="t"/>
+    </dgm:scene3d>
+    <dgm:sp3d/>
+    <dgm:txPr/>
+    <dgm:style>
+      <a:lnRef idx="2">
+        <a:scrgbClr r="0" g="0" b="0"/>
+      </a:lnRef>
+      <a:fillRef idx="1">
+        <a:scrgbClr r="0" g="0" b="0"/>
+      </a:fillRef>
+      <a:effectRef idx="0">
+        <a:scrgbClr r="0" g="0" b="0"/>
+      </a:effectRef>
+      <a:fontRef idx="minor">
+        <a:schemeClr val="lt1"/>
+      </a:fontRef>
+    </dgm:style>
+  </dgm:styleLbl>
+  <dgm:styleLbl name="asst3">
+    <dgm:scene3d>
+      <a:camera prst="orthographicFront"/>
+      <a:lightRig rig="threePt" dir="t"/>
+    </dgm:scene3d>
+    <dgm:sp3d/>
+    <dgm:txPr/>
+    <dgm:style>
+      <a:lnRef idx="2">
+        <a:scrgbClr r="0" g="0" b="0"/>
+      </a:lnRef>
+      <a:fillRef idx="1">
+        <a:scrgbClr r="0" g="0" b="0"/>
+      </a:fillRef>
+      <a:effectRef idx="0">
+        <a:scrgbClr r="0" g="0" b="0"/>
+      </a:effectRef>
+      <a:fontRef idx="minor">
+        <a:schemeClr val="lt1"/>
+      </a:fontRef>
+    </dgm:style>
+  </dgm:styleLbl>
+  <dgm:styleLbl name="asst4">
+    <dgm:scene3d>
+      <a:camera prst="orthographicFront"/>
+      <a:lightRig rig="threePt" dir="t"/>
+    </dgm:scene3d>
+    <dgm:sp3d/>
+    <dgm:txPr/>
+    <dgm:style>
+      <a:lnRef idx="2">
+        <a:scrgbClr r="0" g="0" b="0"/>
+      </a:lnRef>
+      <a:fillRef idx="1">
+        <a:scrgbClr r="0" g="0" b="0"/>
+      </a:fillRef>
+      <a:effectRef idx="0">
+        <a:scrgbClr r="0" g="0" b="0"/>
+      </a:effectRef>
+      <a:fontRef idx="minor">
+        <a:schemeClr val="lt1"/>
+      </a:fontRef>
+    </dgm:style>
+  </dgm:styleLbl>
+  <dgm:styleLbl name="parChTrans2D1">
+    <dgm:scene3d>
+      <a:camera prst="orthographicFront"/>
+      <a:lightRig rig="threePt" dir="t"/>
+    </dgm:scene3d>
+    <dgm:sp3d/>
+    <dgm:txPr/>
+    <dgm:style>
+      <a:lnRef idx="2">
+        <a:scrgbClr r="0" g="0" b="0"/>
+      </a:lnRef>
+      <a:fillRef idx="1">
+        <a:scrgbClr r="0" g="0" b="0"/>
+      </a:fillRef>
+      <a:effectRef idx="0">
+        <a:scrgbClr r="0" g="0" b="0"/>
+      </a:effectRef>
+      <a:fontRef idx="minor">
+        <a:schemeClr val="lt1"/>
+      </a:fontRef>
+    </dgm:style>
+  </dgm:styleLbl>
+  <dgm:styleLbl name="parChTrans2D2">
+    <dgm:scene3d>
+      <a:camera prst="orthographicFront"/>
+      <a:lightRig rig="threePt" dir="t"/>
+    </dgm:scene3d>
+    <dgm:sp3d/>
+    <dgm:txPr/>
+    <dgm:style>
+      <a:lnRef idx="2">
+        <a:scrgbClr r="0" g="0" b="0"/>
+      </a:lnRef>
+      <a:fillRef idx="1">
+        <a:scrgbClr r="0" g="0" b="0"/>
+      </a:fillRef>
+      <a:effectRef idx="0">
+        <a:scrgbClr r="0" g="0" b="0"/>
+      </a:effectRef>
+      <a:fontRef idx="minor">
+        <a:schemeClr val="lt1"/>
+      </a:fontRef>
+    </dgm:style>
+  </dgm:styleLbl>
+  <dgm:styleLbl name="parChTrans2D3">
+    <dgm:scene3d>
+      <a:camera prst="orthographicFront"/>
+      <a:lightRig rig="threePt" dir="t"/>
+    </dgm:scene3d>
+    <dgm:sp3d/>
+    <dgm:txPr/>
+    <dgm:style>
+      <a:lnRef idx="2">
+        <a:scrgbClr r="0" g="0" b="0"/>
+      </a:lnRef>
+      <a:fillRef idx="1">
+        <a:scrgbClr r="0" g="0" b="0"/>
+      </a:fillRef>
+      <a:effectRef idx="0">
+        <a:scrgbClr r="0" g="0" b="0"/>
+      </a:effectRef>
+      <a:fontRef idx="minor">
+        <a:schemeClr val="lt1"/>
+      </a:fontRef>
+    </dgm:style>
+  </dgm:styleLbl>
+  <dgm:styleLbl name="parChTrans2D4">
+    <dgm:scene3d>
+      <a:camera prst="orthographicFront"/>
+      <a:lightRig rig="threePt" dir="t"/>
+    </dgm:scene3d>
+    <dgm:sp3d/>
+    <dgm:txPr/>
+    <dgm:style>
+      <a:lnRef idx="2">
+        <a:scrgbClr r="0" g="0" b="0"/>
+      </a:lnRef>
+      <a:fillRef idx="1">
+        <a:scrgbClr r="0" g="0" b="0"/>
+      </a:fillRef>
+      <a:effectRef idx="0">
+        <a:scrgbClr r="0" g="0" b="0"/>
+      </a:effectRef>
+      <a:fontRef idx="minor">
+        <a:schemeClr val="lt1"/>
+      </a:fontRef>
+    </dgm:style>
+  </dgm:styleLbl>
+  <dgm:styleLbl name="parChTrans1D1">
+    <dgm:scene3d>
+      <a:camera prst="orthographicFront"/>
+      <a:lightRig rig="threePt" dir="t"/>
+    </dgm:scene3d>
+    <dgm:sp3d/>
+    <dgm:txPr/>
+    <dgm:style>
+      <a:lnRef idx="2">
+        <a:scrgbClr r="0" g="0" b="0"/>
+      </a:lnRef>
+      <a:fillRef idx="0">
+        <a:scrgbClr r="0" g="0" b="0"/>
+      </a:fillRef>
+      <a:effectRef idx="0">
+        <a:scrgbClr r="0" g="0" b="0"/>
+      </a:effectRef>
+      <a:fontRef idx="minor"/>
+    </dgm:style>
+  </dgm:styleLbl>
+  <dgm:styleLbl name="parChTrans1D2">
+    <dgm:scene3d>
+      <a:camera prst="orthographicFront"/>
+      <a:lightRig rig="threePt" dir="t"/>
+    </dgm:scene3d>
+    <dgm:sp3d/>
+    <dgm:txPr/>
+    <dgm:style>
+      <a:lnRef idx="2">
+        <a:scrgbClr r="0" g="0" b="0"/>
+      </a:lnRef>
+      <a:fillRef idx="0">
+        <a:scrgbClr r="0" g="0" b="0"/>
+      </a:fillRef>
+      <a:effectRef idx="0">
+        <a:scrgbClr r="0" g="0" b="0"/>
+      </a:effectRef>
+      <a:fontRef idx="minor"/>
+    </dgm:style>
+  </dgm:styleLbl>
+  <dgm:styleLbl name="parChTrans1D3">
+    <dgm:scene3d>
+      <a:camera prst="orthographicFront"/>
+      <a:lightRig rig="threePt" dir="t"/>
+    </dgm:scene3d>
+    <dgm:sp3d/>
+    <dgm:txPr/>
+    <dgm:style>
+      <a:lnRef idx="2">
+        <a:scrgbClr r="0" g="0" b="0"/>
+      </a:lnRef>
+      <a:fillRef idx="0">
+        <a:scrgbClr r="0" g="0" b="0"/>
+      </a:fillRef>
+      <a:effectRef idx="0">
+        <a:scrgbClr r="0" g="0" b="0"/>
+      </a:effectRef>
+      <a:fontRef idx="minor"/>
+    </dgm:style>
+  </dgm:styleLbl>
+  <dgm:styleLbl name="parChTrans1D4">
+    <dgm:scene3d>
+      <a:camera prst="orthographicFront"/>
+      <a:lightRig rig="threePt" dir="t"/>
+    </dgm:scene3d>
+    <dgm:sp3d/>
+    <dgm:txPr/>
+    <dgm:style>
+      <a:lnRef idx="2">
+        <a:scrgbClr r="0" g="0" b="0"/>
+      </a:lnRef>
+      <a:fillRef idx="0">
+        <a:scrgbClr r="0" g="0" b="0"/>
+      </a:fillRef>
+      <a:effectRef idx="0">
+        <a:scrgbClr r="0" g="0" b="0"/>
+      </a:effectRef>
+      <a:fontRef idx="minor"/>
+    </dgm:style>
+  </dgm:styleLbl>
+  <dgm:styleLbl name="fgAcc1">
+    <dgm:scene3d>
+      <a:camera prst="orthographicFront"/>
+      <a:lightRig rig="threePt" dir="t"/>
+    </dgm:scene3d>
+    <dgm:sp3d/>
+    <dgm:txPr/>
+    <dgm:style>
+      <a:lnRef idx="2">
+        <a:scrgbClr r="0" g="0" b="0"/>
+      </a:lnRef>
+      <a:fillRef idx="1">
+        <a:scrgbClr r="0" g="0" b="0"/>
+      </a:fillRef>
+      <a:effectRef idx="0">
+        <a:scrgbClr r="0" g="0" b="0"/>
+      </a:effectRef>
+      <a:fontRef idx="minor"/>
+    </dgm:style>
+  </dgm:styleLbl>
+  <dgm:styleLbl name="conFgAcc1">
+    <dgm:scene3d>
+      <a:camera prst="orthographicFront"/>
+      <a:lightRig rig="threePt" dir="t"/>
+    </dgm:scene3d>
+    <dgm:sp3d/>
+    <dgm:txPr/>
+    <dgm:style>
+      <a:lnRef idx="2">
+        <a:scrgbClr r="0" g="0" b="0"/>
+      </a:lnRef>
+      <a:fillRef idx="1">
+        <a:scrgbClr r="0" g="0" b="0"/>
+      </a:fillRef>
+      <a:effectRef idx="0">
+        <a:scrgbClr r="0" g="0" b="0"/>
+      </a:effectRef>
+      <a:fontRef idx="minor"/>
+    </dgm:style>
+  </dgm:styleLbl>
+  <dgm:styleLbl name="alignAcc1">
+    <dgm:scene3d>
+      <a:camera prst="orthographicFront"/>
+      <a:lightRig rig="threePt" dir="t"/>
+    </dgm:scene3d>
+    <dgm:sp3d/>
+    <dgm:txPr/>
+    <dgm:style>
+      <a:lnRef idx="2">
+        <a:scrgbClr r="0" g="0" b="0"/>
+      </a:lnRef>
+      <a:fillRef idx="1">
+        <a:scrgbClr r="0" g="0" b="0"/>
+      </a:fillRef>
+      <a:effectRef idx="0">
+        <a:scrgbClr r="0" g="0" b="0"/>
+      </a:effectRef>
+      <a:fontRef idx="minor"/>
+    </dgm:style>
+  </dgm:styleLbl>
+  <dgm:styleLbl name="trAlignAcc1">
+    <dgm:scene3d>
+      <a:camera prst="orthographicFront"/>
+      <a:lightRig rig="threePt" dir="t"/>
+    </dgm:scene3d>
+    <dgm:sp3d/>
+    <dgm:txPr/>
+    <dgm:style>
+      <a:lnRef idx="1">
+        <a:scrgbClr r="0" g="0" b="0"/>
+      </a:lnRef>
+      <a:fillRef idx="1">
+        <a:scrgbClr r="0" g="0" b="0"/>
+      </a:fillRef>
+      <a:effectRef idx="0">
+        <a:scrgbClr r="0" g="0" b="0"/>
+      </a:effectRef>
+      <a:fontRef idx="minor"/>
+    </dgm:style>
+  </dgm:styleLbl>
+  <dgm:styleLbl name="bgAcc1">
+    <dgm:scene3d>
+      <a:camera prst="orthographicFront"/>
+      <a:lightRig rig="threePt" dir="t"/>
+    </dgm:scene3d>
+    <dgm:sp3d/>
+    <dgm:txPr/>
+    <dgm:style>
+      <a:lnRef idx="2">
+        <a:scrgbClr r="0" g="0" b="0"/>
+      </a:lnRef>
+      <a:fillRef idx="1">
+        <a:scrgbClr r="0" g="0" b="0"/>
+      </a:fillRef>
+      <a:effectRef idx="0">
+        <a:scrgbClr r="0" g="0" b="0"/>
+      </a:effectRef>
+      <a:fontRef idx="minor"/>
+    </dgm:style>
+  </dgm:styleLbl>
+  <dgm:styleLbl name="solidFgAcc1">
+    <dgm:scene3d>
+      <a:camera prst="orthographicFront"/>
+      <a:lightRig rig="threePt" dir="t"/>
+    </dgm:scene3d>
+    <dgm:sp3d/>
+    <dgm:txPr/>
+    <dgm:style>
+      <a:lnRef idx="2">
+        <a:scrgbClr r="0" g="0" b="0"/>
+      </a:lnRef>
+      <a:fillRef idx="1">
+        <a:scrgbClr r="0" g="0" b="0"/>
+      </a:fillRef>
+      <a:effectRef idx="0">
+        <a:scrgbClr r="0" g="0" b="0"/>
+      </a:effectRef>
+      <a:fontRef idx="minor"/>
+    </dgm:style>
+  </dgm:styleLbl>
+  <dgm:styleLbl name="solidAlignAcc1">
+    <dgm:scene3d>
+      <a:camera prst="orthographicFront"/>
+      <a:lightRig rig="threePt" dir="t"/>
+    </dgm:scene3d>
+    <dgm:sp3d/>
+    <dgm:txPr/>
+    <dgm:style>
+      <a:lnRef idx="2">
+        <a:scrgbClr r="0" g="0" b="0"/>
+      </a:lnRef>
+      <a:fillRef idx="1">
+        <a:scrgbClr r="0" g="0" b="0"/>
+      </a:fillRef>
+      <a:effectRef idx="0">
+        <a:scrgbClr r="0" g="0" b="0"/>
+      </a:effectRef>
+      <a:fontRef idx="minor"/>
+    </dgm:style>
+  </dgm:styleLbl>
+  <dgm:styleLbl name="solidBgAcc1">
+    <dgm:scene3d>
+      <a:camera prst="orthographicFront"/>
+      <a:lightRig rig="threePt" dir="t"/>
+    </dgm:scene3d>
+    <dgm:sp3d/>
+    <dgm:txPr/>
+    <dgm:style>
+      <a:lnRef idx="2">
+        <a:scrgbClr r="0" g="0" b="0"/>
+      </a:lnRef>
+      <a:fillRef idx="1">
+        <a:scrgbClr r="0" g="0" b="0"/>
+      </a:fillRef>
+      <a:effectRef idx="0">
+        <a:scrgbClr r="0" g="0" b="0"/>
+      </a:effectRef>
+      <a:fontRef idx="minor"/>
+    </dgm:style>
+  </dgm:styleLbl>
+  <dgm:styleLbl name="fgAccFollowNode1">
+    <dgm:scene3d>
+      <a:camera prst="orthographicFront"/>
+      <a:lightRig rig="threePt" dir="t"/>
+    </dgm:scene3d>
+    <dgm:sp3d/>
+    <dgm:txPr/>
+    <dgm:style>
+      <a:lnRef idx="2">
+        <a:scrgbClr r="0" g="0" b="0"/>
+      </a:lnRef>
+      <a:fillRef idx="1">
+        <a:scrgbClr r="0" g="0" b="0"/>
+      </a:fillRef>
+      <a:effectRef idx="0">
+        <a:scrgbClr r="0" g="0" b="0"/>
+      </a:effectRef>
+      <a:fontRef idx="minor"/>
+    </dgm:style>
+  </dgm:styleLbl>
+  <dgm:styleLbl name="alignAccFollowNode1">
+    <dgm:scene3d>
+      <a:camera prst="orthographicFront"/>
+      <a:lightRig rig="threePt" dir="t"/>
+    </dgm:scene3d>
+    <dgm:sp3d/>
+    <dgm:txPr/>
+    <dgm:style>
+      <a:lnRef idx="2">
+        <a:scrgbClr r="0" g="0" b="0"/>
+      </a:lnRef>
+      <a:fillRef idx="1">
+        <a:scrgbClr r="0" g="0" b="0"/>
+      </a:fillRef>
+      <a:effectRef idx="0">
+        <a:scrgbClr r="0" g="0" b="0"/>
+      </a:effectRef>
+      <a:fontRef idx="minor"/>
+    </dgm:style>
+  </dgm:styleLbl>
+  <dgm:styleLbl name="bgAccFollowNode1">
+    <dgm:scene3d>
+      <a:camera prst="orthographicFront"/>
+      <a:lightRig rig="threePt" dir="t"/>
+    </dgm:scene3d>
+    <dgm:sp3d/>
+    <dgm:txPr/>
+    <dgm:style>
+      <a:lnRef idx="2">
+        <a:scrgbClr r="0" g="0" b="0"/>
+      </a:lnRef>
+      <a:fillRef idx="1">
+        <a:scrgbClr r="0" g="0" b="0"/>
+      </a:fillRef>
+      <a:effectRef idx="0">
+        <a:scrgbClr r="0" g="0" b="0"/>
+      </a:effectRef>
+      <a:fontRef idx="minor"/>
+    </dgm:style>
+  </dgm:styleLbl>
+  <dgm:styleLbl name="fgAcc0">
+    <dgm:scene3d>
+      <a:camera prst="orthographicFront"/>
+      <a:lightRig rig="threePt" dir="t"/>
+    </dgm:scene3d>
+    <dgm:sp3d/>
+    <dgm:txPr/>
+    <dgm:style>
+      <a:lnRef idx="2">
+        <a:scrgbClr r="0" g="0" b="0"/>
+      </a:lnRef>
+      <a:fillRef idx="1">
+        <a:scrgbClr r="0" g="0" b="0"/>
+      </a:fillRef>
+      <a:effectRef idx="0">
+        <a:scrgbClr r="0" g="0" b="0"/>
+      </a:effectRef>
+      <a:fontRef idx="minor"/>
+    </dgm:style>
+  </dgm:styleLbl>
+  <dgm:styleLbl name="fgAcc2">
+    <dgm:scene3d>
+      <a:camera prst="orthographicFront"/>
+      <a:lightRig rig="threePt" dir="t"/>
+    </dgm:scene3d>
+    <dgm:sp3d/>
+    <dgm:txPr/>
+    <dgm:style>
+      <a:lnRef idx="2">
+        <a:scrgbClr r="0" g="0" b="0"/>
+      </a:lnRef>
+      <a:fillRef idx="1">
+        <a:scrgbClr r="0" g="0" b="0"/>
+      </a:fillRef>
+      <a:effectRef idx="0">
+        <a:scrgbClr r="0" g="0" b="0"/>
+      </a:effectRef>
+      <a:fontRef idx="minor"/>
+    </dgm:style>
+  </dgm:styleLbl>
+  <dgm:styleLbl name="fgAcc3">
+    <dgm:scene3d>
+      <a:camera prst="orthographicFront"/>
+      <a:lightRig rig="threePt" dir="t"/>
+    </dgm:scene3d>
+    <dgm:sp3d/>
+    <dgm:txPr/>
+    <dgm:style>
+      <a:lnRef idx="2">
+        <a:scrgbClr r="0" g="0" b="0"/>
+      </a:lnRef>
+      <a:fillRef idx="1">
+        <a:scrgbClr r="0" g="0" b="0"/>
+      </a:fillRef>
+      <a:effectRef idx="0">
+        <a:scrgbClr r="0" g="0" b="0"/>
+      </a:effectRef>
+      <a:fontRef idx="minor"/>
+    </dgm:style>
+  </dgm:styleLbl>
+  <dgm:styleLbl name="fgAcc4">
+    <dgm:scene3d>
+      <a:camera prst="orthographicFront"/>
+      <a:lightRig rig="threePt" dir="t"/>
+    </dgm:scene3d>
+    <dgm:sp3d/>
+    <dgm:txPr/>
+    <dgm:style>
+      <a:lnRef idx="2">
+        <a:scrgbClr r="0" g="0" b="0"/>
+      </a:lnRef>
+      <a:fillRef idx="1">
+        <a:scrgbClr r="0" g="0" b="0"/>
+      </a:fillRef>
+      <a:effectRef idx="0">
+        <a:scrgbClr r="0" g="0" b="0"/>
+      </a:effectRef>
+      <a:fontRef idx="minor"/>
+    </dgm:style>
+  </dgm:styleLbl>
+  <dgm:styleLbl name="bgShp">
+    <dgm:scene3d>
+      <a:camera prst="orthographicFront"/>
+      <a:lightRig rig="threePt" dir="t"/>
+    </dgm:scene3d>
+    <dgm:sp3d/>
+    <dgm:txPr/>
+    <dgm:style>
+      <a:lnRef idx="0">
+        <a:scrgbClr r="0" g="0" b="0"/>
+      </a:lnRef>
+      <a:fillRef idx="1">
+        <a:scrgbClr r="0" g="0" b="0"/>
+      </a:fillRef>
+      <a:effectRef idx="0">
+        <a:scrgbClr r="0" g="0" b="0"/>
+      </a:effectRef>
+      <a:fontRef idx="minor"/>
+    </dgm:style>
+  </dgm:styleLbl>
+  <dgm:styleLbl name="dkBgShp">
+    <dgm:scene3d>
+      <a:camera prst="orthographicFront"/>
+      <a:lightRig rig="threePt" dir="t"/>
+    </dgm:scene3d>
+    <dgm:sp3d/>
+    <dgm:txPr/>
+    <dgm:style>
+      <a:lnRef idx="0">
+        <a:scrgbClr r="0" g="0" b="0"/>
+      </a:lnRef>
+      <a:fillRef idx="1">
+        <a:scrgbClr r="0" g="0" b="0"/>
+      </a:fillRef>
+      <a:effectRef idx="0">
+        <a:scrgbClr r="0" g="0" b="0"/>
+      </a:effectRef>
+      <a:fontRef idx="minor"/>
+    </dgm:style>
+  </dgm:styleLbl>
+  <dgm:styleLbl name="trBgShp">
+    <dgm:scene3d>
+      <a:camera prst="orthographicFront"/>
+      <a:lightRig rig="threePt" dir="t"/>
+    </dgm:scene3d>
+    <dgm:sp3d/>
+    <dgm:txPr/>
+    <dgm:style>
+      <a:lnRef idx="0">
+        <a:scrgbClr r="0" g="0" b="0"/>
+      </a:lnRef>
+      <a:fillRef idx="1">
+        <a:scrgbClr r="0" g="0" b="0"/>
+      </a:fillRef>
+      <a:effectRef idx="0">
+        <a:scrgbClr r="0" g="0" b="0"/>
+      </a:effectRef>
+      <a:fontRef idx="minor"/>
+    </dgm:style>
+  </dgm:styleLbl>
+  <dgm:styleLbl name="fgShp">
+    <dgm:scene3d>
+      <a:camera prst="orthographicFront"/>
+      <a:lightRig rig="threePt" dir="t"/>
+    </dgm:scene3d>
+    <dgm:sp3d/>
+    <dgm:txPr/>
+    <dgm:style>
+      <a:lnRef idx="2">
+        <a:scrgbClr r="0" g="0" b="0"/>
+      </a:lnRef>
+      <a:fillRef idx="1">
+        <a:scrgbClr r="0" g="0" b="0"/>
+      </a:fillRef>
+      <a:effectRef idx="0">
+        <a:scrgbClr r="0" g="0" b="0"/>
+      </a:effectRef>
+      <a:fontRef idx="minor"/>
+    </dgm:style>
+  </dgm:styleLbl>
+  <dgm:styleLbl name="revTx">
+    <dgm:scene3d>
+      <a:camera prst="orthographicFront"/>
+      <a:lightRig rig="threePt" dir="t"/>
+    </dgm:scene3d>
+    <dgm:sp3d/>
+    <dgm:txPr/>
+    <dgm:style>
+      <a:lnRef idx="0">
+        <a:scrgbClr r="0" g="0" b="0"/>
+      </a:lnRef>
+      <a:fillRef idx="0">
+        <a:scrgbClr r="0" g="0" b="0"/>
+      </a:fillRef>
+      <a:effectRef idx="0">
+        <a:scrgbClr r="0" g="0" b="0"/>
+      </a:effectRef>
+      <a:fontRef idx="minor"/>
+    </dgm:style>
+  </dgm:styleLbl>
+</dgm:styleDef>
 </file>
 
 <file path=ppt/slideLayouts/slideLayout1.xml><?xml version="1.0" encoding="utf-8"?>
@@ -3422,7 +6283,7 @@
           <p:cNvPr id="2" name="Title 1">
             <a:extLst>
               <a:ext uri="{FF2B5EF4-FFF2-40B4-BE49-F238E27FC236}">
-                <a16:creationId xmlns:a16="http://schemas.microsoft.com/office/drawing/2014/main" id="{513F86F8-B29A-4306-AE74-2AF4C614957E}"/>
+                <a16:creationId xmlns:a16="http://schemas.microsoft.com/office/drawing/2014/main" id="{D6E51CB4-C86B-4169-9D6A-18597B8B5779}"/>
               </a:ext>
             </a:extLst>
           </p:cNvPr>
@@ -3440,63 +6301,205 @@
           <a:p>
             <a:r>
               <a:rPr lang="en-US" dirty="0"/>
-              <a:t>Prediction</a:t>
-            </a:r>
-          </a:p>
-        </p:txBody>
-      </p:sp>
-      <p:sp>
-        <p:nvSpPr>
-          <p:cNvPr id="3" name="Content Placeholder 2">
-            <a:extLst>
-              <a:ext uri="{FF2B5EF4-FFF2-40B4-BE49-F238E27FC236}">
-                <a16:creationId xmlns:a16="http://schemas.microsoft.com/office/drawing/2014/main" id="{0EA42D56-68A7-4E8E-95A0-1E772C4702AE}"/>
-              </a:ext>
-            </a:extLst>
-          </p:cNvPr>
-          <p:cNvSpPr>
-            <a:spLocks noGrp="1"/>
-          </p:cNvSpPr>
+              <a:t>Classifier</a:t>
+            </a:r>
+          </a:p>
+        </p:txBody>
+      </p:sp>
+      <p:pic>
+        <p:nvPicPr>
+          <p:cNvPr id="6" name="Content Placeholder 5">
+            <a:extLst>
+              <a:ext uri="{FF2B5EF4-FFF2-40B4-BE49-F238E27FC236}">
+                <a16:creationId xmlns:a16="http://schemas.microsoft.com/office/drawing/2014/main" id="{CD5BAC7D-42DE-44F4-9CA3-58DACD3C4EEF}"/>
+              </a:ext>
+            </a:extLst>
+          </p:cNvPr>
+          <p:cNvPicPr>
+            <a:picLocks noGrp="1" noChangeAspect="1"/>
+          </p:cNvPicPr>
           <p:nvPr>
             <p:ph idx="1"/>
           </p:nvPr>
-        </p:nvSpPr>
-        <p:spPr/>
-        <p:txBody>
-          <a:bodyPr/>
+        </p:nvPicPr>
+        <p:blipFill>
+          <a:blip r:embed="rId2"/>
+          <a:stretch>
+            <a:fillRect/>
+          </a:stretch>
+        </p:blipFill>
+        <p:spPr>
+          <a:xfrm>
+            <a:off x="1668079" y="4404171"/>
+            <a:ext cx="4429125" cy="1104900"/>
+          </a:xfrm>
+          <a:prstGeom prst="rect">
+            <a:avLst/>
+          </a:prstGeom>
+        </p:spPr>
+      </p:pic>
+      <p:pic>
+        <p:nvPicPr>
+          <p:cNvPr id="4" name="Picture 3">
+            <a:extLst>
+              <a:ext uri="{FF2B5EF4-FFF2-40B4-BE49-F238E27FC236}">
+                <a16:creationId xmlns:a16="http://schemas.microsoft.com/office/drawing/2014/main" id="{78D85DE9-2C06-44D8-ADF7-EFDAC94C059B}"/>
+              </a:ext>
+            </a:extLst>
+          </p:cNvPr>
+          <p:cNvPicPr>
+            <a:picLocks noChangeAspect="1"/>
+          </p:cNvPicPr>
+          <p:nvPr/>
+        </p:nvPicPr>
+        <p:blipFill>
+          <a:blip r:embed="rId3"/>
+          <a:stretch>
+            <a:fillRect/>
+          </a:stretch>
+        </p:blipFill>
+        <p:spPr>
+          <a:xfrm>
+            <a:off x="1668079" y="1825625"/>
+            <a:ext cx="4695825" cy="1457325"/>
+          </a:xfrm>
+          <a:prstGeom prst="rect">
+            <a:avLst/>
+          </a:prstGeom>
+        </p:spPr>
+      </p:pic>
+      <p:sp>
+        <p:nvSpPr>
+          <p:cNvPr id="5" name="TextBox 4">
+            <a:extLst>
+              <a:ext uri="{FF2B5EF4-FFF2-40B4-BE49-F238E27FC236}">
+                <a16:creationId xmlns:a16="http://schemas.microsoft.com/office/drawing/2014/main" id="{E7913493-1025-4634-9446-99B781A57916}"/>
+              </a:ext>
+            </a:extLst>
+          </p:cNvPr>
+          <p:cNvSpPr txBox="1"/>
+          <p:nvPr/>
+        </p:nvSpPr>
+        <p:spPr>
+          <a:xfrm>
+            <a:off x="6601767" y="2283488"/>
+            <a:ext cx="2470613" cy="369332"/>
+          </a:xfrm>
+          <a:prstGeom prst="rect">
+            <a:avLst/>
+          </a:prstGeom>
+          <a:noFill/>
+        </p:spPr>
+        <p:txBody>
+          <a:bodyPr wrap="none" rtlCol="0">
+            <a:spAutoFit/>
+          </a:bodyPr>
           <a:lstStyle/>
           <a:p>
             <a:r>
               <a:rPr lang="en-US" dirty="0"/>
-              <a:t>Using 8:2 test split, both labelled and </a:t>
+              <a:t>Already Trained Encoder</a:t>
+            </a:r>
+          </a:p>
+        </p:txBody>
+      </p:sp>
+      <p:sp>
+        <p:nvSpPr>
+          <p:cNvPr id="7" name="Cross 6">
+            <a:extLst>
+              <a:ext uri="{FF2B5EF4-FFF2-40B4-BE49-F238E27FC236}">
+                <a16:creationId xmlns:a16="http://schemas.microsoft.com/office/drawing/2014/main" id="{46D001F2-4A15-4D0D-B936-B4B6EF92D652}"/>
+              </a:ext>
+            </a:extLst>
+          </p:cNvPr>
+          <p:cNvSpPr/>
+          <p:nvPr/>
+        </p:nvSpPr>
+        <p:spPr>
+          <a:xfrm>
+            <a:off x="3558791" y="3210148"/>
+            <a:ext cx="914400" cy="914400"/>
+          </a:xfrm>
+          <a:prstGeom prst="plus">
+            <a:avLst/>
+          </a:prstGeom>
+        </p:spPr>
+        <p:style>
+          <a:lnRef idx="2">
+            <a:schemeClr val="accent1">
+              <a:shade val="50000"/>
+            </a:schemeClr>
+          </a:lnRef>
+          <a:fillRef idx="1">
+            <a:schemeClr val="accent1"/>
+          </a:fillRef>
+          <a:effectRef idx="0">
+            <a:schemeClr val="accent1"/>
+          </a:effectRef>
+          <a:fontRef idx="minor">
+            <a:schemeClr val="lt1"/>
+          </a:fontRef>
+        </p:style>
+        <p:txBody>
+          <a:bodyPr rtlCol="0" anchor="ctr"/>
+          <a:lstStyle/>
+          <a:p>
+            <a:pPr algn="ctr"/>
+            <a:endParaRPr lang="en-US"/>
+          </a:p>
+        </p:txBody>
+      </p:sp>
+      <p:sp>
+        <p:nvSpPr>
+          <p:cNvPr id="8" name="TextBox 7">
+            <a:extLst>
+              <a:ext uri="{FF2B5EF4-FFF2-40B4-BE49-F238E27FC236}">
+                <a16:creationId xmlns:a16="http://schemas.microsoft.com/office/drawing/2014/main" id="{B7B00C3D-F518-4667-9D3B-14C44E062B94}"/>
+              </a:ext>
+            </a:extLst>
+          </p:cNvPr>
+          <p:cNvSpPr txBox="1"/>
+          <p:nvPr/>
+        </p:nvSpPr>
+        <p:spPr>
+          <a:xfrm>
+            <a:off x="6601767" y="4463444"/>
+            <a:ext cx="4866332" cy="923330"/>
+          </a:xfrm>
+          <a:prstGeom prst="rect">
+            <a:avLst/>
+          </a:prstGeom>
+          <a:noFill/>
+        </p:spPr>
+        <p:txBody>
+          <a:bodyPr wrap="none" rtlCol="0">
+            <a:spAutoFit/>
+          </a:bodyPr>
+          <a:lstStyle/>
+          <a:p>
+            <a:r>
+              <a:rPr lang="en-US" dirty="0"/>
+              <a:t>Untrained Classifier based on encoded input.</a:t>
+            </a:r>
+          </a:p>
+          <a:p>
+            <a:r>
+              <a:rPr lang="en-US" dirty="0"/>
+              <a:t>8 classes at the output.</a:t>
+            </a:r>
+          </a:p>
+          <a:p>
+            <a:r>
+              <a:rPr lang="en-US" dirty="0"/>
+              <a:t>8 neurons with </a:t>
             </a:r>
             <a:r>
               <a:rPr lang="en-US" dirty="0" err="1"/>
-              <a:t>unlabelled</a:t>
+              <a:t>softmax</a:t>
             </a:r>
             <a:r>
               <a:rPr lang="en-US" dirty="0"/>
-              <a:t> data are split.</a:t>
-            </a:r>
-          </a:p>
-          <a:p>
-            <a:r>
-              <a:rPr lang="en-US" dirty="0"/>
-              <a:t>Train labelled data used for training the autoencoder then train label data used to train classifier.</a:t>
-            </a:r>
-          </a:p>
-          <a:p>
-            <a:r>
-              <a:rPr lang="en-US" dirty="0"/>
-              <a:t>The classifier will then make classification on </a:t>
-            </a:r>
-            <a:r>
-              <a:rPr lang="en-US" dirty="0" err="1"/>
-              <a:t>unlabelled</a:t>
-            </a:r>
-            <a:r>
-              <a:rPr lang="en-US" dirty="0"/>
-              <a:t> data.</a:t>
+              <a:t> activation at the last layer.</a:t>
             </a:r>
           </a:p>
         </p:txBody>
@@ -3504,7 +6507,7 @@
     </p:spTree>
     <p:extLst>
       <p:ext uri="{BB962C8B-B14F-4D97-AF65-F5344CB8AC3E}">
-        <p14:creationId xmlns:p14="http://schemas.microsoft.com/office/powerpoint/2010/main" val="2829784173"/>
+        <p14:creationId xmlns:p14="http://schemas.microsoft.com/office/powerpoint/2010/main" val="775858734"/>
       </p:ext>
     </p:extLst>
   </p:cSld>
@@ -3536,7 +6539,7 @@
           <p:cNvPr id="2" name="Title 1">
             <a:extLst>
               <a:ext uri="{FF2B5EF4-FFF2-40B4-BE49-F238E27FC236}">
-                <a16:creationId xmlns:a16="http://schemas.microsoft.com/office/drawing/2014/main" id="{4D10142B-7F8C-4295-914C-AC2A5221DB1A}"/>
+                <a16:creationId xmlns:a16="http://schemas.microsoft.com/office/drawing/2014/main" id="{75707019-F9FF-48FA-B7EF-B55C3AA9E961}"/>
               </a:ext>
             </a:extLst>
           </p:cNvPr>
@@ -3554,15 +6557,7 @@
           <a:p>
             <a:r>
               <a:rPr lang="en-US" dirty="0"/>
-              <a:t>Result – </a:t>
-            </a:r>
-            <a:r>
-              <a:rPr lang="en-US" dirty="0" err="1"/>
-              <a:t>Autodecoder</a:t>
-            </a:r>
-            <a:r>
-              <a:rPr lang="en-US" dirty="0"/>
-              <a:t> Training</a:t>
+              <a:t>Classifier</a:t>
             </a:r>
           </a:p>
         </p:txBody>
@@ -3572,7 +6567,7 @@
           <p:cNvPr id="3" name="Content Placeholder 2">
             <a:extLst>
               <a:ext uri="{FF2B5EF4-FFF2-40B4-BE49-F238E27FC236}">
-                <a16:creationId xmlns:a16="http://schemas.microsoft.com/office/drawing/2014/main" id="{7A81B259-917D-43C9-A537-8D4058A8742C}"/>
+                <a16:creationId xmlns:a16="http://schemas.microsoft.com/office/drawing/2014/main" id="{D69C1AB2-5C5F-4106-B8F2-0AFCEF355B5D}"/>
               </a:ext>
             </a:extLst>
           </p:cNvPr>
@@ -3589,30 +6584,41 @@
           <a:lstStyle/>
           <a:p>
             <a:r>
+              <a:rPr lang="en-US" dirty="0"/>
+              <a:t>After training of autoencoder, the encoder is trained, so training of these layer must be disabled.</a:t>
+            </a:r>
+          </a:p>
+          <a:p>
+            <a:endParaRPr lang="en-US" dirty="0"/>
+          </a:p>
+          <a:p>
+            <a:r>
+              <a:rPr lang="en-US" dirty="0"/>
+              <a:t>The dense layer will instead be trained by fitting input to input image and output to the user defined class.</a:t>
+            </a:r>
+          </a:p>
+          <a:p>
+            <a:r>
+              <a:rPr lang="en-US" dirty="0"/>
+              <a:t>Categorical </a:t>
+            </a:r>
+            <a:r>
               <a:rPr lang="en-US" dirty="0" err="1"/>
-              <a:t>Autodecoder</a:t>
+              <a:t>crossentropy</a:t>
             </a:r>
             <a:r>
               <a:rPr lang="en-US" dirty="0"/>
-              <a:t> is lossy but it is still acceptable as it is used for </a:t>
-            </a:r>
-            <a:r>
-              <a:rPr lang="en-US" dirty="0" err="1"/>
-              <a:t>classificvation</a:t>
-            </a:r>
-            <a:r>
-              <a:rPr lang="en-US" dirty="0"/>
-              <a:t> purpose. 8286% accuracy.</a:t>
+              <a:t> is used for fitting as it is now in categorical values. Adam optimizer is used here.</a:t>
             </a:r>
           </a:p>
         </p:txBody>
       </p:sp>
       <p:pic>
         <p:nvPicPr>
-          <p:cNvPr id="5" name="Picture 4">
-            <a:extLst>
-              <a:ext uri="{FF2B5EF4-FFF2-40B4-BE49-F238E27FC236}">
-                <a16:creationId xmlns:a16="http://schemas.microsoft.com/office/drawing/2014/main" id="{5DC068F5-A5CE-43FC-8A9C-A927369E1768}"/>
+          <p:cNvPr id="4" name="Picture 3">
+            <a:extLst>
+              <a:ext uri="{FF2B5EF4-FFF2-40B4-BE49-F238E27FC236}">
+                <a16:creationId xmlns:a16="http://schemas.microsoft.com/office/drawing/2014/main" id="{FC28E53D-6D15-4D85-AA07-835188588276}"/>
               </a:ext>
             </a:extLst>
           </p:cNvPr>
@@ -3629,8 +6635,38 @@
         </p:blipFill>
         <p:spPr>
           <a:xfrm>
-            <a:off x="1745488" y="3064440"/>
-            <a:ext cx="8124825" cy="2933700"/>
+            <a:off x="4056813" y="5175686"/>
+            <a:ext cx="3314700" cy="485775"/>
+          </a:xfrm>
+          <a:prstGeom prst="rect">
+            <a:avLst/>
+          </a:prstGeom>
+        </p:spPr>
+      </p:pic>
+      <p:pic>
+        <p:nvPicPr>
+          <p:cNvPr id="5" name="Picture 4">
+            <a:extLst>
+              <a:ext uri="{FF2B5EF4-FFF2-40B4-BE49-F238E27FC236}">
+                <a16:creationId xmlns:a16="http://schemas.microsoft.com/office/drawing/2014/main" id="{1275C12F-63CD-4128-A065-79DE92521BAA}"/>
+              </a:ext>
+            </a:extLst>
+          </p:cNvPr>
+          <p:cNvPicPr>
+            <a:picLocks noChangeAspect="1"/>
+          </p:cNvPicPr>
+          <p:nvPr/>
+        </p:nvPicPr>
+        <p:blipFill>
+          <a:blip r:embed="rId3"/>
+          <a:stretch>
+            <a:fillRect/>
+          </a:stretch>
+        </p:blipFill>
+        <p:spPr>
+          <a:xfrm>
+            <a:off x="3837738" y="2613365"/>
+            <a:ext cx="3752850" cy="676275"/>
           </a:xfrm>
           <a:prstGeom prst="rect">
             <a:avLst/>
@@ -3640,7 +6676,7 @@
     </p:spTree>
     <p:extLst>
       <p:ext uri="{BB962C8B-B14F-4D97-AF65-F5344CB8AC3E}">
-        <p14:creationId xmlns:p14="http://schemas.microsoft.com/office/powerpoint/2010/main" val="3320514331"/>
+        <p14:creationId xmlns:p14="http://schemas.microsoft.com/office/powerpoint/2010/main" val="4104387835"/>
       </p:ext>
     </p:extLst>
   </p:cSld>
@@ -3672,7 +6708,7 @@
           <p:cNvPr id="2" name="Title 1">
             <a:extLst>
               <a:ext uri="{FF2B5EF4-FFF2-40B4-BE49-F238E27FC236}">
-                <a16:creationId xmlns:a16="http://schemas.microsoft.com/office/drawing/2014/main" id="{4D10142B-7F8C-4295-914C-AC2A5221DB1A}"/>
+                <a16:creationId xmlns:a16="http://schemas.microsoft.com/office/drawing/2014/main" id="{25C6A27E-2C3D-4832-A6DF-B7EB88E03E2E}"/>
               </a:ext>
             </a:extLst>
           </p:cNvPr>
@@ -3690,15 +6726,7 @@
           <a:p>
             <a:r>
               <a:rPr lang="en-US" dirty="0"/>
-              <a:t>Result – </a:t>
-            </a:r>
-            <a:r>
-              <a:rPr lang="en-US" dirty="0" err="1"/>
-              <a:t>Autodecoder</a:t>
-            </a:r>
-            <a:r>
-              <a:rPr lang="en-US" dirty="0"/>
-              <a:t> Training</a:t>
+              <a:t>Classifier</a:t>
             </a:r>
           </a:p>
         </p:txBody>
@@ -3708,7 +6736,7 @@
           <p:cNvPr id="3" name="Content Placeholder 2">
             <a:extLst>
               <a:ext uri="{FF2B5EF4-FFF2-40B4-BE49-F238E27FC236}">
-                <a16:creationId xmlns:a16="http://schemas.microsoft.com/office/drawing/2014/main" id="{7A81B259-917D-43C9-A537-8D4058A8742C}"/>
+                <a16:creationId xmlns:a16="http://schemas.microsoft.com/office/drawing/2014/main" id="{020C2242-061B-46EE-833B-5EE0F03E1D4C}"/>
               </a:ext>
             </a:extLst>
           </p:cNvPr>
@@ -3726,7 +6754,7 @@
           <a:p>
             <a:r>
               <a:rPr lang="en-US" dirty="0"/>
-              <a:t>Reconstructed image sharpen the wafer map</a:t>
+              <a:t>Complete classifier</a:t>
             </a:r>
           </a:p>
         </p:txBody>
@@ -3736,7 +6764,7 @@
           <p:cNvPr id="4" name="Picture 3">
             <a:extLst>
               <a:ext uri="{FF2B5EF4-FFF2-40B4-BE49-F238E27FC236}">
-                <a16:creationId xmlns:a16="http://schemas.microsoft.com/office/drawing/2014/main" id="{F6CA8B9C-32B1-4885-9E66-D124BC172AD1}"/>
+                <a16:creationId xmlns:a16="http://schemas.microsoft.com/office/drawing/2014/main" id="{246F29B9-ED60-4404-9632-2166D62B088F}"/>
               </a:ext>
             </a:extLst>
           </p:cNvPr>
@@ -3753,8 +6781,648 @@
         </p:blipFill>
         <p:spPr>
           <a:xfrm>
-            <a:off x="8508825" y="904027"/>
+            <a:off x="3219816" y="2503086"/>
+            <a:ext cx="4486275" cy="3238500"/>
+          </a:xfrm>
+          <a:prstGeom prst="rect">
+            <a:avLst/>
+          </a:prstGeom>
+        </p:spPr>
+      </p:pic>
+    </p:spTree>
+    <p:extLst>
+      <p:ext uri="{BB962C8B-B14F-4D97-AF65-F5344CB8AC3E}">
+        <p14:creationId xmlns:p14="http://schemas.microsoft.com/office/powerpoint/2010/main" val="2439060157"/>
+      </p:ext>
+    </p:extLst>
+  </p:cSld>
+  <p:clrMapOvr>
+    <a:masterClrMapping/>
+  </p:clrMapOvr>
+</p:sld>
+</file>
+
+<file path=ppt/slides/slide13.xml><?xml version="1.0" encoding="utf-8"?>
+<p:sld xmlns:a="http://schemas.openxmlformats.org/drawingml/2006/main" xmlns:r="http://schemas.openxmlformats.org/officeDocument/2006/relationships" xmlns:p="http://schemas.openxmlformats.org/presentationml/2006/main">
+  <p:cSld>
+    <p:spTree>
+      <p:nvGrpSpPr>
+        <p:cNvPr id="1" name=""/>
+        <p:cNvGrpSpPr/>
+        <p:nvPr/>
+      </p:nvGrpSpPr>
+      <p:grpSpPr>
+        <a:xfrm>
+          <a:off x="0" y="0"/>
+          <a:ext cx="0" cy="0"/>
+          <a:chOff x="0" y="0"/>
+          <a:chExt cx="0" cy="0"/>
+        </a:xfrm>
+      </p:grpSpPr>
+      <p:sp>
+        <p:nvSpPr>
+          <p:cNvPr id="2" name="Title 1">
+            <a:extLst>
+              <a:ext uri="{FF2B5EF4-FFF2-40B4-BE49-F238E27FC236}">
+                <a16:creationId xmlns:a16="http://schemas.microsoft.com/office/drawing/2014/main" id="{34ACB163-5143-4D6E-89C6-03ADEC12690C}"/>
+              </a:ext>
+            </a:extLst>
+          </p:cNvPr>
+          <p:cNvSpPr>
+            <a:spLocks noGrp="1"/>
+          </p:cNvSpPr>
+          <p:nvPr>
+            <p:ph type="title"/>
+          </p:nvPr>
+        </p:nvSpPr>
+        <p:spPr/>
+        <p:txBody>
+          <a:bodyPr/>
+          <a:lstStyle/>
+          <a:p>
+            <a:r>
+              <a:rPr lang="en-US" dirty="0"/>
+              <a:t>Training and Prediction Sequence</a:t>
+            </a:r>
+          </a:p>
+        </p:txBody>
+      </p:sp>
+      <p:graphicFrame>
+        <p:nvGraphicFramePr>
+          <p:cNvPr id="4" name="Content Placeholder 3">
+            <a:extLst>
+              <a:ext uri="{FF2B5EF4-FFF2-40B4-BE49-F238E27FC236}">
+                <a16:creationId xmlns:a16="http://schemas.microsoft.com/office/drawing/2014/main" id="{E2FC3C7F-638E-471C-8A46-EFDEE00B3CE4}"/>
+              </a:ext>
+            </a:extLst>
+          </p:cNvPr>
+          <p:cNvGraphicFramePr>
+            <a:graphicFrameLocks noGrp="1"/>
+          </p:cNvGraphicFramePr>
+          <p:nvPr>
+            <p:ph idx="1"/>
+            <p:extLst>
+              <p:ext uri="{D42A27DB-BD31-4B8C-83A1-F6EECF244321}">
+                <p14:modId xmlns:p14="http://schemas.microsoft.com/office/powerpoint/2010/main" val="3674787832"/>
+              </p:ext>
+            </p:extLst>
+          </p:nvPr>
+        </p:nvGraphicFramePr>
+        <p:xfrm>
+          <a:off x="838200" y="1825625"/>
+          <a:ext cx="10515600" cy="4351338"/>
+        </p:xfrm>
+        <a:graphic>
+          <a:graphicData uri="http://schemas.openxmlformats.org/drawingml/2006/diagram">
+            <dgm:relIds xmlns:dgm="http://schemas.openxmlformats.org/drawingml/2006/diagram" xmlns:r="http://schemas.openxmlformats.org/officeDocument/2006/relationships" r:dm="rId2" r:lo="rId3" r:qs="rId4" r:cs="rId5"/>
+          </a:graphicData>
+        </a:graphic>
+      </p:graphicFrame>
+    </p:spTree>
+    <p:extLst>
+      <p:ext uri="{BB962C8B-B14F-4D97-AF65-F5344CB8AC3E}">
+        <p14:creationId xmlns:p14="http://schemas.microsoft.com/office/powerpoint/2010/main" val="2239425208"/>
+      </p:ext>
+    </p:extLst>
+  </p:cSld>
+  <p:clrMapOvr>
+    <a:masterClrMapping/>
+  </p:clrMapOvr>
+</p:sld>
+</file>
+
+<file path=ppt/slides/slide14.xml><?xml version="1.0" encoding="utf-8"?>
+<p:sld xmlns:a="http://schemas.openxmlformats.org/drawingml/2006/main" xmlns:r="http://schemas.openxmlformats.org/officeDocument/2006/relationships" xmlns:p="http://schemas.openxmlformats.org/presentationml/2006/main">
+  <p:cSld>
+    <p:spTree>
+      <p:nvGrpSpPr>
+        <p:cNvPr id="1" name=""/>
+        <p:cNvGrpSpPr/>
+        <p:nvPr/>
+      </p:nvGrpSpPr>
+      <p:grpSpPr>
+        <a:xfrm>
+          <a:off x="0" y="0"/>
+          <a:ext cx="0" cy="0"/>
+          <a:chOff x="0" y="0"/>
+          <a:chExt cx="0" cy="0"/>
+        </a:xfrm>
+      </p:grpSpPr>
+      <p:sp>
+        <p:nvSpPr>
+          <p:cNvPr id="2" name="Title 1">
+            <a:extLst>
+              <a:ext uri="{FF2B5EF4-FFF2-40B4-BE49-F238E27FC236}">
+                <a16:creationId xmlns:a16="http://schemas.microsoft.com/office/drawing/2014/main" id="{2FF0CCE8-4EA9-4DBE-9919-0321084AA49B}"/>
+              </a:ext>
+            </a:extLst>
+          </p:cNvPr>
+          <p:cNvSpPr>
+            <a:spLocks noGrp="1"/>
+          </p:cNvSpPr>
+          <p:nvPr>
+            <p:ph type="title"/>
+          </p:nvPr>
+        </p:nvSpPr>
+        <p:spPr/>
+        <p:txBody>
+          <a:bodyPr/>
+          <a:lstStyle/>
+          <a:p>
+            <a:r>
+              <a:rPr lang="en-US" dirty="0"/>
+              <a:t>Training Procedure</a:t>
+            </a:r>
+          </a:p>
+        </p:txBody>
+      </p:sp>
+      <p:sp>
+        <p:nvSpPr>
+          <p:cNvPr id="3" name="Content Placeholder 2">
+            <a:extLst>
+              <a:ext uri="{FF2B5EF4-FFF2-40B4-BE49-F238E27FC236}">
+                <a16:creationId xmlns:a16="http://schemas.microsoft.com/office/drawing/2014/main" id="{2BB32BC4-7B14-4924-BD4E-F7F8E9CB8391}"/>
+              </a:ext>
+            </a:extLst>
+          </p:cNvPr>
+          <p:cNvSpPr>
+            <a:spLocks noGrp="1"/>
+          </p:cNvSpPr>
+          <p:nvPr>
+            <p:ph idx="1"/>
+          </p:nvPr>
+        </p:nvSpPr>
+        <p:spPr/>
+        <p:txBody>
+          <a:bodyPr/>
+          <a:lstStyle/>
+          <a:p>
+            <a:r>
+              <a:rPr lang="en-US" dirty="0"/>
+              <a:t>At first, autoencoder is trained using unlabeled data. This is because </a:t>
+            </a:r>
+            <a:r>
+              <a:rPr lang="en-US" dirty="0" err="1"/>
+              <a:t>autodecoder</a:t>
+            </a:r>
+            <a:r>
+              <a:rPr lang="en-US" dirty="0"/>
+              <a:t> is using unsupervised learning.</a:t>
+            </a:r>
+          </a:p>
+          <a:p>
+            <a:r>
+              <a:rPr lang="en-US" dirty="0"/>
+              <a:t>Then, the classifier will be trained using technician label data since the classifier will need information of final classification of known extracted features.</a:t>
+            </a:r>
+          </a:p>
+          <a:p>
+            <a:r>
+              <a:rPr lang="en-US" dirty="0"/>
+              <a:t>This will be two different set of data.</a:t>
+            </a:r>
+          </a:p>
+        </p:txBody>
+      </p:sp>
+    </p:spTree>
+    <p:extLst>
+      <p:ext uri="{BB962C8B-B14F-4D97-AF65-F5344CB8AC3E}">
+        <p14:creationId xmlns:p14="http://schemas.microsoft.com/office/powerpoint/2010/main" val="2550053977"/>
+      </p:ext>
+    </p:extLst>
+  </p:cSld>
+  <p:clrMapOvr>
+    <a:masterClrMapping/>
+  </p:clrMapOvr>
+</p:sld>
+</file>
+
+<file path=ppt/slides/slide15.xml><?xml version="1.0" encoding="utf-8"?>
+<p:sld xmlns:a="http://schemas.openxmlformats.org/drawingml/2006/main" xmlns:r="http://schemas.openxmlformats.org/officeDocument/2006/relationships" xmlns:p="http://schemas.openxmlformats.org/presentationml/2006/main">
+  <p:cSld>
+    <p:spTree>
+      <p:nvGrpSpPr>
+        <p:cNvPr id="1" name=""/>
+        <p:cNvGrpSpPr/>
+        <p:nvPr/>
+      </p:nvGrpSpPr>
+      <p:grpSpPr>
+        <a:xfrm>
+          <a:off x="0" y="0"/>
+          <a:ext cx="0" cy="0"/>
+          <a:chOff x="0" y="0"/>
+          <a:chExt cx="0" cy="0"/>
+        </a:xfrm>
+      </p:grpSpPr>
+      <p:sp>
+        <p:nvSpPr>
+          <p:cNvPr id="2" name="Title 1">
+            <a:extLst>
+              <a:ext uri="{FF2B5EF4-FFF2-40B4-BE49-F238E27FC236}">
+                <a16:creationId xmlns:a16="http://schemas.microsoft.com/office/drawing/2014/main" id="{513F86F8-B29A-4306-AE74-2AF4C614957E}"/>
+              </a:ext>
+            </a:extLst>
+          </p:cNvPr>
+          <p:cNvSpPr>
+            <a:spLocks noGrp="1"/>
+          </p:cNvSpPr>
+          <p:nvPr>
+            <p:ph type="title"/>
+          </p:nvPr>
+        </p:nvSpPr>
+        <p:spPr/>
+        <p:txBody>
+          <a:bodyPr/>
+          <a:lstStyle/>
+          <a:p>
+            <a:r>
+              <a:rPr lang="en-US" dirty="0"/>
+              <a:t>Prediction</a:t>
+            </a:r>
+          </a:p>
+        </p:txBody>
+      </p:sp>
+      <p:sp>
+        <p:nvSpPr>
+          <p:cNvPr id="3" name="Content Placeholder 2">
+            <a:extLst>
+              <a:ext uri="{FF2B5EF4-FFF2-40B4-BE49-F238E27FC236}">
+                <a16:creationId xmlns:a16="http://schemas.microsoft.com/office/drawing/2014/main" id="{0EA42D56-68A7-4E8E-95A0-1E772C4702AE}"/>
+              </a:ext>
+            </a:extLst>
+          </p:cNvPr>
+          <p:cNvSpPr>
+            <a:spLocks noGrp="1"/>
+          </p:cNvSpPr>
+          <p:nvPr>
+            <p:ph idx="1"/>
+          </p:nvPr>
+        </p:nvSpPr>
+        <p:spPr/>
+        <p:txBody>
+          <a:bodyPr/>
+          <a:lstStyle/>
+          <a:p>
+            <a:r>
+              <a:rPr lang="en-US" dirty="0"/>
+              <a:t>Using 8:2 test split, both labelled and unlabeled data are split.</a:t>
+            </a:r>
+          </a:p>
+          <a:p>
+            <a:r>
+              <a:rPr lang="en-US" dirty="0"/>
+              <a:t>Train labelled data used for training the autoencoder then train label data used to train classifier.</a:t>
+            </a:r>
+          </a:p>
+          <a:p>
+            <a:r>
+              <a:rPr lang="en-US" dirty="0"/>
+              <a:t>The classifier will then make classification on unlabeled data.</a:t>
+            </a:r>
+          </a:p>
+        </p:txBody>
+      </p:sp>
+    </p:spTree>
+    <p:extLst>
+      <p:ext uri="{BB962C8B-B14F-4D97-AF65-F5344CB8AC3E}">
+        <p14:creationId xmlns:p14="http://schemas.microsoft.com/office/powerpoint/2010/main" val="2829784173"/>
+      </p:ext>
+    </p:extLst>
+  </p:cSld>
+  <p:clrMapOvr>
+    <a:masterClrMapping/>
+  </p:clrMapOvr>
+</p:sld>
+</file>
+
+<file path=ppt/slides/slide16.xml><?xml version="1.0" encoding="utf-8"?>
+<p:sld xmlns:a="http://schemas.openxmlformats.org/drawingml/2006/main" xmlns:r="http://schemas.openxmlformats.org/officeDocument/2006/relationships" xmlns:p="http://schemas.openxmlformats.org/presentationml/2006/main">
+  <p:cSld>
+    <p:spTree>
+      <p:nvGrpSpPr>
+        <p:cNvPr id="1" name=""/>
+        <p:cNvGrpSpPr/>
+        <p:nvPr/>
+      </p:nvGrpSpPr>
+      <p:grpSpPr>
+        <a:xfrm>
+          <a:off x="0" y="0"/>
+          <a:ext cx="0" cy="0"/>
+          <a:chOff x="0" y="0"/>
+          <a:chExt cx="0" cy="0"/>
+        </a:xfrm>
+      </p:grpSpPr>
+      <p:sp>
+        <p:nvSpPr>
+          <p:cNvPr id="2" name="Title 1">
+            <a:extLst>
+              <a:ext uri="{FF2B5EF4-FFF2-40B4-BE49-F238E27FC236}">
+                <a16:creationId xmlns:a16="http://schemas.microsoft.com/office/drawing/2014/main" id="{4D10142B-7F8C-4295-914C-AC2A5221DB1A}"/>
+              </a:ext>
+            </a:extLst>
+          </p:cNvPr>
+          <p:cNvSpPr>
+            <a:spLocks noGrp="1"/>
+          </p:cNvSpPr>
+          <p:nvPr>
+            <p:ph type="title"/>
+          </p:nvPr>
+        </p:nvSpPr>
+        <p:spPr/>
+        <p:txBody>
+          <a:bodyPr/>
+          <a:lstStyle/>
+          <a:p>
+            <a:r>
+              <a:rPr lang="en-US" dirty="0"/>
+              <a:t>Result – </a:t>
+            </a:r>
+            <a:r>
+              <a:rPr lang="en-US" dirty="0" err="1"/>
+              <a:t>Autodecoder</a:t>
+            </a:r>
+            <a:r>
+              <a:rPr lang="en-US" dirty="0"/>
+              <a:t> Training</a:t>
+            </a:r>
+          </a:p>
+        </p:txBody>
+      </p:sp>
+      <p:sp>
+        <p:nvSpPr>
+          <p:cNvPr id="3" name="Content Placeholder 2">
+            <a:extLst>
+              <a:ext uri="{FF2B5EF4-FFF2-40B4-BE49-F238E27FC236}">
+                <a16:creationId xmlns:a16="http://schemas.microsoft.com/office/drawing/2014/main" id="{7A81B259-917D-43C9-A537-8D4058A8742C}"/>
+              </a:ext>
+            </a:extLst>
+          </p:cNvPr>
+          <p:cNvSpPr>
+            <a:spLocks noGrp="1"/>
+          </p:cNvSpPr>
+          <p:nvPr>
+            <p:ph idx="1"/>
+          </p:nvPr>
+        </p:nvSpPr>
+        <p:spPr/>
+        <p:txBody>
+          <a:bodyPr/>
+          <a:lstStyle/>
+          <a:p>
+            <a:r>
+              <a:rPr lang="en-US" dirty="0" err="1"/>
+              <a:t>Autodecoder</a:t>
+            </a:r>
+            <a:r>
+              <a:rPr lang="en-US" dirty="0"/>
+              <a:t> is lossy but it is still acceptable as it is used for classification purpose. Accuracy reaching 82.86% while value loss is around 0.003. However, as most of the important features are actually sharpen, it helps the classification later.</a:t>
+            </a:r>
+          </a:p>
+        </p:txBody>
+      </p:sp>
+      <p:pic>
+        <p:nvPicPr>
+          <p:cNvPr id="5" name="Picture 4">
+            <a:extLst>
+              <a:ext uri="{FF2B5EF4-FFF2-40B4-BE49-F238E27FC236}">
+                <a16:creationId xmlns:a16="http://schemas.microsoft.com/office/drawing/2014/main" id="{5DC068F5-A5CE-43FC-8A9C-A927369E1768}"/>
+              </a:ext>
+            </a:extLst>
+          </p:cNvPr>
+          <p:cNvPicPr>
+            <a:picLocks noChangeAspect="1"/>
+          </p:cNvPicPr>
+          <p:nvPr/>
+        </p:nvPicPr>
+        <p:blipFill>
+          <a:blip r:embed="rId2"/>
+          <a:stretch>
+            <a:fillRect/>
+          </a:stretch>
+        </p:blipFill>
+        <p:spPr>
+          <a:xfrm>
+            <a:off x="1725392" y="3559175"/>
+            <a:ext cx="8124825" cy="2933700"/>
+          </a:xfrm>
+          <a:prstGeom prst="rect">
+            <a:avLst/>
+          </a:prstGeom>
+        </p:spPr>
+      </p:pic>
+    </p:spTree>
+    <p:extLst>
+      <p:ext uri="{BB962C8B-B14F-4D97-AF65-F5344CB8AC3E}">
+        <p14:creationId xmlns:p14="http://schemas.microsoft.com/office/powerpoint/2010/main" val="3320514331"/>
+      </p:ext>
+    </p:extLst>
+  </p:cSld>
+  <p:clrMapOvr>
+    <a:masterClrMapping/>
+  </p:clrMapOvr>
+</p:sld>
+</file>
+
+<file path=ppt/slides/slide17.xml><?xml version="1.0" encoding="utf-8"?>
+<p:sld xmlns:a="http://schemas.openxmlformats.org/drawingml/2006/main" xmlns:r="http://schemas.openxmlformats.org/officeDocument/2006/relationships" xmlns:p="http://schemas.openxmlformats.org/presentationml/2006/main">
+  <p:cSld>
+    <p:spTree>
+      <p:nvGrpSpPr>
+        <p:cNvPr id="1" name=""/>
+        <p:cNvGrpSpPr/>
+        <p:nvPr/>
+      </p:nvGrpSpPr>
+      <p:grpSpPr>
+        <a:xfrm>
+          <a:off x="0" y="0"/>
+          <a:ext cx="0" cy="0"/>
+          <a:chOff x="0" y="0"/>
+          <a:chExt cx="0" cy="0"/>
+        </a:xfrm>
+      </p:grpSpPr>
+      <p:sp>
+        <p:nvSpPr>
+          <p:cNvPr id="2" name="Title 1">
+            <a:extLst>
+              <a:ext uri="{FF2B5EF4-FFF2-40B4-BE49-F238E27FC236}">
+                <a16:creationId xmlns:a16="http://schemas.microsoft.com/office/drawing/2014/main" id="{4D10142B-7F8C-4295-914C-AC2A5221DB1A}"/>
+              </a:ext>
+            </a:extLst>
+          </p:cNvPr>
+          <p:cNvSpPr>
+            <a:spLocks noGrp="1"/>
+          </p:cNvSpPr>
+          <p:nvPr>
+            <p:ph type="title"/>
+          </p:nvPr>
+        </p:nvSpPr>
+        <p:spPr/>
+        <p:txBody>
+          <a:bodyPr/>
+          <a:lstStyle/>
+          <a:p>
+            <a:r>
+              <a:rPr lang="en-US" dirty="0"/>
+              <a:t>Result – </a:t>
+            </a:r>
+            <a:r>
+              <a:rPr lang="en-US" dirty="0" err="1"/>
+              <a:t>Autodecoder</a:t>
+            </a:r>
+            <a:r>
+              <a:rPr lang="en-US" dirty="0"/>
+              <a:t> Training</a:t>
+            </a:r>
+          </a:p>
+        </p:txBody>
+      </p:sp>
+      <p:sp>
+        <p:nvSpPr>
+          <p:cNvPr id="3" name="Content Placeholder 2">
+            <a:extLst>
+              <a:ext uri="{FF2B5EF4-FFF2-40B4-BE49-F238E27FC236}">
+                <a16:creationId xmlns:a16="http://schemas.microsoft.com/office/drawing/2014/main" id="{7A81B259-917D-43C9-A537-8D4058A8742C}"/>
+              </a:ext>
+            </a:extLst>
+          </p:cNvPr>
+          <p:cNvSpPr>
+            <a:spLocks noGrp="1"/>
+          </p:cNvSpPr>
+          <p:nvPr>
+            <p:ph idx="1"/>
+          </p:nvPr>
+        </p:nvSpPr>
+        <p:spPr>
+          <a:xfrm>
+            <a:off x="838200" y="1245996"/>
+            <a:ext cx="10515600" cy="4930967"/>
+          </a:xfrm>
+        </p:spPr>
+        <p:txBody>
+          <a:bodyPr/>
+          <a:lstStyle/>
+          <a:p>
+            <a:r>
+              <a:rPr lang="en-US" dirty="0"/>
+              <a:t>Reconstructed image sharpen important features in the wafer map</a:t>
+            </a:r>
+          </a:p>
+        </p:txBody>
+      </p:sp>
+      <p:pic>
+        <p:nvPicPr>
+          <p:cNvPr id="4" name="Picture 3">
+            <a:extLst>
+              <a:ext uri="{FF2B5EF4-FFF2-40B4-BE49-F238E27FC236}">
+                <a16:creationId xmlns:a16="http://schemas.microsoft.com/office/drawing/2014/main" id="{F6CA8B9C-32B1-4885-9E66-D124BC172AD1}"/>
+              </a:ext>
+            </a:extLst>
+          </p:cNvPr>
+          <p:cNvPicPr>
+            <a:picLocks noChangeAspect="1"/>
+          </p:cNvPicPr>
+          <p:nvPr/>
+        </p:nvPicPr>
+        <p:blipFill>
+          <a:blip r:embed="rId2"/>
+          <a:stretch>
+            <a:fillRect/>
+          </a:stretch>
+        </p:blipFill>
+        <p:spPr>
+          <a:xfrm>
+            <a:off x="378488" y="1638300"/>
             <a:ext cx="2514600" cy="5219700"/>
+          </a:xfrm>
+          <a:prstGeom prst="rect">
+            <a:avLst/>
+          </a:prstGeom>
+        </p:spPr>
+      </p:pic>
+      <p:pic>
+        <p:nvPicPr>
+          <p:cNvPr id="5" name="Picture 4">
+            <a:extLst>
+              <a:ext uri="{FF2B5EF4-FFF2-40B4-BE49-F238E27FC236}">
+                <a16:creationId xmlns:a16="http://schemas.microsoft.com/office/drawing/2014/main" id="{2C11A665-A086-48B3-8670-994CAEED07F5}"/>
+              </a:ext>
+            </a:extLst>
+          </p:cNvPr>
+          <p:cNvPicPr>
+            <a:picLocks noChangeAspect="1"/>
+          </p:cNvPicPr>
+          <p:nvPr/>
+        </p:nvPicPr>
+        <p:blipFill>
+          <a:blip r:embed="rId3"/>
+          <a:stretch>
+            <a:fillRect/>
+          </a:stretch>
+        </p:blipFill>
+        <p:spPr>
+          <a:xfrm>
+            <a:off x="2893088" y="1638300"/>
+            <a:ext cx="2409825" cy="5210175"/>
+          </a:xfrm>
+          <a:prstGeom prst="rect">
+            <a:avLst/>
+          </a:prstGeom>
+        </p:spPr>
+      </p:pic>
+      <p:pic>
+        <p:nvPicPr>
+          <p:cNvPr id="6" name="Picture 5">
+            <a:extLst>
+              <a:ext uri="{FF2B5EF4-FFF2-40B4-BE49-F238E27FC236}">
+                <a16:creationId xmlns:a16="http://schemas.microsoft.com/office/drawing/2014/main" id="{AD044EF4-3102-442E-8231-5B94826FA3B5}"/>
+              </a:ext>
+            </a:extLst>
+          </p:cNvPr>
+          <p:cNvPicPr>
+            <a:picLocks noChangeAspect="1"/>
+          </p:cNvPicPr>
+          <p:nvPr/>
+        </p:nvPicPr>
+        <p:blipFill>
+          <a:blip r:embed="rId4"/>
+          <a:stretch>
+            <a:fillRect/>
+          </a:stretch>
+        </p:blipFill>
+        <p:spPr>
+          <a:xfrm>
+            <a:off x="5302913" y="1662112"/>
+            <a:ext cx="2419350" cy="5162550"/>
+          </a:xfrm>
+          <a:prstGeom prst="rect">
+            <a:avLst/>
+          </a:prstGeom>
+        </p:spPr>
+      </p:pic>
+      <p:pic>
+        <p:nvPicPr>
+          <p:cNvPr id="8" name="Picture 7">
+            <a:extLst>
+              <a:ext uri="{FF2B5EF4-FFF2-40B4-BE49-F238E27FC236}">
+                <a16:creationId xmlns:a16="http://schemas.microsoft.com/office/drawing/2014/main" id="{644DEB82-F656-4D0F-9427-FF26A2ADAF16}"/>
+              </a:ext>
+            </a:extLst>
+          </p:cNvPr>
+          <p:cNvPicPr>
+            <a:picLocks noChangeAspect="1"/>
+          </p:cNvPicPr>
+          <p:nvPr/>
+        </p:nvPicPr>
+        <p:blipFill>
+          <a:blip r:embed="rId5"/>
+          <a:stretch>
+            <a:fillRect/>
+          </a:stretch>
+        </p:blipFill>
+        <p:spPr>
+          <a:xfrm>
+            <a:off x="7932074" y="1643062"/>
+            <a:ext cx="2733675" cy="5200650"/>
           </a:xfrm>
           <a:prstGeom prst="rect">
             <a:avLst/>
@@ -3774,7 +7442,218 @@
 </p:sld>
 </file>
 
-<file path=ppt/slides/slide13.xml><?xml version="1.0" encoding="utf-8"?>
+<file path=ppt/slides/slide18.xml><?xml version="1.0" encoding="utf-8"?>
+<p:sld xmlns:a="http://schemas.openxmlformats.org/drawingml/2006/main" xmlns:r="http://schemas.openxmlformats.org/officeDocument/2006/relationships" xmlns:p="http://schemas.openxmlformats.org/presentationml/2006/main">
+  <p:cSld>
+    <p:spTree>
+      <p:nvGrpSpPr>
+        <p:cNvPr id="1" name=""/>
+        <p:cNvGrpSpPr/>
+        <p:nvPr/>
+      </p:nvGrpSpPr>
+      <p:grpSpPr>
+        <a:xfrm>
+          <a:off x="0" y="0"/>
+          <a:ext cx="0" cy="0"/>
+          <a:chOff x="0" y="0"/>
+          <a:chExt cx="0" cy="0"/>
+        </a:xfrm>
+      </p:grpSpPr>
+      <p:sp>
+        <p:nvSpPr>
+          <p:cNvPr id="2" name="Title 1">
+            <a:extLst>
+              <a:ext uri="{FF2B5EF4-FFF2-40B4-BE49-F238E27FC236}">
+                <a16:creationId xmlns:a16="http://schemas.microsoft.com/office/drawing/2014/main" id="{FF18DDE5-1103-46E2-9B9B-79AC41BC4BC9}"/>
+              </a:ext>
+            </a:extLst>
+          </p:cNvPr>
+          <p:cNvSpPr>
+            <a:spLocks noGrp="1"/>
+          </p:cNvSpPr>
+          <p:nvPr>
+            <p:ph type="title"/>
+          </p:nvPr>
+        </p:nvSpPr>
+        <p:spPr/>
+        <p:txBody>
+          <a:bodyPr/>
+          <a:lstStyle/>
+          <a:p>
+            <a:r>
+              <a:rPr lang="en-US" dirty="0"/>
+              <a:t>Result – </a:t>
+            </a:r>
+            <a:r>
+              <a:rPr lang="en-US" dirty="0" err="1"/>
+              <a:t>Autodecoder</a:t>
+            </a:r>
+            <a:r>
+              <a:rPr lang="en-US" dirty="0"/>
+              <a:t> Training</a:t>
+            </a:r>
+          </a:p>
+        </p:txBody>
+      </p:sp>
+      <p:sp>
+        <p:nvSpPr>
+          <p:cNvPr id="3" name="Content Placeholder 2">
+            <a:extLst>
+              <a:ext uri="{FF2B5EF4-FFF2-40B4-BE49-F238E27FC236}">
+                <a16:creationId xmlns:a16="http://schemas.microsoft.com/office/drawing/2014/main" id="{F844B431-A9CA-4728-883C-05B7D03D26CB}"/>
+              </a:ext>
+            </a:extLst>
+          </p:cNvPr>
+          <p:cNvSpPr>
+            <a:spLocks noGrp="1"/>
+          </p:cNvSpPr>
+          <p:nvPr>
+            <p:ph idx="1"/>
+          </p:nvPr>
+        </p:nvSpPr>
+        <p:spPr/>
+        <p:txBody>
+          <a:bodyPr/>
+          <a:lstStyle/>
+          <a:p>
+            <a:endParaRPr lang="en-US" dirty="0"/>
+          </a:p>
+        </p:txBody>
+      </p:sp>
+      <p:pic>
+        <p:nvPicPr>
+          <p:cNvPr id="4" name="Picture 3">
+            <a:extLst>
+              <a:ext uri="{FF2B5EF4-FFF2-40B4-BE49-F238E27FC236}">
+                <a16:creationId xmlns:a16="http://schemas.microsoft.com/office/drawing/2014/main" id="{1B428422-8BB6-4C99-B525-1A2E26349B04}"/>
+              </a:ext>
+            </a:extLst>
+          </p:cNvPr>
+          <p:cNvPicPr>
+            <a:picLocks noChangeAspect="1"/>
+          </p:cNvPicPr>
+          <p:nvPr/>
+        </p:nvPicPr>
+        <p:blipFill>
+          <a:blip r:embed="rId2"/>
+          <a:stretch>
+            <a:fillRect/>
+          </a:stretch>
+        </p:blipFill>
+        <p:spPr>
+          <a:xfrm>
+            <a:off x="625824" y="1410494"/>
+            <a:ext cx="2419350" cy="5181600"/>
+          </a:xfrm>
+          <a:prstGeom prst="rect">
+            <a:avLst/>
+          </a:prstGeom>
+        </p:spPr>
+      </p:pic>
+      <p:pic>
+        <p:nvPicPr>
+          <p:cNvPr id="5" name="Picture 4">
+            <a:extLst>
+              <a:ext uri="{FF2B5EF4-FFF2-40B4-BE49-F238E27FC236}">
+                <a16:creationId xmlns:a16="http://schemas.microsoft.com/office/drawing/2014/main" id="{229A9875-CA42-4019-AB87-FFCB373C7008}"/>
+              </a:ext>
+            </a:extLst>
+          </p:cNvPr>
+          <p:cNvPicPr>
+            <a:picLocks noChangeAspect="1"/>
+          </p:cNvPicPr>
+          <p:nvPr/>
+        </p:nvPicPr>
+        <p:blipFill>
+          <a:blip r:embed="rId3"/>
+          <a:stretch>
+            <a:fillRect/>
+          </a:stretch>
+        </p:blipFill>
+        <p:spPr>
+          <a:xfrm>
+            <a:off x="3045174" y="1410494"/>
+            <a:ext cx="2505075" cy="5229225"/>
+          </a:xfrm>
+          <a:prstGeom prst="rect">
+            <a:avLst/>
+          </a:prstGeom>
+        </p:spPr>
+      </p:pic>
+      <p:pic>
+        <p:nvPicPr>
+          <p:cNvPr id="7" name="Picture 6">
+            <a:extLst>
+              <a:ext uri="{FF2B5EF4-FFF2-40B4-BE49-F238E27FC236}">
+                <a16:creationId xmlns:a16="http://schemas.microsoft.com/office/drawing/2014/main" id="{7683C2DD-5AAD-445B-8D16-649ADC54D1D7}"/>
+              </a:ext>
+            </a:extLst>
+          </p:cNvPr>
+          <p:cNvPicPr>
+            <a:picLocks noChangeAspect="1"/>
+          </p:cNvPicPr>
+          <p:nvPr/>
+        </p:nvPicPr>
+        <p:blipFill>
+          <a:blip r:embed="rId4"/>
+          <a:stretch>
+            <a:fillRect/>
+          </a:stretch>
+        </p:blipFill>
+        <p:spPr>
+          <a:xfrm>
+            <a:off x="5422553" y="1439068"/>
+            <a:ext cx="2438400" cy="5172075"/>
+          </a:xfrm>
+          <a:prstGeom prst="rect">
+            <a:avLst/>
+          </a:prstGeom>
+        </p:spPr>
+      </p:pic>
+      <p:pic>
+        <p:nvPicPr>
+          <p:cNvPr id="9" name="Picture 8">
+            <a:extLst>
+              <a:ext uri="{FF2B5EF4-FFF2-40B4-BE49-F238E27FC236}">
+                <a16:creationId xmlns:a16="http://schemas.microsoft.com/office/drawing/2014/main" id="{9E9AABCF-7B25-44F1-939E-A1B3EF058072}"/>
+              </a:ext>
+            </a:extLst>
+          </p:cNvPr>
+          <p:cNvPicPr>
+            <a:picLocks noChangeAspect="1"/>
+          </p:cNvPicPr>
+          <p:nvPr/>
+        </p:nvPicPr>
+        <p:blipFill>
+          <a:blip r:embed="rId5"/>
+          <a:stretch>
+            <a:fillRect/>
+          </a:stretch>
+        </p:blipFill>
+        <p:spPr>
+          <a:xfrm>
+            <a:off x="7860953" y="1439068"/>
+            <a:ext cx="2457450" cy="5181600"/>
+          </a:xfrm>
+          <a:prstGeom prst="rect">
+            <a:avLst/>
+          </a:prstGeom>
+        </p:spPr>
+      </p:pic>
+    </p:spTree>
+    <p:extLst>
+      <p:ext uri="{BB962C8B-B14F-4D97-AF65-F5344CB8AC3E}">
+        <p14:creationId xmlns:p14="http://schemas.microsoft.com/office/powerpoint/2010/main" val="2217396336"/>
+      </p:ext>
+    </p:extLst>
+  </p:cSld>
+  <p:clrMapOvr>
+    <a:masterClrMapping/>
+  </p:clrMapOvr>
+</p:sld>
+</file>
+
+<file path=ppt/slides/slide19.xml><?xml version="1.0" encoding="utf-8"?>
 <p:sld xmlns:a="http://schemas.openxmlformats.org/drawingml/2006/main" xmlns:r="http://schemas.openxmlformats.org/officeDocument/2006/relationships" xmlns:p="http://schemas.openxmlformats.org/presentationml/2006/main">
   <p:cSld>
     <p:spTree>
@@ -3924,7 +7803,7 @@
 </p:sld>
 </file>
 
-<file path=ppt/slides/slide14.xml><?xml version="1.0" encoding="utf-8"?>
+<file path=ppt/slides/slide2.xml><?xml version="1.0" encoding="utf-8"?>
 <p:sld xmlns:a="http://schemas.openxmlformats.org/drawingml/2006/main" xmlns:r="http://schemas.openxmlformats.org/officeDocument/2006/relationships" xmlns:p="http://schemas.openxmlformats.org/presentationml/2006/main">
   <p:cSld>
     <p:spTree>
@@ -3946,7 +7825,7 @@
           <p:cNvPr id="2" name="Title 1">
             <a:extLst>
               <a:ext uri="{FF2B5EF4-FFF2-40B4-BE49-F238E27FC236}">
-                <a16:creationId xmlns:a16="http://schemas.microsoft.com/office/drawing/2014/main" id="{46D8A129-A58D-473C-BEB2-A571FAACF7AD}"/>
+                <a16:creationId xmlns:a16="http://schemas.microsoft.com/office/drawing/2014/main" id="{B06F684A-DDC2-47DD-8A0F-3020D4B4BC13}"/>
               </a:ext>
             </a:extLst>
           </p:cNvPr>
@@ -3964,6 +7843,110 @@
           <a:p>
             <a:r>
               <a:rPr lang="en-US" dirty="0"/>
+              <a:t>Autoencoder</a:t>
+            </a:r>
+          </a:p>
+        </p:txBody>
+      </p:sp>
+      <p:sp>
+        <p:nvSpPr>
+          <p:cNvPr id="3" name="Content Placeholder 2">
+            <a:extLst>
+              <a:ext uri="{FF2B5EF4-FFF2-40B4-BE49-F238E27FC236}">
+                <a16:creationId xmlns:a16="http://schemas.microsoft.com/office/drawing/2014/main" id="{92412DFC-41B2-4B21-9A79-D09467B0E66C}"/>
+              </a:ext>
+            </a:extLst>
+          </p:cNvPr>
+          <p:cNvSpPr>
+            <a:spLocks noGrp="1"/>
+          </p:cNvSpPr>
+          <p:nvPr>
+            <p:ph idx="1"/>
+          </p:nvPr>
+        </p:nvSpPr>
+        <p:spPr/>
+        <p:txBody>
+          <a:bodyPr/>
+          <a:lstStyle/>
+          <a:p>
+            <a:r>
+              <a:rPr lang="en-US" dirty="0"/>
+              <a:t>Autoencoder comprises of two parts of network, encoder and decoder.</a:t>
+            </a:r>
+          </a:p>
+          <a:p>
+            <a:r>
+              <a:rPr lang="en-US" dirty="0"/>
+              <a:t>Encoder extracts features from the image into “code”. </a:t>
+            </a:r>
+          </a:p>
+          <a:p>
+            <a:r>
+              <a:rPr lang="en-US" dirty="0"/>
+              <a:t>“Code” is actually compressed image or image consists only necessary features.</a:t>
+            </a:r>
+          </a:p>
+          <a:p>
+            <a:r>
+              <a:rPr lang="en-US" dirty="0"/>
+              <a:t>The “code” will then be decoded and forms the reconstructed image.</a:t>
+            </a:r>
+          </a:p>
+        </p:txBody>
+      </p:sp>
+    </p:spTree>
+    <p:extLst>
+      <p:ext uri="{BB962C8B-B14F-4D97-AF65-F5344CB8AC3E}">
+        <p14:creationId xmlns:p14="http://schemas.microsoft.com/office/powerpoint/2010/main" val="2911866444"/>
+      </p:ext>
+    </p:extLst>
+  </p:cSld>
+  <p:clrMapOvr>
+    <a:masterClrMapping/>
+  </p:clrMapOvr>
+</p:sld>
+</file>
+
+<file path=ppt/slides/slide20.xml><?xml version="1.0" encoding="utf-8"?>
+<p:sld xmlns:a="http://schemas.openxmlformats.org/drawingml/2006/main" xmlns:r="http://schemas.openxmlformats.org/officeDocument/2006/relationships" xmlns:p="http://schemas.openxmlformats.org/presentationml/2006/main">
+  <p:cSld>
+    <p:spTree>
+      <p:nvGrpSpPr>
+        <p:cNvPr id="1" name=""/>
+        <p:cNvGrpSpPr/>
+        <p:nvPr/>
+      </p:nvGrpSpPr>
+      <p:grpSpPr>
+        <a:xfrm>
+          <a:off x="0" y="0"/>
+          <a:ext cx="0" cy="0"/>
+          <a:chOff x="0" y="0"/>
+          <a:chExt cx="0" cy="0"/>
+        </a:xfrm>
+      </p:grpSpPr>
+      <p:sp>
+        <p:nvSpPr>
+          <p:cNvPr id="2" name="Title 1">
+            <a:extLst>
+              <a:ext uri="{FF2B5EF4-FFF2-40B4-BE49-F238E27FC236}">
+                <a16:creationId xmlns:a16="http://schemas.microsoft.com/office/drawing/2014/main" id="{46D8A129-A58D-473C-BEB2-A571FAACF7AD}"/>
+              </a:ext>
+            </a:extLst>
+          </p:cNvPr>
+          <p:cNvSpPr>
+            <a:spLocks noGrp="1"/>
+          </p:cNvSpPr>
+          <p:nvPr>
+            <p:ph type="title"/>
+          </p:nvPr>
+        </p:nvSpPr>
+        <p:spPr/>
+        <p:txBody>
+          <a:bodyPr/>
+          <a:lstStyle/>
+          <a:p>
+            <a:r>
+              <a:rPr lang="en-US" dirty="0"/>
               <a:t>Result – Classifier Prediction</a:t>
             </a:r>
           </a:p>
@@ -3985,7 +7968,12 @@
             <p:ph idx="1"/>
           </p:nvPr>
         </p:nvSpPr>
-        <p:spPr/>
+        <p:spPr>
+          <a:xfrm>
+            <a:off x="838200" y="1235947"/>
+            <a:ext cx="10515600" cy="4941016"/>
+          </a:xfrm>
+        </p:spPr>
         <p:txBody>
           <a:bodyPr/>
           <a:lstStyle/>
@@ -4019,8 +8007,38 @@
         </p:blipFill>
         <p:spPr>
           <a:xfrm>
-            <a:off x="8461266" y="1027906"/>
+            <a:off x="1377178" y="1685925"/>
             <a:ext cx="3286125" cy="5172075"/>
+          </a:xfrm>
+          <a:prstGeom prst="rect">
+            <a:avLst/>
+          </a:prstGeom>
+        </p:spPr>
+      </p:pic>
+      <p:pic>
+        <p:nvPicPr>
+          <p:cNvPr id="6" name="Picture 5">
+            <a:extLst>
+              <a:ext uri="{FF2B5EF4-FFF2-40B4-BE49-F238E27FC236}">
+                <a16:creationId xmlns:a16="http://schemas.microsoft.com/office/drawing/2014/main" id="{E19902C8-BFF9-49D9-9716-94BBAFC1F0D4}"/>
+              </a:ext>
+            </a:extLst>
+          </p:cNvPr>
+          <p:cNvPicPr>
+            <a:picLocks noChangeAspect="1"/>
+          </p:cNvPicPr>
+          <p:nvPr/>
+        </p:nvPicPr>
+        <p:blipFill>
+          <a:blip r:embed="rId3"/>
+          <a:stretch>
+            <a:fillRect/>
+          </a:stretch>
+        </p:blipFill>
+        <p:spPr>
+          <a:xfrm>
+            <a:off x="6181343" y="1666875"/>
+            <a:ext cx="3476625" cy="5191125"/>
           </a:xfrm>
           <a:prstGeom prst="rect">
             <a:avLst/>
@@ -4040,7 +8058,7 @@
 </p:sld>
 </file>
 
-<file path=ppt/slides/slide2.xml><?xml version="1.0" encoding="utf-8"?>
+<file path=ppt/slides/slide21.xml><?xml version="1.0" encoding="utf-8"?>
 <p:sld xmlns:a="http://schemas.openxmlformats.org/drawingml/2006/main" xmlns:r="http://schemas.openxmlformats.org/officeDocument/2006/relationships" xmlns:p="http://schemas.openxmlformats.org/presentationml/2006/main">
   <p:cSld>
     <p:spTree>
@@ -4062,7 +8080,7 @@
           <p:cNvPr id="2" name="Title 1">
             <a:extLst>
               <a:ext uri="{FF2B5EF4-FFF2-40B4-BE49-F238E27FC236}">
-                <a16:creationId xmlns:a16="http://schemas.microsoft.com/office/drawing/2014/main" id="{B06F684A-DDC2-47DD-8A0F-3020D4B4BC13}"/>
+                <a16:creationId xmlns:a16="http://schemas.microsoft.com/office/drawing/2014/main" id="{46D8A129-A58D-473C-BEB2-A571FAACF7AD}"/>
               </a:ext>
             </a:extLst>
           </p:cNvPr>
@@ -4080,61 +8098,311 @@
           <a:p>
             <a:r>
               <a:rPr lang="en-US" dirty="0"/>
-              <a:t>Autoencoder</a:t>
-            </a:r>
-          </a:p>
-        </p:txBody>
-      </p:sp>
-      <p:sp>
-        <p:nvSpPr>
-          <p:cNvPr id="3" name="Content Placeholder 2">
-            <a:extLst>
-              <a:ext uri="{FF2B5EF4-FFF2-40B4-BE49-F238E27FC236}">
-                <a16:creationId xmlns:a16="http://schemas.microsoft.com/office/drawing/2014/main" id="{92412DFC-41B2-4B21-9A79-D09467B0E66C}"/>
-              </a:ext>
-            </a:extLst>
-          </p:cNvPr>
-          <p:cNvSpPr>
-            <a:spLocks noGrp="1"/>
-          </p:cNvSpPr>
-          <p:nvPr>
-            <p:ph idx="1"/>
-          </p:nvPr>
-        </p:nvSpPr>
-        <p:spPr/>
-        <p:txBody>
-          <a:bodyPr/>
-          <a:lstStyle/>
-          <a:p>
-            <a:r>
-              <a:rPr lang="en-US" dirty="0"/>
-              <a:t>Autoencoder comprises of two parts of network, encoder and decoder.</a:t>
-            </a:r>
-          </a:p>
-          <a:p>
-            <a:r>
-              <a:rPr lang="en-US" dirty="0"/>
-              <a:t>Encoder extracts features from the image into “code”. </a:t>
-            </a:r>
-          </a:p>
-          <a:p>
-            <a:r>
-              <a:rPr lang="en-US" dirty="0"/>
-              <a:t>“Code” is actually compressed image or image consists only necessary features.</a:t>
-            </a:r>
-          </a:p>
-          <a:p>
-            <a:r>
-              <a:rPr lang="en-US" dirty="0"/>
-              <a:t>The “code” will then be decoded and forms the reconstructed image.</a:t>
-            </a:r>
-          </a:p>
-        </p:txBody>
-      </p:sp>
+              <a:t>Result – Classifier Prediction</a:t>
+            </a:r>
+          </a:p>
+        </p:txBody>
+      </p:sp>
+      <p:pic>
+        <p:nvPicPr>
+          <p:cNvPr id="7" name="Picture 6">
+            <a:extLst>
+              <a:ext uri="{FF2B5EF4-FFF2-40B4-BE49-F238E27FC236}">
+                <a16:creationId xmlns:a16="http://schemas.microsoft.com/office/drawing/2014/main" id="{7D725EE7-5838-4FBD-B216-9889490C0C51}"/>
+              </a:ext>
+            </a:extLst>
+          </p:cNvPr>
+          <p:cNvPicPr>
+            <a:picLocks noChangeAspect="1"/>
+          </p:cNvPicPr>
+          <p:nvPr/>
+        </p:nvPicPr>
+        <p:blipFill>
+          <a:blip r:embed="rId2"/>
+          <a:stretch>
+            <a:fillRect/>
+          </a:stretch>
+        </p:blipFill>
+        <p:spPr>
+          <a:xfrm>
+            <a:off x="1743076" y="1458703"/>
+            <a:ext cx="2933700" cy="5162550"/>
+          </a:xfrm>
+          <a:prstGeom prst="rect">
+            <a:avLst/>
+          </a:prstGeom>
+        </p:spPr>
+      </p:pic>
+      <p:pic>
+        <p:nvPicPr>
+          <p:cNvPr id="8" name="Picture 7">
+            <a:extLst>
+              <a:ext uri="{FF2B5EF4-FFF2-40B4-BE49-F238E27FC236}">
+                <a16:creationId xmlns:a16="http://schemas.microsoft.com/office/drawing/2014/main" id="{D6CB438D-7B71-4DF3-9739-55E9EFA12186}"/>
+              </a:ext>
+            </a:extLst>
+          </p:cNvPr>
+          <p:cNvPicPr>
+            <a:picLocks noChangeAspect="1"/>
+          </p:cNvPicPr>
+          <p:nvPr/>
+        </p:nvPicPr>
+        <p:blipFill>
+          <a:blip r:embed="rId3"/>
+          <a:stretch>
+            <a:fillRect/>
+          </a:stretch>
+        </p:blipFill>
+        <p:spPr>
+          <a:xfrm>
+            <a:off x="5123508" y="1458703"/>
+            <a:ext cx="3209925" cy="5114925"/>
+          </a:xfrm>
+          <a:prstGeom prst="rect">
+            <a:avLst/>
+          </a:prstGeom>
+        </p:spPr>
+      </p:pic>
     </p:spTree>
     <p:extLst>
       <p:ext uri="{BB962C8B-B14F-4D97-AF65-F5344CB8AC3E}">
-        <p14:creationId xmlns:p14="http://schemas.microsoft.com/office/powerpoint/2010/main" val="2911866444"/>
+        <p14:creationId xmlns:p14="http://schemas.microsoft.com/office/powerpoint/2010/main" val="1669777399"/>
+      </p:ext>
+    </p:extLst>
+  </p:cSld>
+  <p:clrMapOvr>
+    <a:masterClrMapping/>
+  </p:clrMapOvr>
+</p:sld>
+</file>
+
+<file path=ppt/slides/slide22.xml><?xml version="1.0" encoding="utf-8"?>
+<p:sld xmlns:a="http://schemas.openxmlformats.org/drawingml/2006/main" xmlns:r="http://schemas.openxmlformats.org/officeDocument/2006/relationships" xmlns:p="http://schemas.openxmlformats.org/presentationml/2006/main">
+  <p:cSld>
+    <p:spTree>
+      <p:nvGrpSpPr>
+        <p:cNvPr id="1" name=""/>
+        <p:cNvGrpSpPr/>
+        <p:nvPr/>
+      </p:nvGrpSpPr>
+      <p:grpSpPr>
+        <a:xfrm>
+          <a:off x="0" y="0"/>
+          <a:ext cx="0" cy="0"/>
+          <a:chOff x="0" y="0"/>
+          <a:chExt cx="0" cy="0"/>
+        </a:xfrm>
+      </p:grpSpPr>
+      <p:sp>
+        <p:nvSpPr>
+          <p:cNvPr id="2" name="Title 1">
+            <a:extLst>
+              <a:ext uri="{FF2B5EF4-FFF2-40B4-BE49-F238E27FC236}">
+                <a16:creationId xmlns:a16="http://schemas.microsoft.com/office/drawing/2014/main" id="{46D8A129-A58D-473C-BEB2-A571FAACF7AD}"/>
+              </a:ext>
+            </a:extLst>
+          </p:cNvPr>
+          <p:cNvSpPr>
+            <a:spLocks noGrp="1"/>
+          </p:cNvSpPr>
+          <p:nvPr>
+            <p:ph type="title"/>
+          </p:nvPr>
+        </p:nvSpPr>
+        <p:spPr/>
+        <p:txBody>
+          <a:bodyPr/>
+          <a:lstStyle/>
+          <a:p>
+            <a:r>
+              <a:rPr lang="en-US" dirty="0"/>
+              <a:t>Result – Classifier Prediction</a:t>
+            </a:r>
+          </a:p>
+        </p:txBody>
+      </p:sp>
+      <p:pic>
+        <p:nvPicPr>
+          <p:cNvPr id="3" name="Picture 2">
+            <a:extLst>
+              <a:ext uri="{FF2B5EF4-FFF2-40B4-BE49-F238E27FC236}">
+                <a16:creationId xmlns:a16="http://schemas.microsoft.com/office/drawing/2014/main" id="{B8C19814-90EA-4843-81CA-BB1BAB090779}"/>
+              </a:ext>
+            </a:extLst>
+          </p:cNvPr>
+          <p:cNvPicPr>
+            <a:picLocks noChangeAspect="1"/>
+          </p:cNvPicPr>
+          <p:nvPr/>
+        </p:nvPicPr>
+        <p:blipFill>
+          <a:blip r:embed="rId2"/>
+          <a:stretch>
+            <a:fillRect/>
+          </a:stretch>
+        </p:blipFill>
+        <p:spPr>
+          <a:xfrm>
+            <a:off x="1371181" y="1458703"/>
+            <a:ext cx="3581400" cy="5143500"/>
+          </a:xfrm>
+          <a:prstGeom prst="rect">
+            <a:avLst/>
+          </a:prstGeom>
+        </p:spPr>
+      </p:pic>
+      <p:pic>
+        <p:nvPicPr>
+          <p:cNvPr id="4" name="Picture 3">
+            <a:extLst>
+              <a:ext uri="{FF2B5EF4-FFF2-40B4-BE49-F238E27FC236}">
+                <a16:creationId xmlns:a16="http://schemas.microsoft.com/office/drawing/2014/main" id="{FBBD7904-1B29-4F1C-9924-DC40310190BE}"/>
+              </a:ext>
+            </a:extLst>
+          </p:cNvPr>
+          <p:cNvPicPr>
+            <a:picLocks noChangeAspect="1"/>
+          </p:cNvPicPr>
+          <p:nvPr/>
+        </p:nvPicPr>
+        <p:blipFill>
+          <a:blip r:embed="rId3"/>
+          <a:stretch>
+            <a:fillRect/>
+          </a:stretch>
+        </p:blipFill>
+        <p:spPr>
+          <a:xfrm>
+            <a:off x="5325731" y="1458703"/>
+            <a:ext cx="2686050" cy="5162550"/>
+          </a:xfrm>
+          <a:prstGeom prst="rect">
+            <a:avLst/>
+          </a:prstGeom>
+        </p:spPr>
+      </p:pic>
+    </p:spTree>
+    <p:extLst>
+      <p:ext uri="{BB962C8B-B14F-4D97-AF65-F5344CB8AC3E}">
+        <p14:creationId xmlns:p14="http://schemas.microsoft.com/office/powerpoint/2010/main" val="2415174043"/>
+      </p:ext>
+    </p:extLst>
+  </p:cSld>
+  <p:clrMapOvr>
+    <a:masterClrMapping/>
+  </p:clrMapOvr>
+</p:sld>
+</file>
+
+<file path=ppt/slides/slide23.xml><?xml version="1.0" encoding="utf-8"?>
+<p:sld xmlns:a="http://schemas.openxmlformats.org/drawingml/2006/main" xmlns:r="http://schemas.openxmlformats.org/officeDocument/2006/relationships" xmlns:p="http://schemas.openxmlformats.org/presentationml/2006/main">
+  <p:cSld>
+    <p:spTree>
+      <p:nvGrpSpPr>
+        <p:cNvPr id="1" name=""/>
+        <p:cNvGrpSpPr/>
+        <p:nvPr/>
+      </p:nvGrpSpPr>
+      <p:grpSpPr>
+        <a:xfrm>
+          <a:off x="0" y="0"/>
+          <a:ext cx="0" cy="0"/>
+          <a:chOff x="0" y="0"/>
+          <a:chExt cx="0" cy="0"/>
+        </a:xfrm>
+      </p:grpSpPr>
+      <p:sp>
+        <p:nvSpPr>
+          <p:cNvPr id="2" name="Title 1">
+            <a:extLst>
+              <a:ext uri="{FF2B5EF4-FFF2-40B4-BE49-F238E27FC236}">
+                <a16:creationId xmlns:a16="http://schemas.microsoft.com/office/drawing/2014/main" id="{46D8A129-A58D-473C-BEB2-A571FAACF7AD}"/>
+              </a:ext>
+            </a:extLst>
+          </p:cNvPr>
+          <p:cNvSpPr>
+            <a:spLocks noGrp="1"/>
+          </p:cNvSpPr>
+          <p:nvPr>
+            <p:ph type="title"/>
+          </p:nvPr>
+        </p:nvSpPr>
+        <p:spPr/>
+        <p:txBody>
+          <a:bodyPr/>
+          <a:lstStyle/>
+          <a:p>
+            <a:r>
+              <a:rPr lang="en-US" dirty="0"/>
+              <a:t>Result – Classifier Prediction</a:t>
+            </a:r>
+          </a:p>
+        </p:txBody>
+      </p:sp>
+      <p:pic>
+        <p:nvPicPr>
+          <p:cNvPr id="3" name="Picture 2">
+            <a:extLst>
+              <a:ext uri="{FF2B5EF4-FFF2-40B4-BE49-F238E27FC236}">
+                <a16:creationId xmlns:a16="http://schemas.microsoft.com/office/drawing/2014/main" id="{10F33020-F2BC-4EC7-A546-2F264297FC26}"/>
+              </a:ext>
+            </a:extLst>
+          </p:cNvPr>
+          <p:cNvPicPr>
+            <a:picLocks noChangeAspect="1"/>
+          </p:cNvPicPr>
+          <p:nvPr/>
+        </p:nvPicPr>
+        <p:blipFill>
+          <a:blip r:embed="rId2"/>
+          <a:stretch>
+            <a:fillRect/>
+          </a:stretch>
+        </p:blipFill>
+        <p:spPr>
+          <a:xfrm>
+            <a:off x="916284" y="1439652"/>
+            <a:ext cx="3848100" cy="5153025"/>
+          </a:xfrm>
+          <a:prstGeom prst="rect">
+            <a:avLst/>
+          </a:prstGeom>
+        </p:spPr>
+      </p:pic>
+      <p:pic>
+        <p:nvPicPr>
+          <p:cNvPr id="5" name="Picture 4">
+            <a:extLst>
+              <a:ext uri="{FF2B5EF4-FFF2-40B4-BE49-F238E27FC236}">
+                <a16:creationId xmlns:a16="http://schemas.microsoft.com/office/drawing/2014/main" id="{0DB6651B-2245-4A8B-B31B-FEE572BE12B5}"/>
+              </a:ext>
+            </a:extLst>
+          </p:cNvPr>
+          <p:cNvPicPr>
+            <a:picLocks noChangeAspect="1"/>
+          </p:cNvPicPr>
+          <p:nvPr/>
+        </p:nvPicPr>
+        <p:blipFill>
+          <a:blip r:embed="rId3"/>
+          <a:stretch>
+            <a:fillRect/>
+          </a:stretch>
+        </p:blipFill>
+        <p:spPr>
+          <a:xfrm>
+            <a:off x="5146117" y="1439652"/>
+            <a:ext cx="3829050" cy="5238750"/>
+          </a:xfrm>
+          <a:prstGeom prst="rect">
+            <a:avLst/>
+          </a:prstGeom>
+        </p:spPr>
+      </p:pic>
+    </p:spTree>
+    <p:extLst>
+      <p:ext uri="{BB962C8B-B14F-4D97-AF65-F5344CB8AC3E}">
+        <p14:creationId xmlns:p14="http://schemas.microsoft.com/office/powerpoint/2010/main" val="317157346"/>
       </p:ext>
     </p:extLst>
   </p:cSld>
@@ -4284,7 +8552,7 @@
           <p:cNvPr id="2" name="Title 1">
             <a:extLst>
               <a:ext uri="{FF2B5EF4-FFF2-40B4-BE49-F238E27FC236}">
-                <a16:creationId xmlns:a16="http://schemas.microsoft.com/office/drawing/2014/main" id="{599B1103-A570-4FE3-A781-1C15A4271835}"/>
+                <a16:creationId xmlns:a16="http://schemas.microsoft.com/office/drawing/2014/main" id="{35727D4E-7DB2-4062-A23A-02C2F106A0EC}"/>
               </a:ext>
             </a:extLst>
           </p:cNvPr>
@@ -4302,7 +8570,7 @@
           <a:p>
             <a:r>
               <a:rPr lang="en-US" dirty="0"/>
-              <a:t>Decoder</a:t>
+              <a:t>Encoder</a:t>
             </a:r>
           </a:p>
         </p:txBody>
@@ -4312,7 +8580,7 @@
           <p:cNvPr id="3" name="Content Placeholder 2">
             <a:extLst>
               <a:ext uri="{FF2B5EF4-FFF2-40B4-BE49-F238E27FC236}">
-                <a16:creationId xmlns:a16="http://schemas.microsoft.com/office/drawing/2014/main" id="{356F4AFF-6FC8-4FB6-B99E-2DAF9F27ECBA}"/>
+                <a16:creationId xmlns:a16="http://schemas.microsoft.com/office/drawing/2014/main" id="{25D8D1DD-5379-42CF-B61C-43FAE20441B9}"/>
               </a:ext>
             </a:extLst>
           </p:cNvPr>
@@ -4325,75 +8593,85 @@
         </p:nvSpPr>
         <p:spPr/>
         <p:txBody>
-          <a:bodyPr>
-            <a:normAutofit/>
+          <a:bodyPr/>
+          <a:lstStyle/>
+          <a:p>
+            <a:r>
+              <a:rPr lang="en-US" dirty="0"/>
+              <a:t>In our context, encoder compress the image size. Number on the code layer should be sufficient in describing all the features or the information will be lost</a:t>
+            </a:r>
+          </a:p>
+        </p:txBody>
+      </p:sp>
+      <p:pic>
+        <p:nvPicPr>
+          <p:cNvPr id="4" name="Picture 3">
+            <a:extLst>
+              <a:ext uri="{FF2B5EF4-FFF2-40B4-BE49-F238E27FC236}">
+                <a16:creationId xmlns:a16="http://schemas.microsoft.com/office/drawing/2014/main" id="{32DC9A09-85C6-411E-A3EC-354BB845D376}"/>
+              </a:ext>
+            </a:extLst>
+          </p:cNvPr>
+          <p:cNvPicPr>
+            <a:picLocks noChangeAspect="1"/>
+          </p:cNvPicPr>
+          <p:nvPr/>
+        </p:nvPicPr>
+        <p:blipFill>
+          <a:blip r:embed="rId2"/>
+          <a:stretch>
+            <a:fillRect/>
+          </a:stretch>
+        </p:blipFill>
+        <p:spPr>
+          <a:xfrm>
+            <a:off x="3245670" y="4087010"/>
+            <a:ext cx="4695825" cy="1457325"/>
+          </a:xfrm>
+          <a:prstGeom prst="rect">
+            <a:avLst/>
+          </a:prstGeom>
+        </p:spPr>
+      </p:pic>
+      <p:sp>
+        <p:nvSpPr>
+          <p:cNvPr id="5" name="TextBox 4">
+            <a:extLst>
+              <a:ext uri="{FF2B5EF4-FFF2-40B4-BE49-F238E27FC236}">
+                <a16:creationId xmlns:a16="http://schemas.microsoft.com/office/drawing/2014/main" id="{93F0A65F-2927-4F3F-A824-01AB8D4A7FCD}"/>
+              </a:ext>
+            </a:extLst>
+          </p:cNvPr>
+          <p:cNvSpPr txBox="1"/>
+          <p:nvPr/>
+        </p:nvSpPr>
+        <p:spPr>
+          <a:xfrm>
+            <a:off x="6659878" y="5544335"/>
+            <a:ext cx="4623125" cy="369332"/>
+          </a:xfrm>
+          <a:prstGeom prst="rect">
+            <a:avLst/>
+          </a:prstGeom>
+          <a:noFill/>
+        </p:spPr>
+        <p:txBody>
+          <a:bodyPr wrap="none" rtlCol="0">
+            <a:spAutoFit/>
           </a:bodyPr>
           <a:lstStyle/>
           <a:p>
             <a:r>
               <a:rPr lang="en-US" dirty="0"/>
-              <a:t>The “code” which is the resultant of encoder, will now be decoded back to its original shape.</a:t>
-            </a:r>
-          </a:p>
-          <a:p>
-            <a:r>
-              <a:rPr lang="en-US" dirty="0"/>
-              <a:t>In this context, we will be following the same path:</a:t>
-            </a:r>
-          </a:p>
-          <a:p>
-            <a:pPr marL="0" indent="0">
-              <a:buNone/>
-            </a:pPr>
-            <a:r>
-              <a:rPr lang="en-US" dirty="0"/>
-              <a:t>(6,6)-&gt;(11,11)-&gt;(21,21)-&gt;(42,42)</a:t>
-            </a:r>
-          </a:p>
-          <a:p>
-            <a:r>
-              <a:rPr lang="en-US" dirty="0"/>
-              <a:t>Hence, </a:t>
-            </a:r>
-            <a:r>
-              <a:rPr lang="en-US" dirty="0" err="1"/>
-              <a:t>upsampling</a:t>
-            </a:r>
-            <a:r>
-              <a:rPr lang="en-US" dirty="0"/>
-              <a:t> layer is used. Size (2,2) is chosen so the image is twice in row and column. The padded row/column shares same value.</a:t>
-            </a:r>
-          </a:p>
-          <a:p>
-            <a:r>
-              <a:rPr lang="en-US" dirty="0"/>
-              <a:t>However, certain layer involves odd number of row and column. </a:t>
-            </a:r>
-          </a:p>
-          <a:p>
-            <a:r>
-              <a:rPr lang="en-US" dirty="0"/>
-              <a:t>Hence, lambda layer is used to remove last row and last column.</a:t>
-            </a:r>
-          </a:p>
-          <a:p>
-            <a:pPr marL="0" indent="0">
-              <a:buNone/>
-            </a:pPr>
-            <a:r>
-              <a:rPr lang="en-US" dirty="0"/>
-              <a:t>(6,6)-&gt;(12,12)-&gt;(11,11)-&gt;(22,22)-&gt;(21,21)-&gt;(42,42)</a:t>
-            </a:r>
-          </a:p>
-          <a:p>
-            <a:endParaRPr lang="en-US" dirty="0"/>
+              <a:t>At coded layer, 40 neurons of 6x6 image output</a:t>
+            </a:r>
           </a:p>
         </p:txBody>
       </p:sp>
     </p:spTree>
     <p:extLst>
       <p:ext uri="{BB962C8B-B14F-4D97-AF65-F5344CB8AC3E}">
-        <p14:creationId xmlns:p14="http://schemas.microsoft.com/office/powerpoint/2010/main" val="3817930757"/>
+        <p14:creationId xmlns:p14="http://schemas.microsoft.com/office/powerpoint/2010/main" val="1091989924"/>
       </p:ext>
     </p:extLst>
   </p:cSld>
@@ -4425,7 +8703,7 @@
           <p:cNvPr id="2" name="Title 1">
             <a:extLst>
               <a:ext uri="{FF2B5EF4-FFF2-40B4-BE49-F238E27FC236}">
-                <a16:creationId xmlns:a16="http://schemas.microsoft.com/office/drawing/2014/main" id="{50C48616-5E0F-46BE-89C6-238290D744A8}"/>
+                <a16:creationId xmlns:a16="http://schemas.microsoft.com/office/drawing/2014/main" id="{599B1103-A570-4FE3-A781-1C15A4271835}"/>
               </a:ext>
             </a:extLst>
           </p:cNvPr>
@@ -4453,7 +8731,7 @@
           <p:cNvPr id="3" name="Content Placeholder 2">
             <a:extLst>
               <a:ext uri="{FF2B5EF4-FFF2-40B4-BE49-F238E27FC236}">
-                <a16:creationId xmlns:a16="http://schemas.microsoft.com/office/drawing/2014/main" id="{E8E3A686-D749-4C7B-AFF4-C53A0F683A22}"/>
+                <a16:creationId xmlns:a16="http://schemas.microsoft.com/office/drawing/2014/main" id="{356F4AFF-6FC8-4FB6-B99E-2DAF9F27ECBA}"/>
               </a:ext>
             </a:extLst>
           </p:cNvPr>
@@ -4466,22 +8744,67 @@
         </p:nvSpPr>
         <p:spPr/>
         <p:txBody>
-          <a:bodyPr/>
+          <a:bodyPr>
+            <a:normAutofit/>
+          </a:bodyPr>
           <a:lstStyle/>
           <a:p>
             <a:r>
-              <a:rPr lang="en-US" dirty="0" err="1"/>
-              <a:t>Upsampling</a:t>
-            </a:r>
-            <a:r>
               <a:rPr lang="en-US" dirty="0"/>
-              <a:t> will pad the same value. Hence, convolution layer with stride (1,1) is needed in order to increase accuracy of the re-constructed image.</a:t>
+              <a:t>The “code” which is the resultant of encoder, will now be decoded back to its original shape.</a:t>
+            </a:r>
+          </a:p>
+          <a:p>
+            <a:r>
+              <a:rPr lang="en-US" dirty="0"/>
+              <a:t>In this context, we will be following the same path:</a:t>
             </a:r>
           </a:p>
           <a:p>
             <a:pPr marL="0" indent="0">
               <a:buNone/>
             </a:pPr>
+            <a:r>
+              <a:rPr lang="en-US" dirty="0"/>
+              <a:t>(6,6)-&gt;(11,11)-&gt;(21,21)-&gt;(42,42)</a:t>
+            </a:r>
+          </a:p>
+          <a:p>
+            <a:r>
+              <a:rPr lang="en-US" dirty="0"/>
+              <a:t>Hence, </a:t>
+            </a:r>
+            <a:r>
+              <a:rPr lang="en-US" dirty="0" err="1"/>
+              <a:t>upsampling</a:t>
+            </a:r>
+            <a:r>
+              <a:rPr lang="en-US" dirty="0"/>
+              <a:t> layer is used. Size (2,2) is chosen so the image is twice in row and column. The padded row/column shares same value.</a:t>
+            </a:r>
+          </a:p>
+          <a:p>
+            <a:r>
+              <a:rPr lang="en-US" dirty="0"/>
+              <a:t>However, certain layer involves odd number of row and column. </a:t>
+            </a:r>
+          </a:p>
+          <a:p>
+            <a:r>
+              <a:rPr lang="en-US" dirty="0"/>
+              <a:t>Hence, lambda layer is used to remove last row and last column.</a:t>
+            </a:r>
+          </a:p>
+          <a:p>
+            <a:pPr marL="0" indent="0">
+              <a:buNone/>
+            </a:pPr>
+            <a:r>
+              <a:rPr lang="en-US" dirty="0"/>
+              <a:t>(6,6)-&gt;(12,12)-&gt;(11,11)-&gt;(22,22)-&gt;(21,21)-&gt;(42,42)</a:t>
+            </a:r>
+          </a:p>
+          <a:p>
             <a:endParaRPr lang="en-US" dirty="0"/>
           </a:p>
         </p:txBody>
@@ -4489,7 +8812,7 @@
     </p:spTree>
     <p:extLst>
       <p:ext uri="{BB962C8B-B14F-4D97-AF65-F5344CB8AC3E}">
-        <p14:creationId xmlns:p14="http://schemas.microsoft.com/office/powerpoint/2010/main" val="421332426"/>
+        <p14:creationId xmlns:p14="http://schemas.microsoft.com/office/powerpoint/2010/main" val="3817930757"/>
       </p:ext>
     </p:extLst>
   </p:cSld>
@@ -4521,7 +8844,7 @@
           <p:cNvPr id="2" name="Title 1">
             <a:extLst>
               <a:ext uri="{FF2B5EF4-FFF2-40B4-BE49-F238E27FC236}">
-                <a16:creationId xmlns:a16="http://schemas.microsoft.com/office/drawing/2014/main" id="{5A6F76D1-3E74-4F27-B1AA-A5DA3F4CAC7F}"/>
+                <a16:creationId xmlns:a16="http://schemas.microsoft.com/office/drawing/2014/main" id="{50C48616-5E0F-46BE-89C6-238290D744A8}"/>
               </a:ext>
             </a:extLst>
           </p:cNvPr>
@@ -4539,7 +8862,7 @@
           <a:p>
             <a:r>
               <a:rPr lang="en-US" dirty="0"/>
-              <a:t>Training of autoencoder</a:t>
+              <a:t>Decoder</a:t>
             </a:r>
           </a:p>
         </p:txBody>
@@ -4549,7 +8872,7 @@
           <p:cNvPr id="3" name="Content Placeholder 2">
             <a:extLst>
               <a:ext uri="{FF2B5EF4-FFF2-40B4-BE49-F238E27FC236}">
-                <a16:creationId xmlns:a16="http://schemas.microsoft.com/office/drawing/2014/main" id="{8721BDAC-2CBD-488C-B570-369BBAECB0F7}"/>
+                <a16:creationId xmlns:a16="http://schemas.microsoft.com/office/drawing/2014/main" id="{E8E3A686-D749-4C7B-AFF4-C53A0F683A22}"/>
               </a:ext>
             </a:extLst>
           </p:cNvPr>
@@ -4566,28 +8889,83 @@
           <a:lstStyle/>
           <a:p>
             <a:r>
+              <a:rPr lang="en-US" dirty="0" err="1"/>
+              <a:t>Upsampling</a:t>
+            </a:r>
+            <a:r>
               <a:rPr lang="en-US" dirty="0"/>
-              <a:t>The autoencoder is unsupervised learning. This is because both input and output is actually the same image.</a:t>
-            </a:r>
-          </a:p>
+              <a:t> will pad the same value. Hence, convolution layer with stride (1,1) is needed in order to increase accuracy of the re-constructed image.</a:t>
+            </a:r>
+          </a:p>
+          <a:p>
+            <a:pPr marL="0" indent="0">
+              <a:buNone/>
+            </a:pPr>
+            <a:endParaRPr lang="en-US" dirty="0"/>
+          </a:p>
+        </p:txBody>
+      </p:sp>
+      <p:pic>
+        <p:nvPicPr>
+          <p:cNvPr id="5" name="Picture 4">
+            <a:extLst>
+              <a:ext uri="{FF2B5EF4-FFF2-40B4-BE49-F238E27FC236}">
+                <a16:creationId xmlns:a16="http://schemas.microsoft.com/office/drawing/2014/main" id="{6F0CE284-836E-4987-968C-BAE03B33A28D}"/>
+              </a:ext>
+            </a:extLst>
+          </p:cNvPr>
+          <p:cNvPicPr>
+            <a:picLocks noChangeAspect="1"/>
+          </p:cNvPicPr>
+          <p:nvPr/>
+        </p:nvPicPr>
+        <p:blipFill>
+          <a:blip r:embed="rId2"/>
+          <a:stretch>
+            <a:fillRect/>
+          </a:stretch>
+        </p:blipFill>
+        <p:spPr>
+          <a:xfrm>
+            <a:off x="2840125" y="3595688"/>
+            <a:ext cx="4381500" cy="2581275"/>
+          </a:xfrm>
+          <a:prstGeom prst="rect">
+            <a:avLst/>
+          </a:prstGeom>
+        </p:spPr>
+      </p:pic>
+      <p:sp>
+        <p:nvSpPr>
+          <p:cNvPr id="6" name="TextBox 5">
+            <a:extLst>
+              <a:ext uri="{FF2B5EF4-FFF2-40B4-BE49-F238E27FC236}">
+                <a16:creationId xmlns:a16="http://schemas.microsoft.com/office/drawing/2014/main" id="{26F6389E-3FA7-4CEC-8325-9F5F51095D07}"/>
+              </a:ext>
+            </a:extLst>
+          </p:cNvPr>
+          <p:cNvSpPr txBox="1"/>
+          <p:nvPr/>
+        </p:nvSpPr>
+        <p:spPr>
+          <a:xfrm>
+            <a:off x="7599589" y="4563159"/>
+            <a:ext cx="3376246" cy="1477328"/>
+          </a:xfrm>
+          <a:prstGeom prst="rect">
+            <a:avLst/>
+          </a:prstGeom>
+          <a:noFill/>
+        </p:spPr>
+        <p:txBody>
+          <a:bodyPr wrap="square" rtlCol="0">
+            <a:spAutoFit/>
+          </a:bodyPr>
+          <a:lstStyle/>
           <a:p>
             <a:r>
               <a:rPr lang="en-US" dirty="0"/>
-              <a:t>The feature that it gathers is at the center “code” layer. The code will then used as input of </a:t>
-            </a:r>
-            <a:r>
-              <a:rPr lang="en-US" dirty="0" err="1"/>
-              <a:t>classfier</a:t>
-            </a:r>
-            <a:r>
-              <a:rPr lang="en-US" dirty="0"/>
-              <a:t>.</a:t>
-            </a:r>
-          </a:p>
-          <a:p>
-            <a:r>
-              <a:rPr lang="en-US" dirty="0"/>
-              <a:t>Hence, RMS is used to compile the model. This is because output is now an image.</a:t>
+              <a:t>Starting from coded layer, up sampling, slicing if necessary and then convolute the image. It forms 42x42 image so that self encoding is possible.</a:t>
             </a:r>
           </a:p>
         </p:txBody>
@@ -4595,7 +8973,7 @@
     </p:spTree>
     <p:extLst>
       <p:ext uri="{BB962C8B-B14F-4D97-AF65-F5344CB8AC3E}">
-        <p14:creationId xmlns:p14="http://schemas.microsoft.com/office/powerpoint/2010/main" val="3568697577"/>
+        <p14:creationId xmlns:p14="http://schemas.microsoft.com/office/powerpoint/2010/main" val="421332426"/>
       </p:ext>
     </p:extLst>
   </p:cSld>
@@ -4627,7 +9005,7 @@
           <p:cNvPr id="2" name="Title 1">
             <a:extLst>
               <a:ext uri="{FF2B5EF4-FFF2-40B4-BE49-F238E27FC236}">
-                <a16:creationId xmlns:a16="http://schemas.microsoft.com/office/drawing/2014/main" id="{75707019-F9FF-48FA-B7EF-B55C3AA9E961}"/>
+                <a16:creationId xmlns:a16="http://schemas.microsoft.com/office/drawing/2014/main" id="{5A6F76D1-3E74-4F27-B1AA-A5DA3F4CAC7F}"/>
               </a:ext>
             </a:extLst>
           </p:cNvPr>
@@ -4645,7 +9023,7 @@
           <a:p>
             <a:r>
               <a:rPr lang="en-US" dirty="0"/>
-              <a:t>Classifier</a:t>
+              <a:t>Training of autoencoder</a:t>
             </a:r>
           </a:p>
         </p:txBody>
@@ -4655,7 +9033,7 @@
           <p:cNvPr id="3" name="Content Placeholder 2">
             <a:extLst>
               <a:ext uri="{FF2B5EF4-FFF2-40B4-BE49-F238E27FC236}">
-                <a16:creationId xmlns:a16="http://schemas.microsoft.com/office/drawing/2014/main" id="{D69C1AB2-5C5F-4106-B8F2-0AFCEF355B5D}"/>
+                <a16:creationId xmlns:a16="http://schemas.microsoft.com/office/drawing/2014/main" id="{8721BDAC-2CBD-488C-B570-369BBAECB0F7}"/>
               </a:ext>
             </a:extLst>
           </p:cNvPr>
@@ -4673,41 +9051,65 @@
           <a:p>
             <a:r>
               <a:rPr lang="en-US" dirty="0"/>
-              <a:t>After training of autoencoder, the “code” can then be used to represent the extracted features.</a:t>
+              <a:t>The autoencoder is unsupervised learning. This is because both input and output is actually the same image.</a:t>
             </a:r>
           </a:p>
           <a:p>
             <a:r>
               <a:rPr lang="en-US" dirty="0"/>
-              <a:t>However, </a:t>
+              <a:t>The feature that it gathers is at the center “code” layer. The code will then used as input of </a:t>
             </a:r>
             <a:r>
               <a:rPr lang="en-US" dirty="0" err="1"/>
-              <a:t>autodecoder</a:t>
+              <a:t>classfier</a:t>
             </a:r>
             <a:r>
               <a:rPr lang="en-US" dirty="0"/>
-              <a:t> does not know how to map the extracted features to user classification.</a:t>
+              <a:t>.</a:t>
             </a:r>
           </a:p>
           <a:p>
             <a:r>
               <a:rPr lang="en-US" dirty="0"/>
-              <a:t>Hence, dense layer can be connected to the output of “code” layer. </a:t>
-            </a:r>
-          </a:p>
-          <a:p>
-            <a:r>
-              <a:rPr lang="en-US" dirty="0"/>
-              <a:t>The final dense layer must have number of neuron fits the user defined number of classes. Each neuron represent likelihood to belong to each class.</a:t>
-            </a:r>
-          </a:p>
-        </p:txBody>
-      </p:sp>
+              <a:t>Hence, RMS is used to compile the model. This is because output is now an image.</a:t>
+            </a:r>
+          </a:p>
+        </p:txBody>
+      </p:sp>
+      <p:pic>
+        <p:nvPicPr>
+          <p:cNvPr id="4" name="Picture 3">
+            <a:extLst>
+              <a:ext uri="{FF2B5EF4-FFF2-40B4-BE49-F238E27FC236}">
+                <a16:creationId xmlns:a16="http://schemas.microsoft.com/office/drawing/2014/main" id="{0A08AC6C-A8F9-4125-85C6-67C635197B07}"/>
+              </a:ext>
+            </a:extLst>
+          </p:cNvPr>
+          <p:cNvPicPr>
+            <a:picLocks noChangeAspect="1"/>
+          </p:cNvPicPr>
+          <p:nvPr/>
+        </p:nvPicPr>
+        <p:blipFill>
+          <a:blip r:embed="rId2"/>
+          <a:stretch>
+            <a:fillRect/>
+          </a:stretch>
+        </p:blipFill>
+        <p:spPr>
+          <a:xfrm>
+            <a:off x="1916547" y="4874646"/>
+            <a:ext cx="7381875" cy="390525"/>
+          </a:xfrm>
+          <a:prstGeom prst="rect">
+            <a:avLst/>
+          </a:prstGeom>
+        </p:spPr>
+      </p:pic>
     </p:spTree>
     <p:extLst>
       <p:ext uri="{BB962C8B-B14F-4D97-AF65-F5344CB8AC3E}">
-        <p14:creationId xmlns:p14="http://schemas.microsoft.com/office/powerpoint/2010/main" val="2711640580"/>
+        <p14:creationId xmlns:p14="http://schemas.microsoft.com/office/powerpoint/2010/main" val="3568697577"/>
       </p:ext>
     </p:extLst>
   </p:cSld>
@@ -4739,7 +9141,7 @@
           <p:cNvPr id="2" name="Title 1">
             <a:extLst>
               <a:ext uri="{FF2B5EF4-FFF2-40B4-BE49-F238E27FC236}">
-                <a16:creationId xmlns:a16="http://schemas.microsoft.com/office/drawing/2014/main" id="{75707019-F9FF-48FA-B7EF-B55C3AA9E961}"/>
+                <a16:creationId xmlns:a16="http://schemas.microsoft.com/office/drawing/2014/main" id="{D02F6291-18DF-472C-A711-886E249A067B}"/>
               </a:ext>
             </a:extLst>
           </p:cNvPr>
@@ -4757,7 +9159,7 @@
           <a:p>
             <a:r>
               <a:rPr lang="en-US" dirty="0"/>
-              <a:t>Classifier</a:t>
+              <a:t>Training of autoencoder</a:t>
             </a:r>
           </a:p>
         </p:txBody>
@@ -4767,7 +9169,7 @@
           <p:cNvPr id="3" name="Content Placeholder 2">
             <a:extLst>
               <a:ext uri="{FF2B5EF4-FFF2-40B4-BE49-F238E27FC236}">
-                <a16:creationId xmlns:a16="http://schemas.microsoft.com/office/drawing/2014/main" id="{D69C1AB2-5C5F-4106-B8F2-0AFCEF355B5D}"/>
+                <a16:creationId xmlns:a16="http://schemas.microsoft.com/office/drawing/2014/main" id="{852B2B4E-49EE-4317-AD59-CCDDB7785108}"/>
               </a:ext>
             </a:extLst>
           </p:cNvPr>
@@ -4785,35 +9187,48 @@
           <a:p>
             <a:r>
               <a:rPr lang="en-US" dirty="0"/>
-              <a:t>After training of autoencoder, the encoder is trained, so training of these layer must be disabled.</a:t>
-            </a:r>
-          </a:p>
-          <a:p>
-            <a:r>
-              <a:rPr lang="en-US" dirty="0"/>
-              <a:t>The dense layer will instead be trained by fitting input to input image and output to the user defined class.</a:t>
-            </a:r>
-          </a:p>
-          <a:p>
-            <a:r>
-              <a:rPr lang="en-US" dirty="0"/>
-              <a:t>Categorical </a:t>
-            </a:r>
-            <a:r>
-              <a:rPr lang="en-US" dirty="0" err="1"/>
-              <a:t>crossentropy</a:t>
-            </a:r>
-            <a:r>
-              <a:rPr lang="en-US" dirty="0"/>
-              <a:t> is used for fitting as it is now in categorical values.</a:t>
-            </a:r>
-          </a:p>
-        </p:txBody>
-      </p:sp>
+              <a:t>Full autoencoder</a:t>
+            </a:r>
+          </a:p>
+          <a:p>
+            <a:endParaRPr lang="en-US" dirty="0"/>
+          </a:p>
+        </p:txBody>
+      </p:sp>
+      <p:pic>
+        <p:nvPicPr>
+          <p:cNvPr id="4" name="Picture 3">
+            <a:extLst>
+              <a:ext uri="{FF2B5EF4-FFF2-40B4-BE49-F238E27FC236}">
+                <a16:creationId xmlns:a16="http://schemas.microsoft.com/office/drawing/2014/main" id="{6B163C3E-09D3-420A-BEBF-C32AB3B459EA}"/>
+              </a:ext>
+            </a:extLst>
+          </p:cNvPr>
+          <p:cNvPicPr>
+            <a:picLocks noChangeAspect="1"/>
+          </p:cNvPicPr>
+          <p:nvPr/>
+        </p:nvPicPr>
+        <p:blipFill>
+          <a:blip r:embed="rId2"/>
+          <a:stretch>
+            <a:fillRect/>
+          </a:stretch>
+        </p:blipFill>
+        <p:spPr>
+          <a:xfrm>
+            <a:off x="2625834" y="2383786"/>
+            <a:ext cx="4410075" cy="4219575"/>
+          </a:xfrm>
+          <a:prstGeom prst="rect">
+            <a:avLst/>
+          </a:prstGeom>
+        </p:spPr>
+      </p:pic>
     </p:spTree>
     <p:extLst>
       <p:ext uri="{BB962C8B-B14F-4D97-AF65-F5344CB8AC3E}">
-        <p14:creationId xmlns:p14="http://schemas.microsoft.com/office/powerpoint/2010/main" val="4104387835"/>
+        <p14:creationId xmlns:p14="http://schemas.microsoft.com/office/powerpoint/2010/main" val="4209134620"/>
       </p:ext>
     </p:extLst>
   </p:cSld>
@@ -4845,7 +9260,7 @@
           <p:cNvPr id="2" name="Title 1">
             <a:extLst>
               <a:ext uri="{FF2B5EF4-FFF2-40B4-BE49-F238E27FC236}">
-                <a16:creationId xmlns:a16="http://schemas.microsoft.com/office/drawing/2014/main" id="{2FF0CCE8-4EA9-4DBE-9919-0321084AA49B}"/>
+                <a16:creationId xmlns:a16="http://schemas.microsoft.com/office/drawing/2014/main" id="{75707019-F9FF-48FA-B7EF-B55C3AA9E961}"/>
               </a:ext>
             </a:extLst>
           </p:cNvPr>
@@ -4863,7 +9278,7 @@
           <a:p>
             <a:r>
               <a:rPr lang="en-US" dirty="0"/>
-              <a:t>Training Procedure</a:t>
+              <a:t>Classifier</a:t>
             </a:r>
           </a:p>
         </p:txBody>
@@ -4873,7 +9288,7 @@
           <p:cNvPr id="3" name="Content Placeholder 2">
             <a:extLst>
               <a:ext uri="{FF2B5EF4-FFF2-40B4-BE49-F238E27FC236}">
-                <a16:creationId xmlns:a16="http://schemas.microsoft.com/office/drawing/2014/main" id="{2BB32BC4-7B14-4924-BD4E-F7F8E9CB8391}"/>
+                <a16:creationId xmlns:a16="http://schemas.microsoft.com/office/drawing/2014/main" id="{D69C1AB2-5C5F-4106-B8F2-0AFCEF355B5D}"/>
               </a:ext>
             </a:extLst>
           </p:cNvPr>
@@ -4891,7 +9306,13 @@
           <a:p>
             <a:r>
               <a:rPr lang="en-US" dirty="0"/>
-              <a:t>At first, autoencoder is trained using unlabeled data. This is because </a:t>
+              <a:t>After training of autoencoder, the “code” can then be used to represent the extracted features.</a:t>
+            </a:r>
+          </a:p>
+          <a:p>
+            <a:r>
+              <a:rPr lang="en-US" dirty="0"/>
+              <a:t>However, </a:t>
             </a:r>
             <a:r>
               <a:rPr lang="en-US" dirty="0" err="1"/>
@@ -4899,19 +9320,19 @@
             </a:r>
             <a:r>
               <a:rPr lang="en-US" dirty="0"/>
-              <a:t> is using unsupervised learning.</a:t>
+              <a:t> does not know how to map the extracted features to user classification.</a:t>
             </a:r>
           </a:p>
           <a:p>
             <a:r>
               <a:rPr lang="en-US" dirty="0"/>
-              <a:t>Then, the classifier will be trained using technician label data since the classifier will need information of final classification of known extracted features.</a:t>
+              <a:t>Hence, dense layer can be connected to the output of “code” layer. </a:t>
             </a:r>
           </a:p>
           <a:p>
             <a:r>
               <a:rPr lang="en-US" dirty="0"/>
-              <a:t>This will be two different set of data.</a:t>
+              <a:t>The final dense layer must have number of neuron fits the user defined number of classes. Each neuron represent likelihood to belong to each class.</a:t>
             </a:r>
           </a:p>
         </p:txBody>
@@ -4919,7 +9340,7 @@
     </p:spTree>
     <p:extLst>
       <p:ext uri="{BB962C8B-B14F-4D97-AF65-F5344CB8AC3E}">
-        <p14:creationId xmlns:p14="http://schemas.microsoft.com/office/powerpoint/2010/main" val="2550053977"/>
+        <p14:creationId xmlns:p14="http://schemas.microsoft.com/office/powerpoint/2010/main" val="2711640580"/>
       </p:ext>
     </p:extLst>
   </p:cSld>
